--- a/ensemble/img/sozai.pptx
+++ b/ensemble/img/sozai.pptx
@@ -6,10 +6,15 @@
   </p:sldMasterIdLst>
   <p:sldIdLst>
     <p:sldId id="256" r:id="rId2"/>
-    <p:sldId id="259" r:id="rId3"/>
-    <p:sldId id="257" r:id="rId4"/>
-    <p:sldId id="258" r:id="rId5"/>
-    <p:sldId id="260" r:id="rId6"/>
+    <p:sldId id="257" r:id="rId3"/>
+    <p:sldId id="258" r:id="rId4"/>
+    <p:sldId id="260" r:id="rId5"/>
+    <p:sldId id="259" r:id="rId6"/>
+    <p:sldId id="261" r:id="rId7"/>
+    <p:sldId id="262" r:id="rId8"/>
+    <p:sldId id="263" r:id="rId9"/>
+    <p:sldId id="264" r:id="rId10"/>
+    <p:sldId id="266" r:id="rId11"/>
   </p:sldIdLst>
   <p:sldSz cx="9144000" cy="6858000" type="screen4x3"/>
   <p:notesSz cx="6858000" cy="9144000"/>
@@ -7195,7 +7200,7 @@
 </p:sld>
 </file>
 
-<file path=ppt/slides/slide2.xml><?xml version="1.0" encoding="utf-8"?>
+<file path=ppt/slides/slide10.xml><?xml version="1.0" encoding="utf-8"?>
 <p:sld xmlns:a="http://schemas.openxmlformats.org/drawingml/2006/main" xmlns:r="http://schemas.openxmlformats.org/officeDocument/2006/relationships" xmlns:p="http://schemas.openxmlformats.org/presentationml/2006/main">
   <p:cSld>
     <p:spTree>
@@ -7212,10 +7217,2002 @@
           <a:chExt cx="0" cy="0"/>
         </a:xfrm>
       </p:grpSpPr>
+      <p:grpSp>
+        <p:nvGrpSpPr>
+          <p:cNvPr id="137" name="図形グループ 136"/>
+          <p:cNvGrpSpPr/>
+          <p:nvPr/>
+        </p:nvGrpSpPr>
+        <p:grpSpPr>
+          <a:xfrm>
+            <a:off x="578808" y="1072913"/>
+            <a:ext cx="7377288" cy="4010485"/>
+            <a:chOff x="578808" y="1072913"/>
+            <a:chExt cx="7377288" cy="4010485"/>
+          </a:xfrm>
+        </p:grpSpPr>
+        <p:sp>
+          <p:nvSpPr>
+            <p:cNvPr id="3" name="テキスト ボックス 2"/>
+            <p:cNvSpPr txBox="1"/>
+            <p:nvPr/>
+          </p:nvSpPr>
+          <p:spPr>
+            <a:xfrm>
+              <a:off x="578808" y="3300547"/>
+              <a:ext cx="1107996" cy="369332"/>
+            </a:xfrm>
+            <a:prstGeom prst="rect">
+              <a:avLst/>
+            </a:prstGeom>
+            <a:noFill/>
+          </p:spPr>
+          <p:txBody>
+            <a:bodyPr wrap="none" rtlCol="0">
+              <a:spAutoFit/>
+            </a:bodyPr>
+            <a:lstStyle/>
+            <a:p>
+              <a:r>
+                <a:rPr kumimoji="1" lang="ja-JP" altLang="en-US" dirty="0" smtClean="0">
+                  <a:latin typeface="メイリオ"/>
+                  <a:ea typeface="メイリオ"/>
+                  <a:cs typeface="メイリオ"/>
+                </a:rPr>
+                <a:t>元データ</a:t>
+              </a:r>
+              <a:endParaRPr kumimoji="1" lang="ja-JP" altLang="en-US" dirty="0">
+                <a:latin typeface="メイリオ"/>
+                <a:ea typeface="メイリオ"/>
+                <a:cs typeface="メイリオ"/>
+              </a:endParaRPr>
+            </a:p>
+          </p:txBody>
+        </p:sp>
+        <p:cxnSp>
+          <p:nvCxnSpPr>
+            <p:cNvPr id="14" name="直線矢印コネクタ 13"/>
+            <p:cNvCxnSpPr/>
+            <p:nvPr/>
+          </p:nvCxnSpPr>
+          <p:spPr>
+            <a:xfrm flipV="1">
+              <a:off x="1536396" y="2072231"/>
+              <a:ext cx="1020081" cy="689618"/>
+            </a:xfrm>
+            <a:prstGeom prst="straightConnector1">
+              <a:avLst/>
+            </a:prstGeom>
+            <a:ln>
+              <a:tailEnd type="arrow"/>
+            </a:ln>
+          </p:spPr>
+          <p:style>
+            <a:lnRef idx="1">
+              <a:schemeClr val="dk1"/>
+            </a:lnRef>
+            <a:fillRef idx="0">
+              <a:schemeClr val="dk1"/>
+            </a:fillRef>
+            <a:effectRef idx="0">
+              <a:schemeClr val="dk1"/>
+            </a:effectRef>
+            <a:fontRef idx="minor">
+              <a:schemeClr val="tx1"/>
+            </a:fontRef>
+          </p:style>
+        </p:cxnSp>
+        <p:cxnSp>
+          <p:nvCxnSpPr>
+            <p:cNvPr id="15" name="直線矢印コネクタ 14"/>
+            <p:cNvCxnSpPr/>
+            <p:nvPr/>
+          </p:nvCxnSpPr>
+          <p:spPr>
+            <a:xfrm>
+              <a:off x="1536396" y="2966805"/>
+              <a:ext cx="1020081" cy="0"/>
+            </a:xfrm>
+            <a:prstGeom prst="straightConnector1">
+              <a:avLst/>
+            </a:prstGeom>
+            <a:ln>
+              <a:tailEnd type="arrow"/>
+            </a:ln>
+          </p:spPr>
+          <p:style>
+            <a:lnRef idx="1">
+              <a:schemeClr val="dk1"/>
+            </a:lnRef>
+            <a:fillRef idx="0">
+              <a:schemeClr val="dk1"/>
+            </a:fillRef>
+            <a:effectRef idx="0">
+              <a:schemeClr val="dk1"/>
+            </a:effectRef>
+            <a:fontRef idx="minor">
+              <a:schemeClr val="tx1"/>
+            </a:fontRef>
+          </p:style>
+        </p:cxnSp>
+        <p:cxnSp>
+          <p:nvCxnSpPr>
+            <p:cNvPr id="17" name="直線矢印コネクタ 16"/>
+            <p:cNvCxnSpPr/>
+            <p:nvPr/>
+          </p:nvCxnSpPr>
+          <p:spPr>
+            <a:xfrm>
+              <a:off x="1536396" y="3180102"/>
+              <a:ext cx="1020081" cy="780534"/>
+            </a:xfrm>
+            <a:prstGeom prst="straightConnector1">
+              <a:avLst/>
+            </a:prstGeom>
+            <a:ln>
+              <a:tailEnd type="arrow"/>
+            </a:ln>
+          </p:spPr>
+          <p:style>
+            <a:lnRef idx="1">
+              <a:schemeClr val="dk1"/>
+            </a:lnRef>
+            <a:fillRef idx="0">
+              <a:schemeClr val="dk1"/>
+            </a:fillRef>
+            <a:effectRef idx="0">
+              <a:schemeClr val="dk1"/>
+            </a:effectRef>
+            <a:fontRef idx="minor">
+              <a:schemeClr val="tx1"/>
+            </a:fontRef>
+          </p:style>
+        </p:cxnSp>
+        <p:sp>
+          <p:nvSpPr>
+            <p:cNvPr id="22" name="テキスト ボックス 21"/>
+            <p:cNvSpPr txBox="1"/>
+            <p:nvPr/>
+          </p:nvSpPr>
+          <p:spPr>
+            <a:xfrm>
+              <a:off x="1686804" y="1236978"/>
+              <a:ext cx="646331" cy="369332"/>
+            </a:xfrm>
+            <a:prstGeom prst="rect">
+              <a:avLst/>
+            </a:prstGeom>
+            <a:noFill/>
+          </p:spPr>
+          <p:txBody>
+            <a:bodyPr wrap="none" rtlCol="0">
+              <a:spAutoFit/>
+            </a:bodyPr>
+            <a:lstStyle/>
+            <a:p>
+              <a:pPr algn="ctr"/>
+              <a:r>
+                <a:rPr kumimoji="1" lang="ja-JP" altLang="en-US" dirty="0" smtClean="0">
+                  <a:latin typeface="メイリオ"/>
+                  <a:ea typeface="メイリオ"/>
+                  <a:cs typeface="メイリオ"/>
+                </a:rPr>
+                <a:t>学習</a:t>
+              </a:r>
+              <a:endParaRPr kumimoji="1" lang="en-US" altLang="ja-JP" dirty="0" smtClean="0">
+                <a:latin typeface="メイリオ"/>
+                <a:ea typeface="メイリオ"/>
+                <a:cs typeface="メイリオ"/>
+              </a:endParaRPr>
+            </a:p>
+          </p:txBody>
+        </p:sp>
+        <p:grpSp>
+          <p:nvGrpSpPr>
+            <p:cNvPr id="105" name="図形グループ 104"/>
+            <p:cNvGrpSpPr/>
+            <p:nvPr/>
+          </p:nvGrpSpPr>
+          <p:grpSpPr>
+            <a:xfrm>
+              <a:off x="754619" y="2660481"/>
+              <a:ext cx="682158" cy="612648"/>
+              <a:chOff x="754619" y="2660481"/>
+              <a:chExt cx="682158" cy="612648"/>
+            </a:xfrm>
+          </p:grpSpPr>
+          <p:sp>
+            <p:nvSpPr>
+              <p:cNvPr id="2" name="フローチャート: 磁気ディスク 1"/>
+              <p:cNvSpPr/>
+              <p:nvPr/>
+            </p:nvSpPr>
+            <p:spPr>
+              <a:xfrm>
+                <a:off x="754619" y="2660481"/>
+                <a:ext cx="682158" cy="612648"/>
+              </a:xfrm>
+              <a:prstGeom prst="flowChartMagneticDisk">
+                <a:avLst/>
+              </a:prstGeom>
+            </p:spPr>
+            <p:style>
+              <a:lnRef idx="2">
+                <a:schemeClr val="dk1"/>
+              </a:lnRef>
+              <a:fillRef idx="1">
+                <a:schemeClr val="lt1"/>
+              </a:fillRef>
+              <a:effectRef idx="0">
+                <a:schemeClr val="dk1"/>
+              </a:effectRef>
+              <a:fontRef idx="minor">
+                <a:schemeClr val="dk1"/>
+              </a:fontRef>
+            </p:style>
+            <p:txBody>
+              <a:bodyPr rtlCol="0" anchor="ctr"/>
+              <a:lstStyle/>
+              <a:p>
+                <a:pPr algn="ctr"/>
+                <a:endParaRPr kumimoji="1" lang="ja-JP" altLang="en-US"/>
+              </a:p>
+            </p:txBody>
+          </p:sp>
+          <p:sp>
+            <p:nvSpPr>
+              <p:cNvPr id="23" name="円/楕円 22"/>
+              <p:cNvSpPr/>
+              <p:nvPr/>
+            </p:nvSpPr>
+            <p:spPr>
+              <a:xfrm>
+                <a:off x="892347" y="2937705"/>
+                <a:ext cx="87859" cy="87859"/>
+              </a:xfrm>
+              <a:prstGeom prst="ellipse">
+                <a:avLst/>
+              </a:prstGeom>
+              <a:solidFill>
+                <a:srgbClr val="FF0000"/>
+              </a:solidFill>
+              <a:ln>
+                <a:noFill/>
+              </a:ln>
+            </p:spPr>
+            <p:style>
+              <a:lnRef idx="2">
+                <a:schemeClr val="dk1"/>
+              </a:lnRef>
+              <a:fillRef idx="1">
+                <a:schemeClr val="lt1"/>
+              </a:fillRef>
+              <a:effectRef idx="0">
+                <a:schemeClr val="dk1"/>
+              </a:effectRef>
+              <a:fontRef idx="minor">
+                <a:schemeClr val="dk1"/>
+              </a:fontRef>
+            </p:style>
+            <p:txBody>
+              <a:bodyPr rtlCol="0" anchor="ctr"/>
+              <a:lstStyle/>
+              <a:p>
+                <a:pPr algn="ctr"/>
+                <a:endParaRPr kumimoji="1" lang="ja-JP" altLang="en-US"/>
+              </a:p>
+            </p:txBody>
+          </p:sp>
+          <p:sp>
+            <p:nvSpPr>
+              <p:cNvPr id="30" name="円/楕円 29"/>
+              <p:cNvSpPr/>
+              <p:nvPr/>
+            </p:nvSpPr>
+            <p:spPr>
+              <a:xfrm>
+                <a:off x="980206" y="3075275"/>
+                <a:ext cx="87859" cy="87859"/>
+              </a:xfrm>
+              <a:prstGeom prst="ellipse">
+                <a:avLst/>
+              </a:prstGeom>
+              <a:solidFill>
+                <a:srgbClr val="008000"/>
+              </a:solidFill>
+              <a:ln>
+                <a:noFill/>
+              </a:ln>
+            </p:spPr>
+            <p:style>
+              <a:lnRef idx="2">
+                <a:schemeClr val="dk1"/>
+              </a:lnRef>
+              <a:fillRef idx="1">
+                <a:schemeClr val="lt1"/>
+              </a:fillRef>
+              <a:effectRef idx="0">
+                <a:schemeClr val="dk1"/>
+              </a:effectRef>
+              <a:fontRef idx="minor">
+                <a:schemeClr val="dk1"/>
+              </a:fontRef>
+            </p:style>
+            <p:txBody>
+              <a:bodyPr rtlCol="0" anchor="ctr"/>
+              <a:lstStyle/>
+              <a:p>
+                <a:pPr algn="ctr"/>
+                <a:endParaRPr kumimoji="1" lang="ja-JP" altLang="en-US"/>
+              </a:p>
+            </p:txBody>
+          </p:sp>
+          <p:sp>
+            <p:nvSpPr>
+              <p:cNvPr id="31" name="円/楕円 30"/>
+              <p:cNvSpPr/>
+              <p:nvPr/>
+            </p:nvSpPr>
+            <p:spPr>
+              <a:xfrm>
+                <a:off x="1068915" y="2981635"/>
+                <a:ext cx="87859" cy="87859"/>
+              </a:xfrm>
+              <a:prstGeom prst="ellipse">
+                <a:avLst/>
+              </a:prstGeom>
+              <a:solidFill>
+                <a:schemeClr val="accent6"/>
+              </a:solidFill>
+              <a:ln>
+                <a:noFill/>
+              </a:ln>
+            </p:spPr>
+            <p:style>
+              <a:lnRef idx="2">
+                <a:schemeClr val="dk1"/>
+              </a:lnRef>
+              <a:fillRef idx="1">
+                <a:schemeClr val="lt1"/>
+              </a:fillRef>
+              <a:effectRef idx="0">
+                <a:schemeClr val="dk1"/>
+              </a:effectRef>
+              <a:fontRef idx="minor">
+                <a:schemeClr val="dk1"/>
+              </a:fontRef>
+            </p:style>
+            <p:txBody>
+              <a:bodyPr rtlCol="0" anchor="ctr"/>
+              <a:lstStyle/>
+              <a:p>
+                <a:pPr algn="ctr"/>
+                <a:endParaRPr kumimoji="1" lang="ja-JP" altLang="en-US"/>
+              </a:p>
+            </p:txBody>
+          </p:sp>
+          <p:sp>
+            <p:nvSpPr>
+              <p:cNvPr id="32" name="円/楕円 31"/>
+              <p:cNvSpPr/>
+              <p:nvPr/>
+            </p:nvSpPr>
+            <p:spPr>
+              <a:xfrm>
+                <a:off x="1220465" y="2963646"/>
+                <a:ext cx="87859" cy="87859"/>
+              </a:xfrm>
+              <a:prstGeom prst="ellipse">
+                <a:avLst/>
+              </a:prstGeom>
+              <a:solidFill>
+                <a:srgbClr val="0000FF"/>
+              </a:solidFill>
+              <a:ln>
+                <a:noFill/>
+              </a:ln>
+            </p:spPr>
+            <p:style>
+              <a:lnRef idx="2">
+                <a:schemeClr val="dk1"/>
+              </a:lnRef>
+              <a:fillRef idx="1">
+                <a:schemeClr val="lt1"/>
+              </a:fillRef>
+              <a:effectRef idx="0">
+                <a:schemeClr val="dk1"/>
+              </a:effectRef>
+              <a:fontRef idx="minor">
+                <a:schemeClr val="dk1"/>
+              </a:fontRef>
+            </p:style>
+            <p:txBody>
+              <a:bodyPr rtlCol="0" anchor="ctr"/>
+              <a:lstStyle/>
+              <a:p>
+                <a:pPr algn="ctr"/>
+                <a:endParaRPr kumimoji="1" lang="ja-JP" altLang="en-US"/>
+              </a:p>
+            </p:txBody>
+          </p:sp>
+          <p:sp>
+            <p:nvSpPr>
+              <p:cNvPr id="33" name="円/楕円 32"/>
+              <p:cNvSpPr/>
+              <p:nvPr/>
+            </p:nvSpPr>
+            <p:spPr>
+              <a:xfrm>
+                <a:off x="1156774" y="3081762"/>
+                <a:ext cx="87859" cy="87859"/>
+              </a:xfrm>
+              <a:prstGeom prst="ellipse">
+                <a:avLst/>
+              </a:prstGeom>
+              <a:solidFill>
+                <a:srgbClr val="660066"/>
+              </a:solidFill>
+              <a:ln>
+                <a:noFill/>
+              </a:ln>
+            </p:spPr>
+            <p:style>
+              <a:lnRef idx="2">
+                <a:schemeClr val="dk1"/>
+              </a:lnRef>
+              <a:fillRef idx="1">
+                <a:schemeClr val="lt1"/>
+              </a:fillRef>
+              <a:effectRef idx="0">
+                <a:schemeClr val="dk1"/>
+              </a:effectRef>
+              <a:fontRef idx="minor">
+                <a:schemeClr val="dk1"/>
+              </a:fontRef>
+            </p:style>
+            <p:txBody>
+              <a:bodyPr rtlCol="0" anchor="ctr"/>
+              <a:lstStyle/>
+              <a:p>
+                <a:pPr algn="ctr"/>
+                <a:endParaRPr kumimoji="1" lang="ja-JP" altLang="en-US"/>
+              </a:p>
+            </p:txBody>
+          </p:sp>
+        </p:grpSp>
+        <p:cxnSp>
+          <p:nvCxnSpPr>
+            <p:cNvPr id="54" name="直線矢印コネクタ 53"/>
+            <p:cNvCxnSpPr/>
+            <p:nvPr/>
+          </p:nvCxnSpPr>
+          <p:spPr>
+            <a:xfrm>
+              <a:off x="3516838" y="2937705"/>
+              <a:ext cx="1026254" cy="3697"/>
+            </a:xfrm>
+            <a:prstGeom prst="straightConnector1">
+              <a:avLst/>
+            </a:prstGeom>
+            <a:ln>
+              <a:tailEnd type="arrow"/>
+            </a:ln>
+          </p:spPr>
+          <p:style>
+            <a:lnRef idx="1">
+              <a:schemeClr val="dk1"/>
+            </a:lnRef>
+            <a:fillRef idx="0">
+              <a:schemeClr val="dk1"/>
+            </a:fillRef>
+            <a:effectRef idx="0">
+              <a:schemeClr val="dk1"/>
+            </a:effectRef>
+            <a:fontRef idx="minor">
+              <a:schemeClr val="tx1"/>
+            </a:fontRef>
+          </p:style>
+        </p:cxnSp>
+        <p:cxnSp>
+          <p:nvCxnSpPr>
+            <p:cNvPr id="55" name="直線矢印コネクタ 54"/>
+            <p:cNvCxnSpPr/>
+            <p:nvPr/>
+          </p:nvCxnSpPr>
+          <p:spPr>
+            <a:xfrm>
+              <a:off x="3516838" y="4105752"/>
+              <a:ext cx="1026254" cy="0"/>
+            </a:xfrm>
+            <a:prstGeom prst="straightConnector1">
+              <a:avLst/>
+            </a:prstGeom>
+            <a:ln>
+              <a:tailEnd type="arrow"/>
+            </a:ln>
+          </p:spPr>
+          <p:style>
+            <a:lnRef idx="1">
+              <a:schemeClr val="dk1"/>
+            </a:lnRef>
+            <a:fillRef idx="0">
+              <a:schemeClr val="dk1"/>
+            </a:fillRef>
+            <a:effectRef idx="0">
+              <a:schemeClr val="dk1"/>
+            </a:effectRef>
+            <a:fontRef idx="minor">
+              <a:schemeClr val="tx1"/>
+            </a:fontRef>
+          </p:style>
+        </p:cxnSp>
+        <p:pic>
+          <p:nvPicPr>
+            <p:cNvPr id="56" name="図 55" descr="961660-200.png"/>
+            <p:cNvPicPr>
+              <a:picLocks noChangeAspect="1"/>
+            </p:cNvPicPr>
+            <p:nvPr/>
+          </p:nvPicPr>
+          <p:blipFill>
+            <a:blip r:embed="rId2">
+              <a:extLst>
+                <a:ext uri="{28A0092B-C50C-407E-A947-70E740481C1C}">
+                  <a14:useLocalDpi xmlns:a14="http://schemas.microsoft.com/office/drawing/2010/main" val="0"/>
+                </a:ext>
+              </a:extLst>
+            </a:blip>
+            <a:stretch>
+              <a:fillRect/>
+            </a:stretch>
+          </p:blipFill>
+          <p:spPr>
+            <a:xfrm>
+              <a:off x="2620484" y="2553084"/>
+              <a:ext cx="769242" cy="769242"/>
+            </a:xfrm>
+            <a:prstGeom prst="rect">
+              <a:avLst/>
+            </a:prstGeom>
+          </p:spPr>
+        </p:pic>
+        <p:cxnSp>
+          <p:nvCxnSpPr>
+            <p:cNvPr id="58" name="直線矢印コネクタ 57"/>
+            <p:cNvCxnSpPr/>
+            <p:nvPr/>
+          </p:nvCxnSpPr>
+          <p:spPr>
+            <a:xfrm>
+              <a:off x="3516838" y="1904026"/>
+              <a:ext cx="1026254" cy="0"/>
+            </a:xfrm>
+            <a:prstGeom prst="straightConnector1">
+              <a:avLst/>
+            </a:prstGeom>
+            <a:ln>
+              <a:tailEnd type="arrow"/>
+            </a:ln>
+          </p:spPr>
+          <p:style>
+            <a:lnRef idx="1">
+              <a:schemeClr val="dk1"/>
+            </a:lnRef>
+            <a:fillRef idx="0">
+              <a:schemeClr val="dk1"/>
+            </a:fillRef>
+            <a:effectRef idx="0">
+              <a:schemeClr val="dk1"/>
+            </a:effectRef>
+            <a:fontRef idx="minor">
+              <a:schemeClr val="tx1"/>
+            </a:fontRef>
+          </p:style>
+        </p:cxnSp>
+        <p:cxnSp>
+          <p:nvCxnSpPr>
+            <p:cNvPr id="60" name="直線矢印コネクタ 59"/>
+            <p:cNvCxnSpPr/>
+            <p:nvPr/>
+          </p:nvCxnSpPr>
+          <p:spPr>
+            <a:xfrm>
+              <a:off x="5418166" y="1936495"/>
+              <a:ext cx="717239" cy="723986"/>
+            </a:xfrm>
+            <a:prstGeom prst="straightConnector1">
+              <a:avLst/>
+            </a:prstGeom>
+            <a:ln>
+              <a:tailEnd type="arrow"/>
+            </a:ln>
+          </p:spPr>
+          <p:style>
+            <a:lnRef idx="1">
+              <a:schemeClr val="dk1"/>
+            </a:lnRef>
+            <a:fillRef idx="0">
+              <a:schemeClr val="dk1"/>
+            </a:fillRef>
+            <a:effectRef idx="0">
+              <a:schemeClr val="dk1"/>
+            </a:effectRef>
+            <a:fontRef idx="minor">
+              <a:schemeClr val="tx1"/>
+            </a:fontRef>
+          </p:style>
+        </p:cxnSp>
+        <p:cxnSp>
+          <p:nvCxnSpPr>
+            <p:cNvPr id="61" name="直線矢印コネクタ 60"/>
+            <p:cNvCxnSpPr/>
+            <p:nvPr/>
+          </p:nvCxnSpPr>
+          <p:spPr>
+            <a:xfrm flipV="1">
+              <a:off x="5418166" y="3348268"/>
+              <a:ext cx="717239" cy="741894"/>
+            </a:xfrm>
+            <a:prstGeom prst="straightConnector1">
+              <a:avLst/>
+            </a:prstGeom>
+            <a:ln>
+              <a:tailEnd type="arrow"/>
+            </a:ln>
+          </p:spPr>
+          <p:style>
+            <a:lnRef idx="1">
+              <a:schemeClr val="dk1"/>
+            </a:lnRef>
+            <a:fillRef idx="0">
+              <a:schemeClr val="dk1"/>
+            </a:fillRef>
+            <a:effectRef idx="0">
+              <a:schemeClr val="dk1"/>
+            </a:effectRef>
+            <a:fontRef idx="minor">
+              <a:schemeClr val="tx1"/>
+            </a:fontRef>
+          </p:style>
+        </p:cxnSp>
+        <p:cxnSp>
+          <p:nvCxnSpPr>
+            <p:cNvPr id="62" name="直線矢印コネクタ 61"/>
+            <p:cNvCxnSpPr/>
+            <p:nvPr/>
+          </p:nvCxnSpPr>
+          <p:spPr>
+            <a:xfrm>
+              <a:off x="5418166" y="2963646"/>
+              <a:ext cx="717239" cy="0"/>
+            </a:xfrm>
+            <a:prstGeom prst="straightConnector1">
+              <a:avLst/>
+            </a:prstGeom>
+            <a:ln>
+              <a:tailEnd type="arrow"/>
+            </a:ln>
+          </p:spPr>
+          <p:style>
+            <a:lnRef idx="1">
+              <a:schemeClr val="dk1"/>
+            </a:lnRef>
+            <a:fillRef idx="0">
+              <a:schemeClr val="dk1"/>
+            </a:fillRef>
+            <a:effectRef idx="0">
+              <a:schemeClr val="dk1"/>
+            </a:effectRef>
+            <a:fontRef idx="minor">
+              <a:schemeClr val="tx1"/>
+            </a:fontRef>
+          </p:style>
+        </p:cxnSp>
+        <p:sp>
+          <p:nvSpPr>
+            <p:cNvPr id="69" name="テキスト ボックス 68"/>
+            <p:cNvSpPr txBox="1"/>
+            <p:nvPr/>
+          </p:nvSpPr>
+          <p:spPr>
+            <a:xfrm>
+              <a:off x="3276437" y="1072913"/>
+              <a:ext cx="1338828" cy="646331"/>
+            </a:xfrm>
+            <a:prstGeom prst="rect">
+              <a:avLst/>
+            </a:prstGeom>
+            <a:noFill/>
+          </p:spPr>
+          <p:txBody>
+            <a:bodyPr wrap="none" rtlCol="0">
+              <a:spAutoFit/>
+            </a:bodyPr>
+            <a:lstStyle/>
+            <a:p>
+              <a:r>
+                <a:rPr kumimoji="1" lang="ja-JP" altLang="en-US" dirty="0" smtClean="0">
+                  <a:latin typeface="メイリオ"/>
+                  <a:ea typeface="メイリオ"/>
+                  <a:cs typeface="メイリオ"/>
+                </a:rPr>
+                <a:t>元データを</a:t>
+              </a:r>
+              <a:endParaRPr kumimoji="1" lang="en-US" altLang="ja-JP" dirty="0" smtClean="0">
+                <a:latin typeface="メイリオ"/>
+                <a:ea typeface="メイリオ"/>
+                <a:cs typeface="メイリオ"/>
+              </a:endParaRPr>
+            </a:p>
+            <a:p>
+              <a:r>
+                <a:rPr kumimoji="1" lang="ja-JP" altLang="en-US" dirty="0" smtClean="0">
+                  <a:latin typeface="メイリオ"/>
+                  <a:ea typeface="メイリオ"/>
+                  <a:cs typeface="メイリオ"/>
+                </a:rPr>
+                <a:t>すべて予測</a:t>
+              </a:r>
+              <a:endParaRPr kumimoji="1" lang="ja-JP" altLang="en-US" dirty="0">
+                <a:latin typeface="メイリオ"/>
+                <a:ea typeface="メイリオ"/>
+                <a:cs typeface="メイリオ"/>
+              </a:endParaRPr>
+            </a:p>
+          </p:txBody>
+        </p:sp>
+        <p:sp>
+          <p:nvSpPr>
+            <p:cNvPr id="78" name="テキスト ボックス 77"/>
+            <p:cNvSpPr txBox="1"/>
+            <p:nvPr/>
+          </p:nvSpPr>
+          <p:spPr>
+            <a:xfrm>
+              <a:off x="2366228" y="4429242"/>
+              <a:ext cx="1338828" cy="646331"/>
+            </a:xfrm>
+            <a:prstGeom prst="rect">
+              <a:avLst/>
+            </a:prstGeom>
+            <a:noFill/>
+          </p:spPr>
+          <p:txBody>
+            <a:bodyPr wrap="none" rtlCol="0">
+              <a:spAutoFit/>
+            </a:bodyPr>
+            <a:lstStyle/>
+            <a:p>
+              <a:pPr algn="ctr"/>
+              <a:r>
+                <a:rPr kumimoji="1" lang="ja-JP" altLang="en-US" dirty="0" smtClean="0">
+                  <a:latin typeface="メイリオ"/>
+                  <a:ea typeface="メイリオ"/>
+                  <a:cs typeface="メイリオ"/>
+                </a:rPr>
+                <a:t>種類の違う</a:t>
+              </a:r>
+              <a:endParaRPr kumimoji="1" lang="en-US" altLang="ja-JP" dirty="0" smtClean="0">
+                <a:latin typeface="メイリオ"/>
+                <a:ea typeface="メイリオ"/>
+                <a:cs typeface="メイリオ"/>
+              </a:endParaRPr>
+            </a:p>
+            <a:p>
+              <a:pPr algn="ctr"/>
+              <a:r>
+                <a:rPr kumimoji="1" lang="ja-JP" altLang="en-US" dirty="0" smtClean="0">
+                  <a:latin typeface="メイリオ"/>
+                  <a:ea typeface="メイリオ"/>
+                  <a:cs typeface="メイリオ"/>
+                </a:rPr>
+                <a:t>モデル</a:t>
+              </a:r>
+              <a:endParaRPr kumimoji="1" lang="ja-JP" altLang="en-US" dirty="0">
+                <a:latin typeface="メイリオ"/>
+                <a:ea typeface="メイリオ"/>
+                <a:cs typeface="メイリオ"/>
+              </a:endParaRPr>
+            </a:p>
+          </p:txBody>
+        </p:sp>
+        <p:pic>
+          <p:nvPicPr>
+            <p:cNvPr id="66" name="図 65" descr="1503825-200.png"/>
+            <p:cNvPicPr>
+              <a:picLocks noChangeAspect="1"/>
+            </p:cNvPicPr>
+            <p:nvPr/>
+          </p:nvPicPr>
+          <p:blipFill>
+            <a:blip r:embed="rId3">
+              <a:extLst>
+                <a:ext uri="{28A0092B-C50C-407E-A947-70E740481C1C}">
+                  <a14:useLocalDpi xmlns:a14="http://schemas.microsoft.com/office/drawing/2010/main" val="0"/>
+                </a:ext>
+              </a:extLst>
+            </a:blip>
+            <a:stretch>
+              <a:fillRect/>
+            </a:stretch>
+          </p:blipFill>
+          <p:spPr>
+            <a:xfrm>
+              <a:off x="2481461" y="1396079"/>
+              <a:ext cx="1041550" cy="1041550"/>
+            </a:xfrm>
+            <a:prstGeom prst="rect">
+              <a:avLst/>
+            </a:prstGeom>
+          </p:spPr>
+        </p:pic>
+        <p:pic>
+          <p:nvPicPr>
+            <p:cNvPr id="7" name="図 6" descr="img_532576.png"/>
+            <p:cNvPicPr>
+              <a:picLocks noChangeAspect="1"/>
+            </p:cNvPicPr>
+            <p:nvPr/>
+          </p:nvPicPr>
+          <p:blipFill>
+            <a:blip r:embed="rId4">
+              <a:extLst>
+                <a:ext uri="{28A0092B-C50C-407E-A947-70E740481C1C}">
+                  <a14:useLocalDpi xmlns:a14="http://schemas.microsoft.com/office/drawing/2010/main" val="0"/>
+                </a:ext>
+              </a:extLst>
+            </a:blip>
+            <a:stretch>
+              <a:fillRect/>
+            </a:stretch>
+          </p:blipFill>
+          <p:spPr>
+            <a:xfrm>
+              <a:off x="2706801" y="3740310"/>
+              <a:ext cx="669413" cy="668731"/>
+            </a:xfrm>
+            <a:prstGeom prst="rect">
+              <a:avLst/>
+            </a:prstGeom>
+          </p:spPr>
+        </p:pic>
+        <p:grpSp>
+          <p:nvGrpSpPr>
+            <p:cNvPr id="104" name="図形グループ 103"/>
+            <p:cNvGrpSpPr/>
+            <p:nvPr/>
+          </p:nvGrpSpPr>
+          <p:grpSpPr>
+            <a:xfrm>
+              <a:off x="6014974" y="2578727"/>
+              <a:ext cx="1695983" cy="1260780"/>
+              <a:chOff x="6004683" y="2456819"/>
+              <a:chExt cx="1695983" cy="1260780"/>
+            </a:xfrm>
+          </p:grpSpPr>
+          <p:sp>
+            <p:nvSpPr>
+              <p:cNvPr id="64" name="テキスト ボックス 63"/>
+              <p:cNvSpPr txBox="1"/>
+              <p:nvPr/>
+            </p:nvSpPr>
+            <p:spPr>
+              <a:xfrm>
+                <a:off x="6004683" y="3348267"/>
+                <a:ext cx="1338828" cy="369332"/>
+              </a:xfrm>
+              <a:prstGeom prst="rect">
+                <a:avLst/>
+              </a:prstGeom>
+              <a:noFill/>
+            </p:spPr>
+            <p:txBody>
+              <a:bodyPr wrap="none" rtlCol="0">
+                <a:spAutoFit/>
+              </a:bodyPr>
+              <a:lstStyle/>
+              <a:p>
+                <a:pPr algn="ctr"/>
+                <a:r>
+                  <a:rPr kumimoji="1" lang="ja-JP" altLang="en-US" dirty="0" smtClean="0">
+                    <a:latin typeface="メイリオ"/>
+                    <a:ea typeface="メイリオ"/>
+                    <a:cs typeface="メイリオ"/>
+                  </a:rPr>
+                  <a:t>メタモデル</a:t>
+                </a:r>
+                <a:endParaRPr kumimoji="1" lang="ja-JP" altLang="en-US" dirty="0">
+                  <a:latin typeface="メイリオ"/>
+                  <a:ea typeface="メイリオ"/>
+                  <a:cs typeface="メイリオ"/>
+                </a:endParaRPr>
+              </a:p>
+            </p:txBody>
+          </p:sp>
+          <p:cxnSp>
+            <p:nvCxnSpPr>
+              <p:cNvPr id="65" name="直線矢印コネクタ 64"/>
+              <p:cNvCxnSpPr/>
+              <p:nvPr/>
+            </p:nvCxnSpPr>
+            <p:spPr>
+              <a:xfrm>
+                <a:off x="6877595" y="2958265"/>
+                <a:ext cx="823071" cy="3587"/>
+              </a:xfrm>
+              <a:prstGeom prst="straightConnector1">
+                <a:avLst/>
+              </a:prstGeom>
+              <a:ln>
+                <a:tailEnd type="arrow"/>
+              </a:ln>
+            </p:spPr>
+            <p:style>
+              <a:lnRef idx="1">
+                <a:schemeClr val="dk1"/>
+              </a:lnRef>
+              <a:fillRef idx="0">
+                <a:schemeClr val="dk1"/>
+              </a:fillRef>
+              <a:effectRef idx="0">
+                <a:schemeClr val="dk1"/>
+              </a:effectRef>
+              <a:fontRef idx="minor">
+                <a:schemeClr val="tx1"/>
+              </a:fontRef>
+            </p:style>
+          </p:cxnSp>
+          <p:pic>
+            <p:nvPicPr>
+              <p:cNvPr id="8" name="図 7" descr="スクリーンショット 2019-05-29 0.49.13.png"/>
+              <p:cNvPicPr>
+                <a:picLocks noChangeAspect="1"/>
+              </p:cNvPicPr>
+              <p:nvPr/>
+            </p:nvPicPr>
+            <p:blipFill rotWithShape="1">
+              <a:blip r:embed="rId5">
+                <a:extLst>
+                  <a:ext uri="{28A0092B-C50C-407E-A947-70E740481C1C}">
+                    <a14:useLocalDpi xmlns:a14="http://schemas.microsoft.com/office/drawing/2010/main" val="0"/>
+                  </a:ext>
+                </a:extLst>
+              </a:blip>
+              <a:srcRect/>
+              <a:stretch/>
+            </p:blipFill>
+            <p:spPr>
+              <a:xfrm>
+                <a:off x="6135405" y="2456819"/>
+                <a:ext cx="885887" cy="905573"/>
+              </a:xfrm>
+              <a:prstGeom prst="rect">
+                <a:avLst/>
+              </a:prstGeom>
+            </p:spPr>
+          </p:pic>
+        </p:grpSp>
+        <p:grpSp>
+          <p:nvGrpSpPr>
+            <p:cNvPr id="106" name="図形グループ 105"/>
+            <p:cNvGrpSpPr/>
+            <p:nvPr/>
+          </p:nvGrpSpPr>
+          <p:grpSpPr>
+            <a:xfrm>
+              <a:off x="4597240" y="1606310"/>
+              <a:ext cx="682158" cy="612648"/>
+              <a:chOff x="754619" y="2660481"/>
+              <a:chExt cx="682158" cy="612648"/>
+            </a:xfrm>
+          </p:grpSpPr>
+          <p:sp>
+            <p:nvSpPr>
+              <p:cNvPr id="107" name="フローチャート: 磁気ディスク 106"/>
+              <p:cNvSpPr/>
+              <p:nvPr/>
+            </p:nvSpPr>
+            <p:spPr>
+              <a:xfrm>
+                <a:off x="754619" y="2660481"/>
+                <a:ext cx="682158" cy="612648"/>
+              </a:xfrm>
+              <a:prstGeom prst="flowChartMagneticDisk">
+                <a:avLst/>
+              </a:prstGeom>
+              <a:pattFill prst="pct10">
+                <a:fgClr>
+                  <a:schemeClr val="tx1"/>
+                </a:fgClr>
+                <a:bgClr>
+                  <a:schemeClr val="bg1"/>
+                </a:bgClr>
+              </a:pattFill>
+            </p:spPr>
+            <p:style>
+              <a:lnRef idx="2">
+                <a:schemeClr val="dk1"/>
+              </a:lnRef>
+              <a:fillRef idx="1">
+                <a:schemeClr val="lt1"/>
+              </a:fillRef>
+              <a:effectRef idx="0">
+                <a:schemeClr val="dk1"/>
+              </a:effectRef>
+              <a:fontRef idx="minor">
+                <a:schemeClr val="dk1"/>
+              </a:fontRef>
+            </p:style>
+            <p:txBody>
+              <a:bodyPr rtlCol="0" anchor="ctr"/>
+              <a:lstStyle/>
+              <a:p>
+                <a:pPr algn="ctr"/>
+                <a:endParaRPr kumimoji="1" lang="ja-JP" altLang="en-US"/>
+              </a:p>
+            </p:txBody>
+          </p:sp>
+          <p:sp>
+            <p:nvSpPr>
+              <p:cNvPr id="108" name="円/楕円 107"/>
+              <p:cNvSpPr/>
+              <p:nvPr/>
+            </p:nvSpPr>
+            <p:spPr>
+              <a:xfrm>
+                <a:off x="892347" y="2937705"/>
+                <a:ext cx="87859" cy="87859"/>
+              </a:xfrm>
+              <a:prstGeom prst="ellipse">
+                <a:avLst/>
+              </a:prstGeom>
+              <a:solidFill>
+                <a:srgbClr val="FF0000"/>
+              </a:solidFill>
+              <a:ln>
+                <a:noFill/>
+              </a:ln>
+            </p:spPr>
+            <p:style>
+              <a:lnRef idx="2">
+                <a:schemeClr val="dk1"/>
+              </a:lnRef>
+              <a:fillRef idx="1">
+                <a:schemeClr val="lt1"/>
+              </a:fillRef>
+              <a:effectRef idx="0">
+                <a:schemeClr val="dk1"/>
+              </a:effectRef>
+              <a:fontRef idx="minor">
+                <a:schemeClr val="dk1"/>
+              </a:fontRef>
+            </p:style>
+            <p:txBody>
+              <a:bodyPr rtlCol="0" anchor="ctr"/>
+              <a:lstStyle/>
+              <a:p>
+                <a:pPr algn="ctr"/>
+                <a:endParaRPr kumimoji="1" lang="ja-JP" altLang="en-US"/>
+              </a:p>
+            </p:txBody>
+          </p:sp>
+          <p:sp>
+            <p:nvSpPr>
+              <p:cNvPr id="109" name="円/楕円 108"/>
+              <p:cNvSpPr/>
+              <p:nvPr/>
+            </p:nvSpPr>
+            <p:spPr>
+              <a:xfrm>
+                <a:off x="980206" y="3075275"/>
+                <a:ext cx="87859" cy="87859"/>
+              </a:xfrm>
+              <a:prstGeom prst="ellipse">
+                <a:avLst/>
+              </a:prstGeom>
+              <a:solidFill>
+                <a:srgbClr val="008000"/>
+              </a:solidFill>
+              <a:ln>
+                <a:noFill/>
+              </a:ln>
+            </p:spPr>
+            <p:style>
+              <a:lnRef idx="2">
+                <a:schemeClr val="dk1"/>
+              </a:lnRef>
+              <a:fillRef idx="1">
+                <a:schemeClr val="lt1"/>
+              </a:fillRef>
+              <a:effectRef idx="0">
+                <a:schemeClr val="dk1"/>
+              </a:effectRef>
+              <a:fontRef idx="minor">
+                <a:schemeClr val="dk1"/>
+              </a:fontRef>
+            </p:style>
+            <p:txBody>
+              <a:bodyPr rtlCol="0" anchor="ctr"/>
+              <a:lstStyle/>
+              <a:p>
+                <a:pPr algn="ctr"/>
+                <a:endParaRPr kumimoji="1" lang="ja-JP" altLang="en-US"/>
+              </a:p>
+            </p:txBody>
+          </p:sp>
+          <p:sp>
+            <p:nvSpPr>
+              <p:cNvPr id="110" name="円/楕円 109"/>
+              <p:cNvSpPr/>
+              <p:nvPr/>
+            </p:nvSpPr>
+            <p:spPr>
+              <a:xfrm>
+                <a:off x="1068915" y="2981635"/>
+                <a:ext cx="87859" cy="87859"/>
+              </a:xfrm>
+              <a:prstGeom prst="ellipse">
+                <a:avLst/>
+              </a:prstGeom>
+              <a:solidFill>
+                <a:schemeClr val="accent6"/>
+              </a:solidFill>
+              <a:ln>
+                <a:noFill/>
+              </a:ln>
+            </p:spPr>
+            <p:style>
+              <a:lnRef idx="2">
+                <a:schemeClr val="dk1"/>
+              </a:lnRef>
+              <a:fillRef idx="1">
+                <a:schemeClr val="lt1"/>
+              </a:fillRef>
+              <a:effectRef idx="0">
+                <a:schemeClr val="dk1"/>
+              </a:effectRef>
+              <a:fontRef idx="minor">
+                <a:schemeClr val="dk1"/>
+              </a:fontRef>
+            </p:style>
+            <p:txBody>
+              <a:bodyPr rtlCol="0" anchor="ctr"/>
+              <a:lstStyle/>
+              <a:p>
+                <a:pPr algn="ctr"/>
+                <a:endParaRPr kumimoji="1" lang="ja-JP" altLang="en-US"/>
+              </a:p>
+            </p:txBody>
+          </p:sp>
+          <p:sp>
+            <p:nvSpPr>
+              <p:cNvPr id="111" name="円/楕円 110"/>
+              <p:cNvSpPr/>
+              <p:nvPr/>
+            </p:nvSpPr>
+            <p:spPr>
+              <a:xfrm>
+                <a:off x="1220465" y="2963646"/>
+                <a:ext cx="87859" cy="87859"/>
+              </a:xfrm>
+              <a:prstGeom prst="ellipse">
+                <a:avLst/>
+              </a:prstGeom>
+              <a:solidFill>
+                <a:srgbClr val="0000FF"/>
+              </a:solidFill>
+              <a:ln>
+                <a:noFill/>
+              </a:ln>
+            </p:spPr>
+            <p:style>
+              <a:lnRef idx="2">
+                <a:schemeClr val="dk1"/>
+              </a:lnRef>
+              <a:fillRef idx="1">
+                <a:schemeClr val="lt1"/>
+              </a:fillRef>
+              <a:effectRef idx="0">
+                <a:schemeClr val="dk1"/>
+              </a:effectRef>
+              <a:fontRef idx="minor">
+                <a:schemeClr val="dk1"/>
+              </a:fontRef>
+            </p:style>
+            <p:txBody>
+              <a:bodyPr rtlCol="0" anchor="ctr"/>
+              <a:lstStyle/>
+              <a:p>
+                <a:pPr algn="ctr"/>
+                <a:endParaRPr kumimoji="1" lang="ja-JP" altLang="en-US"/>
+              </a:p>
+            </p:txBody>
+          </p:sp>
+          <p:sp>
+            <p:nvSpPr>
+              <p:cNvPr id="112" name="円/楕円 111"/>
+              <p:cNvSpPr/>
+              <p:nvPr/>
+            </p:nvSpPr>
+            <p:spPr>
+              <a:xfrm>
+                <a:off x="1156774" y="3081762"/>
+                <a:ext cx="87859" cy="87859"/>
+              </a:xfrm>
+              <a:prstGeom prst="ellipse">
+                <a:avLst/>
+              </a:prstGeom>
+              <a:solidFill>
+                <a:srgbClr val="660066"/>
+              </a:solidFill>
+              <a:ln>
+                <a:noFill/>
+              </a:ln>
+            </p:spPr>
+            <p:style>
+              <a:lnRef idx="2">
+                <a:schemeClr val="dk1"/>
+              </a:lnRef>
+              <a:fillRef idx="1">
+                <a:schemeClr val="lt1"/>
+              </a:fillRef>
+              <a:effectRef idx="0">
+                <a:schemeClr val="dk1"/>
+              </a:effectRef>
+              <a:fontRef idx="minor">
+                <a:schemeClr val="dk1"/>
+              </a:fontRef>
+            </p:style>
+            <p:txBody>
+              <a:bodyPr rtlCol="0" anchor="ctr"/>
+              <a:lstStyle/>
+              <a:p>
+                <a:pPr algn="ctr"/>
+                <a:endParaRPr kumimoji="1" lang="ja-JP" altLang="en-US"/>
+              </a:p>
+            </p:txBody>
+          </p:sp>
+        </p:grpSp>
+        <p:grpSp>
+          <p:nvGrpSpPr>
+            <p:cNvPr id="113" name="図形グループ 112"/>
+            <p:cNvGrpSpPr/>
+            <p:nvPr/>
+          </p:nvGrpSpPr>
+          <p:grpSpPr>
+            <a:xfrm>
+              <a:off x="4607124" y="2676718"/>
+              <a:ext cx="682158" cy="612648"/>
+              <a:chOff x="754619" y="2660481"/>
+              <a:chExt cx="682158" cy="612648"/>
+            </a:xfrm>
+          </p:grpSpPr>
+          <p:sp>
+            <p:nvSpPr>
+              <p:cNvPr id="114" name="フローチャート: 磁気ディスク 113"/>
+              <p:cNvSpPr/>
+              <p:nvPr/>
+            </p:nvSpPr>
+            <p:spPr>
+              <a:xfrm>
+                <a:off x="754619" y="2660481"/>
+                <a:ext cx="682158" cy="612648"/>
+              </a:xfrm>
+              <a:prstGeom prst="flowChartMagneticDisk">
+                <a:avLst/>
+              </a:prstGeom>
+              <a:pattFill prst="pct10">
+                <a:fgClr>
+                  <a:schemeClr val="tx1"/>
+                </a:fgClr>
+                <a:bgClr>
+                  <a:schemeClr val="bg1"/>
+                </a:bgClr>
+              </a:pattFill>
+            </p:spPr>
+            <p:style>
+              <a:lnRef idx="2">
+                <a:schemeClr val="dk1"/>
+              </a:lnRef>
+              <a:fillRef idx="1">
+                <a:schemeClr val="lt1"/>
+              </a:fillRef>
+              <a:effectRef idx="0">
+                <a:schemeClr val="dk1"/>
+              </a:effectRef>
+              <a:fontRef idx="minor">
+                <a:schemeClr val="dk1"/>
+              </a:fontRef>
+            </p:style>
+            <p:txBody>
+              <a:bodyPr rtlCol="0" anchor="ctr"/>
+              <a:lstStyle/>
+              <a:p>
+                <a:pPr algn="ctr"/>
+                <a:endParaRPr kumimoji="1" lang="ja-JP" altLang="en-US"/>
+              </a:p>
+            </p:txBody>
+          </p:sp>
+          <p:sp>
+            <p:nvSpPr>
+              <p:cNvPr id="115" name="円/楕円 114"/>
+              <p:cNvSpPr/>
+              <p:nvPr/>
+            </p:nvSpPr>
+            <p:spPr>
+              <a:xfrm>
+                <a:off x="892347" y="2937705"/>
+                <a:ext cx="87859" cy="87859"/>
+              </a:xfrm>
+              <a:prstGeom prst="ellipse">
+                <a:avLst/>
+              </a:prstGeom>
+              <a:solidFill>
+                <a:srgbClr val="FF0000"/>
+              </a:solidFill>
+              <a:ln>
+                <a:noFill/>
+              </a:ln>
+            </p:spPr>
+            <p:style>
+              <a:lnRef idx="2">
+                <a:schemeClr val="dk1"/>
+              </a:lnRef>
+              <a:fillRef idx="1">
+                <a:schemeClr val="lt1"/>
+              </a:fillRef>
+              <a:effectRef idx="0">
+                <a:schemeClr val="dk1"/>
+              </a:effectRef>
+              <a:fontRef idx="minor">
+                <a:schemeClr val="dk1"/>
+              </a:fontRef>
+            </p:style>
+            <p:txBody>
+              <a:bodyPr rtlCol="0" anchor="ctr"/>
+              <a:lstStyle/>
+              <a:p>
+                <a:pPr algn="ctr"/>
+                <a:endParaRPr kumimoji="1" lang="ja-JP" altLang="en-US"/>
+              </a:p>
+            </p:txBody>
+          </p:sp>
+          <p:sp>
+            <p:nvSpPr>
+              <p:cNvPr id="116" name="円/楕円 115"/>
+              <p:cNvSpPr/>
+              <p:nvPr/>
+            </p:nvSpPr>
+            <p:spPr>
+              <a:xfrm>
+                <a:off x="980206" y="3075275"/>
+                <a:ext cx="87859" cy="87859"/>
+              </a:xfrm>
+              <a:prstGeom prst="ellipse">
+                <a:avLst/>
+              </a:prstGeom>
+              <a:solidFill>
+                <a:srgbClr val="008000"/>
+              </a:solidFill>
+              <a:ln>
+                <a:noFill/>
+              </a:ln>
+            </p:spPr>
+            <p:style>
+              <a:lnRef idx="2">
+                <a:schemeClr val="dk1"/>
+              </a:lnRef>
+              <a:fillRef idx="1">
+                <a:schemeClr val="lt1"/>
+              </a:fillRef>
+              <a:effectRef idx="0">
+                <a:schemeClr val="dk1"/>
+              </a:effectRef>
+              <a:fontRef idx="minor">
+                <a:schemeClr val="dk1"/>
+              </a:fontRef>
+            </p:style>
+            <p:txBody>
+              <a:bodyPr rtlCol="0" anchor="ctr"/>
+              <a:lstStyle/>
+              <a:p>
+                <a:pPr algn="ctr"/>
+                <a:endParaRPr kumimoji="1" lang="ja-JP" altLang="en-US"/>
+              </a:p>
+            </p:txBody>
+          </p:sp>
+          <p:sp>
+            <p:nvSpPr>
+              <p:cNvPr id="117" name="円/楕円 116"/>
+              <p:cNvSpPr/>
+              <p:nvPr/>
+            </p:nvSpPr>
+            <p:spPr>
+              <a:xfrm>
+                <a:off x="1068915" y="2981635"/>
+                <a:ext cx="87859" cy="87859"/>
+              </a:xfrm>
+              <a:prstGeom prst="ellipse">
+                <a:avLst/>
+              </a:prstGeom>
+              <a:solidFill>
+                <a:schemeClr val="accent6"/>
+              </a:solidFill>
+              <a:ln>
+                <a:noFill/>
+              </a:ln>
+            </p:spPr>
+            <p:style>
+              <a:lnRef idx="2">
+                <a:schemeClr val="dk1"/>
+              </a:lnRef>
+              <a:fillRef idx="1">
+                <a:schemeClr val="lt1"/>
+              </a:fillRef>
+              <a:effectRef idx="0">
+                <a:schemeClr val="dk1"/>
+              </a:effectRef>
+              <a:fontRef idx="minor">
+                <a:schemeClr val="dk1"/>
+              </a:fontRef>
+            </p:style>
+            <p:txBody>
+              <a:bodyPr rtlCol="0" anchor="ctr"/>
+              <a:lstStyle/>
+              <a:p>
+                <a:pPr algn="ctr"/>
+                <a:endParaRPr kumimoji="1" lang="ja-JP" altLang="en-US"/>
+              </a:p>
+            </p:txBody>
+          </p:sp>
+          <p:sp>
+            <p:nvSpPr>
+              <p:cNvPr id="118" name="円/楕円 117"/>
+              <p:cNvSpPr/>
+              <p:nvPr/>
+            </p:nvSpPr>
+            <p:spPr>
+              <a:xfrm>
+                <a:off x="1220465" y="2963646"/>
+                <a:ext cx="87859" cy="87859"/>
+              </a:xfrm>
+              <a:prstGeom prst="ellipse">
+                <a:avLst/>
+              </a:prstGeom>
+              <a:solidFill>
+                <a:srgbClr val="0000FF"/>
+              </a:solidFill>
+              <a:ln>
+                <a:noFill/>
+              </a:ln>
+            </p:spPr>
+            <p:style>
+              <a:lnRef idx="2">
+                <a:schemeClr val="dk1"/>
+              </a:lnRef>
+              <a:fillRef idx="1">
+                <a:schemeClr val="lt1"/>
+              </a:fillRef>
+              <a:effectRef idx="0">
+                <a:schemeClr val="dk1"/>
+              </a:effectRef>
+              <a:fontRef idx="minor">
+                <a:schemeClr val="dk1"/>
+              </a:fontRef>
+            </p:style>
+            <p:txBody>
+              <a:bodyPr rtlCol="0" anchor="ctr"/>
+              <a:lstStyle/>
+              <a:p>
+                <a:pPr algn="ctr"/>
+                <a:endParaRPr kumimoji="1" lang="ja-JP" altLang="en-US"/>
+              </a:p>
+            </p:txBody>
+          </p:sp>
+          <p:sp>
+            <p:nvSpPr>
+              <p:cNvPr id="119" name="円/楕円 118"/>
+              <p:cNvSpPr/>
+              <p:nvPr/>
+            </p:nvSpPr>
+            <p:spPr>
+              <a:xfrm>
+                <a:off x="1156774" y="3081762"/>
+                <a:ext cx="87859" cy="87859"/>
+              </a:xfrm>
+              <a:prstGeom prst="ellipse">
+                <a:avLst/>
+              </a:prstGeom>
+              <a:solidFill>
+                <a:srgbClr val="660066"/>
+              </a:solidFill>
+              <a:ln>
+                <a:noFill/>
+              </a:ln>
+            </p:spPr>
+            <p:style>
+              <a:lnRef idx="2">
+                <a:schemeClr val="dk1"/>
+              </a:lnRef>
+              <a:fillRef idx="1">
+                <a:schemeClr val="lt1"/>
+              </a:fillRef>
+              <a:effectRef idx="0">
+                <a:schemeClr val="dk1"/>
+              </a:effectRef>
+              <a:fontRef idx="minor">
+                <a:schemeClr val="dk1"/>
+              </a:fontRef>
+            </p:style>
+            <p:txBody>
+              <a:bodyPr rtlCol="0" anchor="ctr"/>
+              <a:lstStyle/>
+              <a:p>
+                <a:pPr algn="ctr"/>
+                <a:endParaRPr kumimoji="1" lang="ja-JP" altLang="en-US"/>
+              </a:p>
+            </p:txBody>
+          </p:sp>
+        </p:grpSp>
+        <p:grpSp>
+          <p:nvGrpSpPr>
+            <p:cNvPr id="120" name="図形グループ 119"/>
+            <p:cNvGrpSpPr/>
+            <p:nvPr/>
+          </p:nvGrpSpPr>
+          <p:grpSpPr>
+            <a:xfrm>
+              <a:off x="4603346" y="3812938"/>
+              <a:ext cx="682158" cy="612648"/>
+              <a:chOff x="754619" y="2660481"/>
+              <a:chExt cx="682158" cy="612648"/>
+            </a:xfrm>
+          </p:grpSpPr>
+          <p:sp>
+            <p:nvSpPr>
+              <p:cNvPr id="121" name="フローチャート: 磁気ディスク 120"/>
+              <p:cNvSpPr/>
+              <p:nvPr/>
+            </p:nvSpPr>
+            <p:spPr>
+              <a:xfrm>
+                <a:off x="754619" y="2660481"/>
+                <a:ext cx="682158" cy="612648"/>
+              </a:xfrm>
+              <a:prstGeom prst="flowChartMagneticDisk">
+                <a:avLst/>
+              </a:prstGeom>
+              <a:pattFill prst="pct10">
+                <a:fgClr>
+                  <a:schemeClr val="tx1"/>
+                </a:fgClr>
+                <a:bgClr>
+                  <a:schemeClr val="bg1"/>
+                </a:bgClr>
+              </a:pattFill>
+            </p:spPr>
+            <p:style>
+              <a:lnRef idx="2">
+                <a:schemeClr val="dk1"/>
+              </a:lnRef>
+              <a:fillRef idx="1">
+                <a:schemeClr val="lt1"/>
+              </a:fillRef>
+              <a:effectRef idx="0">
+                <a:schemeClr val="dk1"/>
+              </a:effectRef>
+              <a:fontRef idx="minor">
+                <a:schemeClr val="dk1"/>
+              </a:fontRef>
+            </p:style>
+            <p:txBody>
+              <a:bodyPr rtlCol="0" anchor="ctr"/>
+              <a:lstStyle/>
+              <a:p>
+                <a:pPr algn="ctr"/>
+                <a:endParaRPr kumimoji="1" lang="ja-JP" altLang="en-US"/>
+              </a:p>
+            </p:txBody>
+          </p:sp>
+          <p:sp>
+            <p:nvSpPr>
+              <p:cNvPr id="122" name="円/楕円 121"/>
+              <p:cNvSpPr/>
+              <p:nvPr/>
+            </p:nvSpPr>
+            <p:spPr>
+              <a:xfrm>
+                <a:off x="892347" y="2937705"/>
+                <a:ext cx="87859" cy="87859"/>
+              </a:xfrm>
+              <a:prstGeom prst="ellipse">
+                <a:avLst/>
+              </a:prstGeom>
+              <a:solidFill>
+                <a:srgbClr val="FF0000"/>
+              </a:solidFill>
+              <a:ln>
+                <a:noFill/>
+              </a:ln>
+            </p:spPr>
+            <p:style>
+              <a:lnRef idx="2">
+                <a:schemeClr val="dk1"/>
+              </a:lnRef>
+              <a:fillRef idx="1">
+                <a:schemeClr val="lt1"/>
+              </a:fillRef>
+              <a:effectRef idx="0">
+                <a:schemeClr val="dk1"/>
+              </a:effectRef>
+              <a:fontRef idx="minor">
+                <a:schemeClr val="dk1"/>
+              </a:fontRef>
+            </p:style>
+            <p:txBody>
+              <a:bodyPr rtlCol="0" anchor="ctr"/>
+              <a:lstStyle/>
+              <a:p>
+                <a:pPr algn="ctr"/>
+                <a:endParaRPr kumimoji="1" lang="ja-JP" altLang="en-US"/>
+              </a:p>
+            </p:txBody>
+          </p:sp>
+          <p:sp>
+            <p:nvSpPr>
+              <p:cNvPr id="123" name="円/楕円 122"/>
+              <p:cNvSpPr/>
+              <p:nvPr/>
+            </p:nvSpPr>
+            <p:spPr>
+              <a:xfrm>
+                <a:off x="980206" y="3075275"/>
+                <a:ext cx="87859" cy="87859"/>
+              </a:xfrm>
+              <a:prstGeom prst="ellipse">
+                <a:avLst/>
+              </a:prstGeom>
+              <a:solidFill>
+                <a:srgbClr val="008000"/>
+              </a:solidFill>
+              <a:ln>
+                <a:noFill/>
+              </a:ln>
+            </p:spPr>
+            <p:style>
+              <a:lnRef idx="2">
+                <a:schemeClr val="dk1"/>
+              </a:lnRef>
+              <a:fillRef idx="1">
+                <a:schemeClr val="lt1"/>
+              </a:fillRef>
+              <a:effectRef idx="0">
+                <a:schemeClr val="dk1"/>
+              </a:effectRef>
+              <a:fontRef idx="minor">
+                <a:schemeClr val="dk1"/>
+              </a:fontRef>
+            </p:style>
+            <p:txBody>
+              <a:bodyPr rtlCol="0" anchor="ctr"/>
+              <a:lstStyle/>
+              <a:p>
+                <a:pPr algn="ctr"/>
+                <a:endParaRPr kumimoji="1" lang="ja-JP" altLang="en-US"/>
+              </a:p>
+            </p:txBody>
+          </p:sp>
+          <p:sp>
+            <p:nvSpPr>
+              <p:cNvPr id="124" name="円/楕円 123"/>
+              <p:cNvSpPr/>
+              <p:nvPr/>
+            </p:nvSpPr>
+            <p:spPr>
+              <a:xfrm>
+                <a:off x="1068915" y="2981635"/>
+                <a:ext cx="87859" cy="87859"/>
+              </a:xfrm>
+              <a:prstGeom prst="ellipse">
+                <a:avLst/>
+              </a:prstGeom>
+              <a:solidFill>
+                <a:schemeClr val="accent6"/>
+              </a:solidFill>
+              <a:ln>
+                <a:noFill/>
+              </a:ln>
+            </p:spPr>
+            <p:style>
+              <a:lnRef idx="2">
+                <a:schemeClr val="dk1"/>
+              </a:lnRef>
+              <a:fillRef idx="1">
+                <a:schemeClr val="lt1"/>
+              </a:fillRef>
+              <a:effectRef idx="0">
+                <a:schemeClr val="dk1"/>
+              </a:effectRef>
+              <a:fontRef idx="minor">
+                <a:schemeClr val="dk1"/>
+              </a:fontRef>
+            </p:style>
+            <p:txBody>
+              <a:bodyPr rtlCol="0" anchor="ctr"/>
+              <a:lstStyle/>
+              <a:p>
+                <a:pPr algn="ctr"/>
+                <a:endParaRPr kumimoji="1" lang="ja-JP" altLang="en-US"/>
+              </a:p>
+            </p:txBody>
+          </p:sp>
+          <p:sp>
+            <p:nvSpPr>
+              <p:cNvPr id="125" name="円/楕円 124"/>
+              <p:cNvSpPr/>
+              <p:nvPr/>
+            </p:nvSpPr>
+            <p:spPr>
+              <a:xfrm>
+                <a:off x="1220465" y="2963646"/>
+                <a:ext cx="87859" cy="87859"/>
+              </a:xfrm>
+              <a:prstGeom prst="ellipse">
+                <a:avLst/>
+              </a:prstGeom>
+              <a:solidFill>
+                <a:srgbClr val="0000FF"/>
+              </a:solidFill>
+              <a:ln>
+                <a:noFill/>
+              </a:ln>
+            </p:spPr>
+            <p:style>
+              <a:lnRef idx="2">
+                <a:schemeClr val="dk1"/>
+              </a:lnRef>
+              <a:fillRef idx="1">
+                <a:schemeClr val="lt1"/>
+              </a:fillRef>
+              <a:effectRef idx="0">
+                <a:schemeClr val="dk1"/>
+              </a:effectRef>
+              <a:fontRef idx="minor">
+                <a:schemeClr val="dk1"/>
+              </a:fontRef>
+            </p:style>
+            <p:txBody>
+              <a:bodyPr rtlCol="0" anchor="ctr"/>
+              <a:lstStyle/>
+              <a:p>
+                <a:pPr algn="ctr"/>
+                <a:endParaRPr kumimoji="1" lang="ja-JP" altLang="en-US"/>
+              </a:p>
+            </p:txBody>
+          </p:sp>
+          <p:sp>
+            <p:nvSpPr>
+              <p:cNvPr id="126" name="円/楕円 125"/>
+              <p:cNvSpPr/>
+              <p:nvPr/>
+            </p:nvSpPr>
+            <p:spPr>
+              <a:xfrm>
+                <a:off x="1156774" y="3081762"/>
+                <a:ext cx="87859" cy="87859"/>
+              </a:xfrm>
+              <a:prstGeom prst="ellipse">
+                <a:avLst/>
+              </a:prstGeom>
+              <a:solidFill>
+                <a:srgbClr val="660066"/>
+              </a:solidFill>
+              <a:ln>
+                <a:noFill/>
+              </a:ln>
+            </p:spPr>
+            <p:style>
+              <a:lnRef idx="2">
+                <a:schemeClr val="dk1"/>
+              </a:lnRef>
+              <a:fillRef idx="1">
+                <a:schemeClr val="lt1"/>
+              </a:fillRef>
+              <a:effectRef idx="0">
+                <a:schemeClr val="dk1"/>
+              </a:effectRef>
+              <a:fontRef idx="minor">
+                <a:schemeClr val="dk1"/>
+              </a:fontRef>
+            </p:style>
+            <p:txBody>
+              <a:bodyPr rtlCol="0" anchor="ctr"/>
+              <a:lstStyle/>
+              <a:p>
+                <a:pPr algn="ctr"/>
+                <a:endParaRPr kumimoji="1" lang="ja-JP" altLang="en-US"/>
+              </a:p>
+            </p:txBody>
+          </p:sp>
+        </p:grpSp>
+        <p:sp>
+          <p:nvSpPr>
+            <p:cNvPr id="134" name="テキスト ボックス 133"/>
+            <p:cNvSpPr txBox="1"/>
+            <p:nvPr/>
+          </p:nvSpPr>
+          <p:spPr>
+            <a:xfrm>
+              <a:off x="4127208" y="4437067"/>
+              <a:ext cx="1642472" cy="646331"/>
+            </a:xfrm>
+            <a:prstGeom prst="rect">
+              <a:avLst/>
+            </a:prstGeom>
+            <a:noFill/>
+          </p:spPr>
+          <p:txBody>
+            <a:bodyPr wrap="none" rtlCol="0">
+              <a:spAutoFit/>
+            </a:bodyPr>
+            <a:lstStyle/>
+            <a:p>
+              <a:pPr algn="ctr"/>
+              <a:r>
+                <a:rPr lang="en-US" altLang="ja-JP" dirty="0">
+                  <a:latin typeface="メイリオ"/>
+                  <a:ea typeface="メイリオ"/>
+                  <a:cs typeface="メイリオ"/>
+                </a:rPr>
+                <a:t>m</a:t>
+              </a:r>
+              <a:r>
+                <a:rPr kumimoji="1" lang="en-US" altLang="ja-JP" dirty="0" smtClean="0">
+                  <a:latin typeface="メイリオ"/>
+                  <a:ea typeface="メイリオ"/>
+                  <a:cs typeface="メイリオ"/>
+                </a:rPr>
+                <a:t>eta feature</a:t>
+              </a:r>
+            </a:p>
+            <a:p>
+              <a:pPr algn="ctr"/>
+              <a:r>
+                <a:rPr lang="ja-JP" altLang="en-US" dirty="0" smtClean="0">
+                  <a:latin typeface="メイリオ"/>
+                  <a:ea typeface="メイリオ"/>
+                  <a:cs typeface="メイリオ"/>
+                </a:rPr>
+                <a:t>（予測結果）</a:t>
+              </a:r>
+              <a:endParaRPr kumimoji="1" lang="ja-JP" altLang="en-US" dirty="0">
+                <a:latin typeface="メイリオ"/>
+                <a:ea typeface="メイリオ"/>
+                <a:cs typeface="メイリオ"/>
+              </a:endParaRPr>
+            </a:p>
+          </p:txBody>
+        </p:sp>
+        <p:sp>
+          <p:nvSpPr>
+            <p:cNvPr id="135" name="テキスト ボックス 134"/>
+            <p:cNvSpPr txBox="1"/>
+            <p:nvPr/>
+          </p:nvSpPr>
+          <p:spPr>
+            <a:xfrm>
+              <a:off x="5279398" y="1236978"/>
+              <a:ext cx="1873304" cy="646331"/>
+            </a:xfrm>
+            <a:prstGeom prst="rect">
+              <a:avLst/>
+            </a:prstGeom>
+            <a:noFill/>
+          </p:spPr>
+          <p:txBody>
+            <a:bodyPr wrap="none" rtlCol="0">
+              <a:spAutoFit/>
+            </a:bodyPr>
+            <a:lstStyle/>
+            <a:p>
+              <a:pPr algn="ctr"/>
+              <a:r>
+                <a:rPr lang="en-US" altLang="ja-JP" dirty="0">
+                  <a:latin typeface="メイリオ"/>
+                  <a:ea typeface="メイリオ"/>
+                  <a:cs typeface="メイリオ"/>
+                </a:rPr>
+                <a:t>m</a:t>
+              </a:r>
+              <a:r>
+                <a:rPr kumimoji="1" lang="en-US" altLang="ja-JP" dirty="0" smtClean="0">
+                  <a:latin typeface="メイリオ"/>
+                  <a:ea typeface="メイリオ"/>
+                  <a:cs typeface="メイリオ"/>
+                </a:rPr>
+                <a:t>eta feature</a:t>
+              </a:r>
+              <a:r>
+                <a:rPr kumimoji="1" lang="ja-JP" altLang="en-US" dirty="0" smtClean="0">
+                  <a:latin typeface="メイリオ"/>
+                  <a:ea typeface="メイリオ"/>
+                  <a:cs typeface="メイリオ"/>
+                </a:rPr>
+                <a:t>を</a:t>
+              </a:r>
+              <a:endParaRPr kumimoji="1" lang="en-US" altLang="ja-JP" dirty="0" smtClean="0">
+                <a:latin typeface="メイリオ"/>
+                <a:ea typeface="メイリオ"/>
+                <a:cs typeface="メイリオ"/>
+              </a:endParaRPr>
+            </a:p>
+            <a:p>
+              <a:pPr algn="ctr"/>
+              <a:r>
+                <a:rPr kumimoji="1" lang="ja-JP" altLang="en-US" dirty="0" smtClean="0">
+                  <a:latin typeface="メイリオ"/>
+                  <a:ea typeface="メイリオ"/>
+                  <a:cs typeface="メイリオ"/>
+                </a:rPr>
+                <a:t>学習</a:t>
+              </a:r>
+              <a:endParaRPr kumimoji="1" lang="en-US" altLang="ja-JP" dirty="0" smtClean="0">
+                <a:latin typeface="メイリオ"/>
+                <a:ea typeface="メイリオ"/>
+                <a:cs typeface="メイリオ"/>
+              </a:endParaRPr>
+            </a:p>
+          </p:txBody>
+        </p:sp>
+        <p:sp>
+          <p:nvSpPr>
+            <p:cNvPr id="136" name="円/楕円 135"/>
+            <p:cNvSpPr/>
+            <p:nvPr/>
+          </p:nvSpPr>
+          <p:spPr>
+            <a:xfrm>
+              <a:off x="7868237" y="3017738"/>
+              <a:ext cx="87859" cy="87859"/>
+            </a:xfrm>
+            <a:prstGeom prst="ellipse">
+              <a:avLst/>
+            </a:prstGeom>
+            <a:solidFill>
+              <a:srgbClr val="FF0000"/>
+            </a:solidFill>
+            <a:ln>
+              <a:noFill/>
+            </a:ln>
+          </p:spPr>
+          <p:style>
+            <a:lnRef idx="2">
+              <a:schemeClr val="dk1"/>
+            </a:lnRef>
+            <a:fillRef idx="1">
+              <a:schemeClr val="lt1"/>
+            </a:fillRef>
+            <a:effectRef idx="0">
+              <a:schemeClr val="dk1"/>
+            </a:effectRef>
+            <a:fontRef idx="minor">
+              <a:schemeClr val="dk1"/>
+            </a:fontRef>
+          </p:style>
+          <p:txBody>
+            <a:bodyPr rtlCol="0" anchor="ctr"/>
+            <a:lstStyle/>
+            <a:p>
+              <a:pPr algn="ctr"/>
+              <a:endParaRPr kumimoji="1" lang="ja-JP" altLang="en-US"/>
+            </a:p>
+          </p:txBody>
+        </p:sp>
+      </p:grpSp>
     </p:spTree>
     <p:extLst>
       <p:ext uri="{BB962C8B-B14F-4D97-AF65-F5344CB8AC3E}">
-        <p14:creationId xmlns:p14="http://schemas.microsoft.com/office/powerpoint/2010/main" val="1516949619"/>
+        <p14:creationId xmlns:p14="http://schemas.microsoft.com/office/powerpoint/2010/main" val="2542419690"/>
       </p:ext>
     </p:extLst>
   </p:cSld>
@@ -7225,7 +9222,7 @@
 </p:sld>
 </file>
 
-<file path=ppt/slides/slide3.xml><?xml version="1.0" encoding="utf-8"?>
+<file path=ppt/slides/slide2.xml><?xml version="1.0" encoding="utf-8"?>
 <p:sld xmlns:a="http://schemas.openxmlformats.org/drawingml/2006/main" xmlns:r="http://schemas.openxmlformats.org/officeDocument/2006/relationships" xmlns:p="http://schemas.openxmlformats.org/presentationml/2006/main">
   <p:cSld>
     <p:spTree>
@@ -7451,7 +9448,7 @@
 </p:sld>
 </file>
 
-<file path=ppt/slides/slide4.xml><?xml version="1.0" encoding="utf-8"?>
+<file path=ppt/slides/slide3.xml><?xml version="1.0" encoding="utf-8"?>
 <p:sld xmlns:a="http://schemas.openxmlformats.org/drawingml/2006/main" xmlns:r="http://schemas.openxmlformats.org/officeDocument/2006/relationships" xmlns:p="http://schemas.openxmlformats.org/presentationml/2006/main">
   <p:cSld>
     <p:spTree>
@@ -7556,7 +9553,7 @@
 </p:sld>
 </file>
 
-<file path=ppt/slides/slide5.xml><?xml version="1.0" encoding="utf-8"?>
+<file path=ppt/slides/slide4.xml><?xml version="1.0" encoding="utf-8"?>
 <p:sld xmlns:a="http://schemas.openxmlformats.org/drawingml/2006/main" xmlns:r="http://schemas.openxmlformats.org/officeDocument/2006/relationships" xmlns:p="http://schemas.openxmlformats.org/presentationml/2006/main">
   <p:cSld>
     <p:spTree>
@@ -7702,6 +9699,4615 @@
     <p:extLst>
       <p:ext uri="{BB962C8B-B14F-4D97-AF65-F5344CB8AC3E}">
         <p14:creationId xmlns:p14="http://schemas.microsoft.com/office/powerpoint/2010/main" val="2169557387"/>
+      </p:ext>
+    </p:extLst>
+  </p:cSld>
+  <p:clrMapOvr>
+    <a:masterClrMapping/>
+  </p:clrMapOvr>
+</p:sld>
+</file>
+
+<file path=ppt/slides/slide5.xml><?xml version="1.0" encoding="utf-8"?>
+<p:sld xmlns:a="http://schemas.openxmlformats.org/drawingml/2006/main" xmlns:r="http://schemas.openxmlformats.org/officeDocument/2006/relationships" xmlns:p="http://schemas.openxmlformats.org/presentationml/2006/main">
+  <p:cSld>
+    <p:spTree>
+      <p:nvGrpSpPr>
+        <p:cNvPr id="1" name=""/>
+        <p:cNvGrpSpPr/>
+        <p:nvPr/>
+      </p:nvGrpSpPr>
+      <p:grpSpPr>
+        <a:xfrm>
+          <a:off x="0" y="0"/>
+          <a:ext cx="0" cy="0"/>
+          <a:chOff x="0" y="0"/>
+          <a:chExt cx="0" cy="0"/>
+        </a:xfrm>
+      </p:grpSpPr>
+      <p:grpSp>
+        <p:nvGrpSpPr>
+          <p:cNvPr id="33" name="図形グループ 32"/>
+          <p:cNvGrpSpPr/>
+          <p:nvPr/>
+        </p:nvGrpSpPr>
+        <p:grpSpPr>
+          <a:xfrm>
+            <a:off x="216163" y="0"/>
+            <a:ext cx="8510112" cy="7603762"/>
+            <a:chOff x="216163" y="0"/>
+            <a:chExt cx="8510112" cy="7603762"/>
+          </a:xfrm>
+        </p:grpSpPr>
+        <p:pic>
+          <p:nvPicPr>
+            <p:cNvPr id="2" name="図 1" descr="bagging.jpg"/>
+            <p:cNvPicPr>
+              <a:picLocks noChangeAspect="1"/>
+            </p:cNvPicPr>
+            <p:nvPr/>
+          </p:nvPicPr>
+          <p:blipFill>
+            <a:blip r:embed="rId2">
+              <a:extLst>
+                <a:ext uri="{28A0092B-C50C-407E-A947-70E740481C1C}">
+                  <a14:useLocalDpi xmlns:a14="http://schemas.microsoft.com/office/drawing/2010/main" val="0"/>
+                </a:ext>
+              </a:extLst>
+            </a:blip>
+            <a:stretch>
+              <a:fillRect/>
+            </a:stretch>
+          </p:blipFill>
+          <p:spPr>
+            <a:xfrm>
+              <a:off x="885577" y="0"/>
+              <a:ext cx="7320080" cy="6858000"/>
+            </a:xfrm>
+            <a:prstGeom prst="rect">
+              <a:avLst/>
+            </a:prstGeom>
+          </p:spPr>
+        </p:pic>
+        <p:sp>
+          <p:nvSpPr>
+            <p:cNvPr id="3" name="テキスト ボックス 2"/>
+            <p:cNvSpPr txBox="1"/>
+            <p:nvPr/>
+          </p:nvSpPr>
+          <p:spPr>
+            <a:xfrm>
+              <a:off x="1517183" y="1667797"/>
+              <a:ext cx="6688474" cy="400110"/>
+            </a:xfrm>
+            <a:prstGeom prst="rect">
+              <a:avLst/>
+            </a:prstGeom>
+            <a:solidFill>
+              <a:srgbClr val="FFFFFF"/>
+            </a:solidFill>
+            <a:ln>
+              <a:solidFill>
+                <a:schemeClr val="tx1"/>
+              </a:solidFill>
+            </a:ln>
+          </p:spPr>
+          <p:txBody>
+            <a:bodyPr wrap="none" rtlCol="0">
+              <a:spAutoFit/>
+            </a:bodyPr>
+            <a:lstStyle/>
+            <a:p>
+              <a:r>
+                <a:rPr kumimoji="1" lang="ja-JP" altLang="en-US" sz="2000" dirty="0" smtClean="0">
+                  <a:latin typeface="メイリオ"/>
+                  <a:ea typeface="メイリオ"/>
+                  <a:cs typeface="メイリオ"/>
+                </a:rPr>
+                <a:t>重複ありランダムサンプリング（</a:t>
+              </a:r>
+              <a:r>
+                <a:rPr kumimoji="1" lang="en-US" altLang="ja-JP" sz="2000" dirty="0" smtClean="0">
+                  <a:latin typeface="メイリオ"/>
+                  <a:ea typeface="メイリオ"/>
+                  <a:cs typeface="メイリオ"/>
+                </a:rPr>
+                <a:t>bootstrap sampling</a:t>
+              </a:r>
+              <a:r>
+                <a:rPr kumimoji="1" lang="ja-JP" altLang="en-US" sz="2000" dirty="0" smtClean="0">
+                  <a:latin typeface="メイリオ"/>
+                  <a:ea typeface="メイリオ"/>
+                  <a:cs typeface="メイリオ"/>
+                </a:rPr>
+                <a:t>）</a:t>
+              </a:r>
+              <a:endParaRPr kumimoji="1" lang="ja-JP" altLang="en-US" sz="2000" dirty="0">
+                <a:latin typeface="メイリオ"/>
+                <a:ea typeface="メイリオ"/>
+                <a:cs typeface="メイリオ"/>
+              </a:endParaRPr>
+            </a:p>
+          </p:txBody>
+        </p:sp>
+        <p:cxnSp>
+          <p:nvCxnSpPr>
+            <p:cNvPr id="6" name="直線矢印コネクタ 5"/>
+            <p:cNvCxnSpPr>
+              <a:stCxn id="7" idx="3"/>
+            </p:cNvCxnSpPr>
+            <p:nvPr/>
+          </p:nvCxnSpPr>
+          <p:spPr>
+            <a:xfrm>
+              <a:off x="1554991" y="3442578"/>
+              <a:ext cx="266290" cy="0"/>
+            </a:xfrm>
+            <a:prstGeom prst="straightConnector1">
+              <a:avLst/>
+            </a:prstGeom>
+            <a:ln>
+              <a:prstDash val="sysDash"/>
+              <a:tailEnd type="arrow"/>
+            </a:ln>
+          </p:spPr>
+          <p:style>
+            <a:lnRef idx="1">
+              <a:schemeClr val="dk1"/>
+            </a:lnRef>
+            <a:fillRef idx="0">
+              <a:schemeClr val="dk1"/>
+            </a:fillRef>
+            <a:effectRef idx="0">
+              <a:schemeClr val="dk1"/>
+            </a:effectRef>
+            <a:fontRef idx="minor">
+              <a:schemeClr val="tx1"/>
+            </a:fontRef>
+          </p:style>
+        </p:cxnSp>
+        <p:sp>
+          <p:nvSpPr>
+            <p:cNvPr id="7" name="テキスト ボックス 6"/>
+            <p:cNvSpPr txBox="1"/>
+            <p:nvPr/>
+          </p:nvSpPr>
+          <p:spPr>
+            <a:xfrm>
+              <a:off x="216163" y="3257912"/>
+              <a:ext cx="1338828" cy="369332"/>
+            </a:xfrm>
+            <a:prstGeom prst="rect">
+              <a:avLst/>
+            </a:prstGeom>
+            <a:solidFill>
+              <a:srgbClr val="FFFFFF"/>
+            </a:solidFill>
+            <a:ln>
+              <a:solidFill>
+                <a:srgbClr val="000000"/>
+              </a:solidFill>
+            </a:ln>
+          </p:spPr>
+          <p:txBody>
+            <a:bodyPr wrap="none" rtlCol="0">
+              <a:spAutoFit/>
+            </a:bodyPr>
+            <a:lstStyle/>
+            <a:p>
+              <a:r>
+                <a:rPr kumimoji="1" lang="ja-JP" altLang="en-US" dirty="0" smtClean="0">
+                  <a:latin typeface="メイリオ"/>
+                  <a:ea typeface="メイリオ"/>
+                  <a:cs typeface="メイリオ"/>
+                </a:rPr>
+                <a:t>重複してる</a:t>
+              </a:r>
+              <a:endParaRPr kumimoji="1" lang="ja-JP" altLang="en-US" dirty="0">
+                <a:latin typeface="メイリオ"/>
+                <a:ea typeface="メイリオ"/>
+                <a:cs typeface="メイリオ"/>
+              </a:endParaRPr>
+            </a:p>
+          </p:txBody>
+        </p:sp>
+        <p:cxnSp>
+          <p:nvCxnSpPr>
+            <p:cNvPr id="8" name="直線矢印コネクタ 7"/>
+            <p:cNvCxnSpPr>
+              <a:stCxn id="7" idx="3"/>
+            </p:cNvCxnSpPr>
+            <p:nvPr/>
+          </p:nvCxnSpPr>
+          <p:spPr>
+            <a:xfrm flipV="1">
+              <a:off x="1554991" y="3028781"/>
+              <a:ext cx="717433" cy="413797"/>
+            </a:xfrm>
+            <a:prstGeom prst="straightConnector1">
+              <a:avLst/>
+            </a:prstGeom>
+            <a:ln>
+              <a:prstDash val="sysDash"/>
+              <a:tailEnd type="arrow"/>
+            </a:ln>
+          </p:spPr>
+          <p:style>
+            <a:lnRef idx="1">
+              <a:schemeClr val="dk1"/>
+            </a:lnRef>
+            <a:fillRef idx="0">
+              <a:schemeClr val="dk1"/>
+            </a:fillRef>
+            <a:effectRef idx="0">
+              <a:schemeClr val="dk1"/>
+            </a:effectRef>
+            <a:fontRef idx="minor">
+              <a:schemeClr val="tx1"/>
+            </a:fontRef>
+          </p:style>
+        </p:cxnSp>
+        <p:sp>
+          <p:nvSpPr>
+            <p:cNvPr id="11" name="テキスト ボックス 10"/>
+            <p:cNvSpPr txBox="1"/>
+            <p:nvPr/>
+          </p:nvSpPr>
+          <p:spPr>
+            <a:xfrm>
+              <a:off x="2947019" y="3794995"/>
+              <a:ext cx="1338828" cy="369332"/>
+            </a:xfrm>
+            <a:prstGeom prst="rect">
+              <a:avLst/>
+            </a:prstGeom>
+            <a:solidFill>
+              <a:srgbClr val="FFFFFF"/>
+            </a:solidFill>
+            <a:ln>
+              <a:solidFill>
+                <a:srgbClr val="000000"/>
+              </a:solidFill>
+            </a:ln>
+          </p:spPr>
+          <p:txBody>
+            <a:bodyPr wrap="none" rtlCol="0">
+              <a:spAutoFit/>
+            </a:bodyPr>
+            <a:lstStyle/>
+            <a:p>
+              <a:r>
+                <a:rPr kumimoji="1" lang="ja-JP" altLang="en-US" dirty="0" smtClean="0">
+                  <a:latin typeface="メイリオ"/>
+                  <a:ea typeface="メイリオ"/>
+                  <a:cs typeface="メイリオ"/>
+                </a:rPr>
+                <a:t>重複してる</a:t>
+              </a:r>
+              <a:endParaRPr kumimoji="1" lang="ja-JP" altLang="en-US" dirty="0">
+                <a:latin typeface="メイリオ"/>
+                <a:ea typeface="メイリオ"/>
+                <a:cs typeface="メイリオ"/>
+              </a:endParaRPr>
+            </a:p>
+          </p:txBody>
+        </p:sp>
+        <p:cxnSp>
+          <p:nvCxnSpPr>
+            <p:cNvPr id="12" name="直線矢印コネクタ 11"/>
+            <p:cNvCxnSpPr>
+              <a:stCxn id="11" idx="3"/>
+            </p:cNvCxnSpPr>
+            <p:nvPr/>
+          </p:nvCxnSpPr>
+          <p:spPr>
+            <a:xfrm flipV="1">
+              <a:off x="4285847" y="3612007"/>
+              <a:ext cx="576472" cy="367654"/>
+            </a:xfrm>
+            <a:prstGeom prst="straightConnector1">
+              <a:avLst/>
+            </a:prstGeom>
+            <a:ln>
+              <a:prstDash val="sysDash"/>
+              <a:tailEnd type="arrow"/>
+            </a:ln>
+          </p:spPr>
+          <p:style>
+            <a:lnRef idx="1">
+              <a:schemeClr val="dk1"/>
+            </a:lnRef>
+            <a:fillRef idx="0">
+              <a:schemeClr val="dk1"/>
+            </a:fillRef>
+            <a:effectRef idx="0">
+              <a:schemeClr val="dk1"/>
+            </a:effectRef>
+            <a:fontRef idx="minor">
+              <a:schemeClr val="tx1"/>
+            </a:fontRef>
+          </p:style>
+        </p:cxnSp>
+        <p:cxnSp>
+          <p:nvCxnSpPr>
+            <p:cNvPr id="19" name="直線矢印コネクタ 18"/>
+            <p:cNvCxnSpPr>
+              <a:stCxn id="11" idx="3"/>
+            </p:cNvCxnSpPr>
+            <p:nvPr/>
+          </p:nvCxnSpPr>
+          <p:spPr>
+            <a:xfrm flipV="1">
+              <a:off x="4285847" y="3028781"/>
+              <a:ext cx="576472" cy="950880"/>
+            </a:xfrm>
+            <a:prstGeom prst="straightConnector1">
+              <a:avLst/>
+            </a:prstGeom>
+            <a:ln>
+              <a:prstDash val="sysDash"/>
+              <a:tailEnd type="arrow"/>
+            </a:ln>
+          </p:spPr>
+          <p:style>
+            <a:lnRef idx="1">
+              <a:schemeClr val="dk1"/>
+            </a:lnRef>
+            <a:fillRef idx="0">
+              <a:schemeClr val="dk1"/>
+            </a:fillRef>
+            <a:effectRef idx="0">
+              <a:schemeClr val="dk1"/>
+            </a:effectRef>
+            <a:fontRef idx="minor">
+              <a:schemeClr val="tx1"/>
+            </a:fontRef>
+          </p:style>
+        </p:cxnSp>
+        <p:cxnSp>
+          <p:nvCxnSpPr>
+            <p:cNvPr id="25" name="直線矢印コネクタ 24"/>
+            <p:cNvCxnSpPr/>
+            <p:nvPr/>
+          </p:nvCxnSpPr>
+          <p:spPr>
+            <a:xfrm flipV="1">
+              <a:off x="4285847" y="3442578"/>
+              <a:ext cx="158747" cy="537083"/>
+            </a:xfrm>
+            <a:prstGeom prst="straightConnector1">
+              <a:avLst/>
+            </a:prstGeom>
+            <a:ln>
+              <a:prstDash val="sysDash"/>
+              <a:tailEnd type="arrow"/>
+            </a:ln>
+          </p:spPr>
+          <p:style>
+            <a:lnRef idx="1">
+              <a:schemeClr val="dk1"/>
+            </a:lnRef>
+            <a:fillRef idx="0">
+              <a:schemeClr val="dk1"/>
+            </a:fillRef>
+            <a:effectRef idx="0">
+              <a:schemeClr val="dk1"/>
+            </a:effectRef>
+            <a:fontRef idx="minor">
+              <a:schemeClr val="tx1"/>
+            </a:fontRef>
+          </p:style>
+        </p:cxnSp>
+        <p:sp>
+          <p:nvSpPr>
+            <p:cNvPr id="28" name="テキスト ボックス 27"/>
+            <p:cNvSpPr txBox="1"/>
+            <p:nvPr/>
+          </p:nvSpPr>
+          <p:spPr>
+            <a:xfrm>
+              <a:off x="2811253" y="4924418"/>
+              <a:ext cx="670000" cy="923330"/>
+            </a:xfrm>
+            <a:prstGeom prst="rect">
+              <a:avLst/>
+            </a:prstGeom>
+            <a:solidFill>
+              <a:srgbClr val="FFFFFF"/>
+            </a:solidFill>
+            <a:ln>
+              <a:solidFill>
+                <a:srgbClr val="000000"/>
+              </a:solidFill>
+            </a:ln>
+          </p:spPr>
+          <p:txBody>
+            <a:bodyPr wrap="none" rtlCol="0">
+              <a:spAutoFit/>
+            </a:bodyPr>
+            <a:lstStyle/>
+            <a:p>
+              <a:r>
+                <a:rPr kumimoji="1" lang="en-US" altLang="ja-JP" dirty="0" smtClean="0">
+                  <a:latin typeface="メイリオ"/>
+                  <a:ea typeface="メイリオ"/>
+                  <a:cs typeface="メイリオ"/>
+                </a:rPr>
+                <a:t>A:✕</a:t>
+              </a:r>
+            </a:p>
+            <a:p>
+              <a:r>
+                <a:rPr lang="en-US" altLang="ja-JP" dirty="0" smtClean="0">
+                  <a:latin typeface="メイリオ"/>
+                  <a:ea typeface="メイリオ"/>
+                  <a:cs typeface="メイリオ"/>
+                </a:rPr>
+                <a:t>B:◯</a:t>
+              </a:r>
+            </a:p>
+            <a:p>
+              <a:r>
+                <a:rPr lang="en-US" altLang="ja-JP" dirty="0" smtClean="0">
+                  <a:latin typeface="メイリオ"/>
+                  <a:ea typeface="メイリオ"/>
+                  <a:cs typeface="メイリオ"/>
+                </a:rPr>
+                <a:t>C:◯</a:t>
+              </a:r>
+            </a:p>
+          </p:txBody>
+        </p:sp>
+        <p:sp>
+          <p:nvSpPr>
+            <p:cNvPr id="29" name="テキスト ボックス 28"/>
+            <p:cNvSpPr txBox="1"/>
+            <p:nvPr/>
+          </p:nvSpPr>
+          <p:spPr>
+            <a:xfrm>
+              <a:off x="4405530" y="4924418"/>
+              <a:ext cx="669098" cy="923330"/>
+            </a:xfrm>
+            <a:prstGeom prst="rect">
+              <a:avLst/>
+            </a:prstGeom>
+            <a:solidFill>
+              <a:srgbClr val="FFFFFF"/>
+            </a:solidFill>
+            <a:ln>
+              <a:solidFill>
+                <a:srgbClr val="000000"/>
+              </a:solidFill>
+            </a:ln>
+          </p:spPr>
+          <p:txBody>
+            <a:bodyPr wrap="none" rtlCol="0">
+              <a:spAutoFit/>
+            </a:bodyPr>
+            <a:lstStyle/>
+            <a:p>
+              <a:r>
+                <a:rPr lang="en-US" altLang="ja-JP" dirty="0" smtClean="0">
+                  <a:latin typeface="メイリオ"/>
+                  <a:ea typeface="メイリオ"/>
+                  <a:cs typeface="メイリオ"/>
+                </a:rPr>
+                <a:t>A:◯</a:t>
+              </a:r>
+            </a:p>
+            <a:p>
+              <a:r>
+                <a:rPr kumimoji="1" lang="en-US" altLang="ja-JP" dirty="0" smtClean="0">
+                  <a:latin typeface="メイリオ"/>
+                  <a:ea typeface="メイリオ"/>
+                  <a:cs typeface="メイリオ"/>
+                </a:rPr>
+                <a:t>B:◯</a:t>
+              </a:r>
+            </a:p>
+            <a:p>
+              <a:r>
+                <a:rPr lang="en-US" altLang="ja-JP" dirty="0" smtClean="0">
+                  <a:latin typeface="メイリオ"/>
+                  <a:ea typeface="メイリオ"/>
+                  <a:cs typeface="メイリオ"/>
+                </a:rPr>
+                <a:t>C:◯</a:t>
+              </a:r>
+            </a:p>
+          </p:txBody>
+        </p:sp>
+        <p:sp>
+          <p:nvSpPr>
+            <p:cNvPr id="30" name="テキスト ボックス 29"/>
+            <p:cNvSpPr txBox="1"/>
+            <p:nvPr/>
+          </p:nvSpPr>
+          <p:spPr>
+            <a:xfrm>
+              <a:off x="5860512" y="4923125"/>
+              <a:ext cx="670000" cy="923330"/>
+            </a:xfrm>
+            <a:prstGeom prst="rect">
+              <a:avLst/>
+            </a:prstGeom>
+            <a:solidFill>
+              <a:srgbClr val="FFFFFF"/>
+            </a:solidFill>
+            <a:ln>
+              <a:solidFill>
+                <a:srgbClr val="000000"/>
+              </a:solidFill>
+            </a:ln>
+          </p:spPr>
+          <p:txBody>
+            <a:bodyPr wrap="none" rtlCol="0">
+              <a:spAutoFit/>
+            </a:bodyPr>
+            <a:lstStyle/>
+            <a:p>
+              <a:r>
+                <a:rPr kumimoji="1" lang="en-US" altLang="ja-JP" dirty="0" smtClean="0">
+                  <a:latin typeface="メイリオ"/>
+                  <a:ea typeface="メイリオ"/>
+                  <a:cs typeface="メイリオ"/>
+                </a:rPr>
+                <a:t>A:✕</a:t>
+              </a:r>
+            </a:p>
+            <a:p>
+              <a:r>
+                <a:rPr lang="en-US" altLang="ja-JP" dirty="0" smtClean="0">
+                  <a:latin typeface="メイリオ"/>
+                  <a:ea typeface="メイリオ"/>
+                  <a:cs typeface="メイリオ"/>
+                </a:rPr>
+                <a:t>B:◯</a:t>
+              </a:r>
+            </a:p>
+            <a:p>
+              <a:r>
+                <a:rPr lang="en-US" altLang="ja-JP" dirty="0" smtClean="0">
+                  <a:latin typeface="メイリオ"/>
+                  <a:ea typeface="メイリオ"/>
+                  <a:cs typeface="メイリオ"/>
+                </a:rPr>
+                <a:t>C:✕</a:t>
+              </a:r>
+              <a:endParaRPr kumimoji="1" lang="ja-JP" altLang="en-US" dirty="0">
+                <a:latin typeface="メイリオ"/>
+                <a:ea typeface="メイリオ"/>
+                <a:cs typeface="メイリオ"/>
+              </a:endParaRPr>
+            </a:p>
+          </p:txBody>
+        </p:sp>
+        <p:sp>
+          <p:nvSpPr>
+            <p:cNvPr id="31" name="テキスト ボックス 30"/>
+            <p:cNvSpPr txBox="1"/>
+            <p:nvPr/>
+          </p:nvSpPr>
+          <p:spPr>
+            <a:xfrm>
+              <a:off x="4551270" y="6680432"/>
+              <a:ext cx="670000" cy="923330"/>
+            </a:xfrm>
+            <a:prstGeom prst="rect">
+              <a:avLst/>
+            </a:prstGeom>
+            <a:solidFill>
+              <a:srgbClr val="FFFFFF"/>
+            </a:solidFill>
+            <a:ln>
+              <a:solidFill>
+                <a:srgbClr val="000000"/>
+              </a:solidFill>
+            </a:ln>
+          </p:spPr>
+          <p:txBody>
+            <a:bodyPr wrap="none" rtlCol="0">
+              <a:spAutoFit/>
+            </a:bodyPr>
+            <a:lstStyle/>
+            <a:p>
+              <a:r>
+                <a:rPr lang="en-US" altLang="ja-JP" dirty="0" smtClean="0">
+                  <a:latin typeface="メイリオ"/>
+                  <a:ea typeface="メイリオ"/>
+                  <a:cs typeface="メイリオ"/>
+                </a:rPr>
+                <a:t>A:✕</a:t>
+              </a:r>
+            </a:p>
+            <a:p>
+              <a:r>
+                <a:rPr kumimoji="1" lang="en-US" altLang="ja-JP" dirty="0" smtClean="0">
+                  <a:latin typeface="メイリオ"/>
+                  <a:ea typeface="メイリオ"/>
+                  <a:cs typeface="メイリオ"/>
+                </a:rPr>
+                <a:t>B:◯</a:t>
+              </a:r>
+            </a:p>
+            <a:p>
+              <a:r>
+                <a:rPr lang="en-US" altLang="ja-JP" dirty="0" smtClean="0">
+                  <a:latin typeface="メイリオ"/>
+                  <a:ea typeface="メイリオ"/>
+                  <a:cs typeface="メイリオ"/>
+                </a:rPr>
+                <a:t>C:◯</a:t>
+              </a:r>
+              <a:endParaRPr kumimoji="1" lang="ja-JP" altLang="en-US" dirty="0">
+                <a:latin typeface="メイリオ"/>
+                <a:ea typeface="メイリオ"/>
+                <a:cs typeface="メイリオ"/>
+              </a:endParaRPr>
+            </a:p>
+          </p:txBody>
+        </p:sp>
+        <p:sp>
+          <p:nvSpPr>
+            <p:cNvPr id="32" name="テキスト ボックス 31"/>
+            <p:cNvSpPr txBox="1"/>
+            <p:nvPr/>
+          </p:nvSpPr>
+          <p:spPr>
+            <a:xfrm>
+              <a:off x="5610443" y="6534834"/>
+              <a:ext cx="3115832" cy="646331"/>
+            </a:xfrm>
+            <a:prstGeom prst="rect">
+              <a:avLst/>
+            </a:prstGeom>
+            <a:solidFill>
+              <a:srgbClr val="FFFFFF"/>
+            </a:solidFill>
+            <a:ln>
+              <a:solidFill>
+                <a:srgbClr val="000000"/>
+              </a:solidFill>
+            </a:ln>
+          </p:spPr>
+          <p:txBody>
+            <a:bodyPr wrap="none" rtlCol="0">
+              <a:spAutoFit/>
+            </a:bodyPr>
+            <a:lstStyle/>
+            <a:p>
+              <a:pPr algn="ctr"/>
+              <a:r>
+                <a:rPr lang="ja-JP" altLang="en-US" dirty="0" smtClean="0">
+                  <a:latin typeface="メイリオ"/>
+                  <a:ea typeface="メイリオ"/>
+                  <a:cs typeface="メイリオ"/>
+                </a:rPr>
+                <a:t>アンサンブルする</a:t>
+              </a:r>
+              <a:endParaRPr lang="en-US" altLang="ja-JP" dirty="0" smtClean="0">
+                <a:latin typeface="メイリオ"/>
+                <a:ea typeface="メイリオ"/>
+                <a:cs typeface="メイリオ"/>
+              </a:endParaRPr>
+            </a:p>
+            <a:p>
+              <a:pPr algn="ctr"/>
+              <a:r>
+                <a:rPr lang="ja-JP" altLang="en-US" dirty="0" smtClean="0">
+                  <a:latin typeface="メイリオ"/>
+                  <a:ea typeface="メイリオ"/>
+                  <a:cs typeface="メイリオ"/>
+                </a:rPr>
+                <a:t>（多数決、平均、最大、</a:t>
+              </a:r>
+              <a:r>
+                <a:rPr lang="en-US" altLang="ja-JP" dirty="0" smtClean="0">
+                  <a:latin typeface="メイリオ"/>
+                  <a:ea typeface="メイリオ"/>
+                  <a:cs typeface="メイリオ"/>
+                </a:rPr>
+                <a:t>..</a:t>
+              </a:r>
+              <a:r>
+                <a:rPr lang="ja-JP" altLang="en-US" dirty="0" smtClean="0">
+                  <a:latin typeface="メイリオ"/>
+                  <a:ea typeface="メイリオ"/>
+                  <a:cs typeface="メイリオ"/>
+                </a:rPr>
+                <a:t>）</a:t>
+              </a:r>
+              <a:endParaRPr kumimoji="1" lang="ja-JP" altLang="en-US" dirty="0">
+                <a:latin typeface="メイリオ"/>
+                <a:ea typeface="メイリオ"/>
+                <a:cs typeface="メイリオ"/>
+              </a:endParaRPr>
+            </a:p>
+          </p:txBody>
+        </p:sp>
+      </p:grpSp>
+    </p:spTree>
+    <p:extLst>
+      <p:ext uri="{BB962C8B-B14F-4D97-AF65-F5344CB8AC3E}">
+        <p14:creationId xmlns:p14="http://schemas.microsoft.com/office/powerpoint/2010/main" val="1516949619"/>
+      </p:ext>
+    </p:extLst>
+  </p:cSld>
+  <p:clrMapOvr>
+    <a:masterClrMapping/>
+  </p:clrMapOvr>
+</p:sld>
+</file>
+
+<file path=ppt/slides/slide6.xml><?xml version="1.0" encoding="utf-8"?>
+<p:sld xmlns:a="http://schemas.openxmlformats.org/drawingml/2006/main" xmlns:r="http://schemas.openxmlformats.org/officeDocument/2006/relationships" xmlns:p="http://schemas.openxmlformats.org/presentationml/2006/main">
+  <p:cSld>
+    <p:spTree>
+      <p:nvGrpSpPr>
+        <p:cNvPr id="1" name=""/>
+        <p:cNvGrpSpPr/>
+        <p:nvPr/>
+      </p:nvGrpSpPr>
+      <p:grpSpPr>
+        <a:xfrm>
+          <a:off x="0" y="0"/>
+          <a:ext cx="0" cy="0"/>
+          <a:chOff x="0" y="0"/>
+          <a:chExt cx="0" cy="0"/>
+        </a:xfrm>
+      </p:grpSpPr>
+      <p:pic>
+        <p:nvPicPr>
+          <p:cNvPr id="2" name="図 1" descr="boosting.jpg"/>
+          <p:cNvPicPr>
+            <a:picLocks noChangeAspect="1"/>
+          </p:cNvPicPr>
+          <p:nvPr/>
+        </p:nvPicPr>
+        <p:blipFill>
+          <a:blip r:embed="rId2">
+            <a:extLst>
+              <a:ext uri="{28A0092B-C50C-407E-A947-70E740481C1C}">
+                <a14:useLocalDpi xmlns:a14="http://schemas.microsoft.com/office/drawing/2010/main" val="0"/>
+              </a:ext>
+            </a:extLst>
+          </a:blip>
+          <a:stretch>
+            <a:fillRect/>
+          </a:stretch>
+        </p:blipFill>
+        <p:spPr>
+          <a:xfrm>
+            <a:off x="348472" y="1420482"/>
+            <a:ext cx="8022312" cy="4692738"/>
+          </a:xfrm>
+          <a:prstGeom prst="rect">
+            <a:avLst/>
+          </a:prstGeom>
+        </p:spPr>
+      </p:pic>
+    </p:spTree>
+    <p:extLst>
+      <p:ext uri="{BB962C8B-B14F-4D97-AF65-F5344CB8AC3E}">
+        <p14:creationId xmlns:p14="http://schemas.microsoft.com/office/powerpoint/2010/main" val="3429862936"/>
+      </p:ext>
+    </p:extLst>
+  </p:cSld>
+  <p:clrMapOvr>
+    <a:masterClrMapping/>
+  </p:clrMapOvr>
+</p:sld>
+</file>
+
+<file path=ppt/slides/slide7.xml><?xml version="1.0" encoding="utf-8"?>
+<p:sld xmlns:a="http://schemas.openxmlformats.org/drawingml/2006/main" xmlns:r="http://schemas.openxmlformats.org/officeDocument/2006/relationships" xmlns:p="http://schemas.openxmlformats.org/presentationml/2006/main">
+  <p:cSld>
+    <p:spTree>
+      <p:nvGrpSpPr>
+        <p:cNvPr id="1" name=""/>
+        <p:cNvGrpSpPr/>
+        <p:nvPr/>
+      </p:nvGrpSpPr>
+      <p:grpSpPr>
+        <a:xfrm>
+          <a:off x="0" y="0"/>
+          <a:ext cx="0" cy="0"/>
+          <a:chOff x="0" y="0"/>
+          <a:chExt cx="0" cy="0"/>
+        </a:xfrm>
+      </p:grpSpPr>
+      <p:pic>
+        <p:nvPicPr>
+          <p:cNvPr id="2" name="図 1" descr="a.jpg"/>
+          <p:cNvPicPr>
+            <a:picLocks noChangeAspect="1"/>
+          </p:cNvPicPr>
+          <p:nvPr/>
+        </p:nvPicPr>
+        <p:blipFill>
+          <a:blip r:embed="rId2">
+            <a:extLst>
+              <a:ext uri="{28A0092B-C50C-407E-A947-70E740481C1C}">
+                <a14:useLocalDpi xmlns:a14="http://schemas.microsoft.com/office/drawing/2010/main" val="0"/>
+              </a:ext>
+            </a:extLst>
+          </a:blip>
+          <a:stretch>
+            <a:fillRect/>
+          </a:stretch>
+        </p:blipFill>
+        <p:spPr>
+          <a:xfrm>
+            <a:off x="0" y="628250"/>
+            <a:ext cx="9144000" cy="5143500"/>
+          </a:xfrm>
+          <a:prstGeom prst="rect">
+            <a:avLst/>
+          </a:prstGeom>
+        </p:spPr>
+      </p:pic>
+      <p:sp>
+        <p:nvSpPr>
+          <p:cNvPr id="3" name="テキスト ボックス 2"/>
+          <p:cNvSpPr txBox="1"/>
+          <p:nvPr/>
+        </p:nvSpPr>
+        <p:spPr>
+          <a:xfrm>
+            <a:off x="5432652" y="2673847"/>
+            <a:ext cx="415498" cy="369332"/>
+          </a:xfrm>
+          <a:prstGeom prst="rect">
+            <a:avLst/>
+          </a:prstGeom>
+          <a:noFill/>
+        </p:spPr>
+        <p:txBody>
+          <a:bodyPr wrap="none" rtlCol="0">
+            <a:spAutoFit/>
+          </a:bodyPr>
+          <a:lstStyle/>
+          <a:p>
+            <a:r>
+              <a:rPr kumimoji="1" lang="en-US" altLang="ja-JP" dirty="0" smtClean="0"/>
+              <a:t>◯</a:t>
+            </a:r>
+            <a:endParaRPr kumimoji="1" lang="ja-JP" altLang="en-US" dirty="0"/>
+          </a:p>
+        </p:txBody>
+      </p:sp>
+      <p:sp>
+        <p:nvSpPr>
+          <p:cNvPr id="4" name="テキスト ボックス 3"/>
+          <p:cNvSpPr txBox="1"/>
+          <p:nvPr/>
+        </p:nvSpPr>
+        <p:spPr>
+          <a:xfrm>
+            <a:off x="5468089" y="4430555"/>
+            <a:ext cx="415498" cy="369332"/>
+          </a:xfrm>
+          <a:prstGeom prst="rect">
+            <a:avLst/>
+          </a:prstGeom>
+          <a:noFill/>
+        </p:spPr>
+        <p:txBody>
+          <a:bodyPr wrap="none" rtlCol="0">
+            <a:spAutoFit/>
+          </a:bodyPr>
+          <a:lstStyle/>
+          <a:p>
+            <a:r>
+              <a:rPr kumimoji="1" lang="en-US" altLang="ja-JP" dirty="0" smtClean="0"/>
+              <a:t>◯</a:t>
+            </a:r>
+            <a:endParaRPr kumimoji="1" lang="ja-JP" altLang="en-US" dirty="0"/>
+          </a:p>
+        </p:txBody>
+      </p:sp>
+      <p:sp>
+        <p:nvSpPr>
+          <p:cNvPr id="5" name="テキスト ボックス 4"/>
+          <p:cNvSpPr txBox="1"/>
+          <p:nvPr/>
+        </p:nvSpPr>
+        <p:spPr>
+          <a:xfrm>
+            <a:off x="5453399" y="3496705"/>
+            <a:ext cx="415498" cy="369332"/>
+          </a:xfrm>
+          <a:prstGeom prst="rect">
+            <a:avLst/>
+          </a:prstGeom>
+          <a:noFill/>
+        </p:spPr>
+        <p:txBody>
+          <a:bodyPr wrap="none" rtlCol="0">
+            <a:spAutoFit/>
+          </a:bodyPr>
+          <a:lstStyle/>
+          <a:p>
+            <a:r>
+              <a:rPr lang="en-US" altLang="ja-JP" dirty="0" smtClean="0"/>
+              <a:t>✕</a:t>
+            </a:r>
+            <a:endParaRPr kumimoji="1" lang="ja-JP" altLang="en-US" dirty="0"/>
+          </a:p>
+        </p:txBody>
+      </p:sp>
+      <p:sp>
+        <p:nvSpPr>
+          <p:cNvPr id="6" name="テキスト ボックス 5"/>
+          <p:cNvSpPr txBox="1"/>
+          <p:nvPr/>
+        </p:nvSpPr>
+        <p:spPr>
+          <a:xfrm>
+            <a:off x="7276699" y="3464439"/>
+            <a:ext cx="415498" cy="369332"/>
+          </a:xfrm>
+          <a:prstGeom prst="rect">
+            <a:avLst/>
+          </a:prstGeom>
+          <a:noFill/>
+        </p:spPr>
+        <p:txBody>
+          <a:bodyPr wrap="none" rtlCol="0">
+            <a:spAutoFit/>
+          </a:bodyPr>
+          <a:lstStyle/>
+          <a:p>
+            <a:r>
+              <a:rPr lang="en-US" altLang="ja-JP" dirty="0" smtClean="0"/>
+              <a:t>◯</a:t>
+            </a:r>
+            <a:endParaRPr kumimoji="1" lang="ja-JP" altLang="en-US" dirty="0"/>
+          </a:p>
+        </p:txBody>
+      </p:sp>
+    </p:spTree>
+    <p:extLst>
+      <p:ext uri="{BB962C8B-B14F-4D97-AF65-F5344CB8AC3E}">
+        <p14:creationId xmlns:p14="http://schemas.microsoft.com/office/powerpoint/2010/main" val="4223738019"/>
+      </p:ext>
+    </p:extLst>
+  </p:cSld>
+  <p:clrMapOvr>
+    <a:masterClrMapping/>
+  </p:clrMapOvr>
+</p:sld>
+</file>
+
+<file path=ppt/slides/slide8.xml><?xml version="1.0" encoding="utf-8"?>
+<p:sld xmlns:a="http://schemas.openxmlformats.org/drawingml/2006/main" xmlns:r="http://schemas.openxmlformats.org/officeDocument/2006/relationships" xmlns:p="http://schemas.openxmlformats.org/presentationml/2006/main">
+  <p:cSld>
+    <p:spTree>
+      <p:nvGrpSpPr>
+        <p:cNvPr id="1" name=""/>
+        <p:cNvGrpSpPr/>
+        <p:nvPr/>
+      </p:nvGrpSpPr>
+      <p:grpSpPr>
+        <a:xfrm>
+          <a:off x="0" y="0"/>
+          <a:ext cx="0" cy="0"/>
+          <a:chOff x="0" y="0"/>
+          <a:chExt cx="0" cy="0"/>
+        </a:xfrm>
+      </p:grpSpPr>
+      <p:grpSp>
+        <p:nvGrpSpPr>
+          <p:cNvPr id="90" name="図形グループ 89"/>
+          <p:cNvGrpSpPr/>
+          <p:nvPr/>
+        </p:nvGrpSpPr>
+        <p:grpSpPr>
+          <a:xfrm>
+            <a:off x="96619" y="1064858"/>
+            <a:ext cx="6753351" cy="4010715"/>
+            <a:chOff x="96619" y="1064858"/>
+            <a:chExt cx="6753351" cy="4010715"/>
+          </a:xfrm>
+        </p:grpSpPr>
+        <p:grpSp>
+          <p:nvGrpSpPr>
+            <p:cNvPr id="84" name="図形グループ 83"/>
+            <p:cNvGrpSpPr/>
+            <p:nvPr/>
+          </p:nvGrpSpPr>
+          <p:grpSpPr>
+            <a:xfrm>
+              <a:off x="96619" y="1064858"/>
+              <a:ext cx="6753351" cy="4010715"/>
+              <a:chOff x="96619" y="1064858"/>
+              <a:chExt cx="6753351" cy="4010715"/>
+            </a:xfrm>
+          </p:grpSpPr>
+          <p:grpSp>
+            <p:nvGrpSpPr>
+              <p:cNvPr id="4" name="図形グループ 3"/>
+              <p:cNvGrpSpPr/>
+              <p:nvPr/>
+            </p:nvGrpSpPr>
+            <p:grpSpPr>
+              <a:xfrm>
+                <a:off x="578808" y="2660481"/>
+                <a:ext cx="1107996" cy="1009398"/>
+                <a:chOff x="970831" y="2356003"/>
+                <a:chExt cx="1107996" cy="1009398"/>
+              </a:xfrm>
+            </p:grpSpPr>
+            <p:sp>
+              <p:nvSpPr>
+                <p:cNvPr id="2" name="フローチャート: 磁気ディスク 1"/>
+                <p:cNvSpPr/>
+                <p:nvPr/>
+              </p:nvSpPr>
+              <p:spPr>
+                <a:xfrm>
+                  <a:off x="1146642" y="2356003"/>
+                  <a:ext cx="682158" cy="612648"/>
+                </a:xfrm>
+                <a:prstGeom prst="flowChartMagneticDisk">
+                  <a:avLst/>
+                </a:prstGeom>
+              </p:spPr>
+              <p:style>
+                <a:lnRef idx="2">
+                  <a:schemeClr val="dk1"/>
+                </a:lnRef>
+                <a:fillRef idx="1">
+                  <a:schemeClr val="lt1"/>
+                </a:fillRef>
+                <a:effectRef idx="0">
+                  <a:schemeClr val="dk1"/>
+                </a:effectRef>
+                <a:fontRef idx="minor">
+                  <a:schemeClr val="dk1"/>
+                </a:fontRef>
+              </p:style>
+              <p:txBody>
+                <a:bodyPr rtlCol="0" anchor="ctr"/>
+                <a:lstStyle/>
+                <a:p>
+                  <a:pPr algn="ctr"/>
+                  <a:endParaRPr kumimoji="1" lang="ja-JP" altLang="en-US"/>
+                </a:p>
+              </p:txBody>
+            </p:sp>
+            <p:sp>
+              <p:nvSpPr>
+                <p:cNvPr id="3" name="テキスト ボックス 2"/>
+                <p:cNvSpPr txBox="1"/>
+                <p:nvPr/>
+              </p:nvSpPr>
+              <p:spPr>
+                <a:xfrm>
+                  <a:off x="970831" y="2996069"/>
+                  <a:ext cx="1107996" cy="369332"/>
+                </a:xfrm>
+                <a:prstGeom prst="rect">
+                  <a:avLst/>
+                </a:prstGeom>
+                <a:noFill/>
+              </p:spPr>
+              <p:txBody>
+                <a:bodyPr wrap="none" rtlCol="0">
+                  <a:spAutoFit/>
+                </a:bodyPr>
+                <a:lstStyle/>
+                <a:p>
+                  <a:r>
+                    <a:rPr kumimoji="1" lang="ja-JP" altLang="en-US" dirty="0" smtClean="0">
+                      <a:latin typeface="メイリオ"/>
+                      <a:ea typeface="メイリオ"/>
+                      <a:cs typeface="メイリオ"/>
+                    </a:rPr>
+                    <a:t>元データ</a:t>
+                  </a:r>
+                  <a:endParaRPr kumimoji="1" lang="ja-JP" altLang="en-US" dirty="0">
+                    <a:latin typeface="メイリオ"/>
+                    <a:ea typeface="メイリオ"/>
+                    <a:cs typeface="メイリオ"/>
+                  </a:endParaRPr>
+                </a:p>
+              </p:txBody>
+            </p:sp>
+          </p:grpSp>
+          <p:sp>
+            <p:nvSpPr>
+              <p:cNvPr id="6" name="フローチャート: 磁気ディスク 5"/>
+              <p:cNvSpPr/>
+              <p:nvPr/>
+            </p:nvSpPr>
+            <p:spPr>
+              <a:xfrm>
+                <a:off x="2704282" y="1587266"/>
+                <a:ext cx="719110" cy="612648"/>
+              </a:xfrm>
+              <a:prstGeom prst="flowChartMagneticDisk">
+                <a:avLst/>
+              </a:prstGeom>
+            </p:spPr>
+            <p:style>
+              <a:lnRef idx="2">
+                <a:schemeClr val="dk1"/>
+              </a:lnRef>
+              <a:fillRef idx="1">
+                <a:schemeClr val="lt1"/>
+              </a:fillRef>
+              <a:effectRef idx="0">
+                <a:schemeClr val="dk1"/>
+              </a:effectRef>
+              <a:fontRef idx="minor">
+                <a:schemeClr val="dk1"/>
+              </a:fontRef>
+            </p:style>
+            <p:txBody>
+              <a:bodyPr rtlCol="0" anchor="ctr"/>
+              <a:lstStyle/>
+              <a:p>
+                <a:pPr algn="ctr"/>
+                <a:endParaRPr kumimoji="1" lang="ja-JP" altLang="en-US"/>
+              </a:p>
+            </p:txBody>
+          </p:sp>
+          <p:sp>
+            <p:nvSpPr>
+              <p:cNvPr id="9" name="フローチャート: 磁気ディスク 8"/>
+              <p:cNvSpPr/>
+              <p:nvPr/>
+            </p:nvSpPr>
+            <p:spPr>
+              <a:xfrm>
+                <a:off x="2704282" y="2619380"/>
+                <a:ext cx="719110" cy="612648"/>
+              </a:xfrm>
+              <a:prstGeom prst="flowChartMagneticDisk">
+                <a:avLst/>
+              </a:prstGeom>
+            </p:spPr>
+            <p:style>
+              <a:lnRef idx="2">
+                <a:schemeClr val="dk1"/>
+              </a:lnRef>
+              <a:fillRef idx="1">
+                <a:schemeClr val="lt1"/>
+              </a:fillRef>
+              <a:effectRef idx="0">
+                <a:schemeClr val="dk1"/>
+              </a:effectRef>
+              <a:fontRef idx="minor">
+                <a:schemeClr val="dk1"/>
+              </a:fontRef>
+            </p:style>
+            <p:txBody>
+              <a:bodyPr rtlCol="0" anchor="ctr"/>
+              <a:lstStyle/>
+              <a:p>
+                <a:pPr algn="ctr"/>
+                <a:endParaRPr kumimoji="1" lang="ja-JP" altLang="en-US"/>
+              </a:p>
+            </p:txBody>
+          </p:sp>
+          <p:sp>
+            <p:nvSpPr>
+              <p:cNvPr id="11" name="フローチャート: 磁気ディスク 10"/>
+              <p:cNvSpPr/>
+              <p:nvPr/>
+            </p:nvSpPr>
+            <p:spPr>
+              <a:xfrm>
+                <a:off x="2704282" y="3774473"/>
+                <a:ext cx="719110" cy="612648"/>
+              </a:xfrm>
+              <a:prstGeom prst="flowChartMagneticDisk">
+                <a:avLst/>
+              </a:prstGeom>
+            </p:spPr>
+            <p:style>
+              <a:lnRef idx="2">
+                <a:schemeClr val="dk1"/>
+              </a:lnRef>
+              <a:fillRef idx="1">
+                <a:schemeClr val="lt1"/>
+              </a:fillRef>
+              <a:effectRef idx="0">
+                <a:schemeClr val="dk1"/>
+              </a:effectRef>
+              <a:fontRef idx="minor">
+                <a:schemeClr val="dk1"/>
+              </a:fontRef>
+            </p:style>
+            <p:txBody>
+              <a:bodyPr rtlCol="0" anchor="ctr"/>
+              <a:lstStyle/>
+              <a:p>
+                <a:pPr algn="ctr"/>
+                <a:endParaRPr kumimoji="1" lang="ja-JP" altLang="en-US"/>
+              </a:p>
+            </p:txBody>
+          </p:sp>
+          <p:sp>
+            <p:nvSpPr>
+              <p:cNvPr id="12" name="テキスト ボックス 11"/>
+              <p:cNvSpPr txBox="1"/>
+              <p:nvPr/>
+            </p:nvSpPr>
+            <p:spPr>
+              <a:xfrm>
+                <a:off x="1677699" y="4429242"/>
+                <a:ext cx="2723823" cy="646331"/>
+              </a:xfrm>
+              <a:prstGeom prst="rect">
+                <a:avLst/>
+              </a:prstGeom>
+              <a:noFill/>
+            </p:spPr>
+            <p:txBody>
+              <a:bodyPr wrap="none" rtlCol="0">
+                <a:spAutoFit/>
+              </a:bodyPr>
+              <a:lstStyle/>
+              <a:p>
+                <a:pPr algn="ctr"/>
+                <a:r>
+                  <a:rPr kumimoji="1" lang="ja-JP" altLang="en-US" dirty="0" smtClean="0">
+                    <a:latin typeface="メイリオ"/>
+                    <a:ea typeface="メイリオ"/>
+                    <a:cs typeface="メイリオ"/>
+                  </a:rPr>
+                  <a:t>元データと</a:t>
+                </a:r>
+                <a:endParaRPr kumimoji="1" lang="en-US" altLang="ja-JP" dirty="0" smtClean="0">
+                  <a:latin typeface="メイリオ"/>
+                  <a:ea typeface="メイリオ"/>
+                  <a:cs typeface="メイリオ"/>
+                </a:endParaRPr>
+              </a:p>
+              <a:p>
+                <a:pPr algn="ctr"/>
+                <a:r>
+                  <a:rPr kumimoji="1" lang="ja-JP" altLang="en-US" dirty="0" smtClean="0">
+                    <a:latin typeface="メイリオ"/>
+                    <a:ea typeface="メイリオ"/>
+                    <a:cs typeface="メイリオ"/>
+                  </a:rPr>
+                  <a:t>ちょっと</a:t>
+                </a:r>
+                <a:r>
+                  <a:rPr lang="ja-JP" altLang="en-US" dirty="0" smtClean="0">
+                    <a:latin typeface="メイリオ"/>
+                    <a:ea typeface="メイリオ"/>
+                    <a:cs typeface="メイリオ"/>
+                  </a:rPr>
+                  <a:t>だけ違うデータ</a:t>
+                </a:r>
+                <a:endParaRPr kumimoji="1" lang="ja-JP" altLang="en-US" dirty="0">
+                  <a:latin typeface="メイリオ"/>
+                  <a:ea typeface="メイリオ"/>
+                  <a:cs typeface="メイリオ"/>
+                </a:endParaRPr>
+              </a:p>
+            </p:txBody>
+          </p:sp>
+          <p:cxnSp>
+            <p:nvCxnSpPr>
+              <p:cNvPr id="14" name="直線矢印コネクタ 13"/>
+              <p:cNvCxnSpPr/>
+              <p:nvPr/>
+            </p:nvCxnSpPr>
+            <p:spPr>
+              <a:xfrm flipV="1">
+                <a:off x="1536396" y="2072231"/>
+                <a:ext cx="1020081" cy="689618"/>
+              </a:xfrm>
+              <a:prstGeom prst="straightConnector1">
+                <a:avLst/>
+              </a:prstGeom>
+              <a:ln>
+                <a:tailEnd type="arrow"/>
+              </a:ln>
+            </p:spPr>
+            <p:style>
+              <a:lnRef idx="1">
+                <a:schemeClr val="dk1"/>
+              </a:lnRef>
+              <a:fillRef idx="0">
+                <a:schemeClr val="dk1"/>
+              </a:fillRef>
+              <a:effectRef idx="0">
+                <a:schemeClr val="dk1"/>
+              </a:effectRef>
+              <a:fontRef idx="minor">
+                <a:schemeClr val="tx1"/>
+              </a:fontRef>
+            </p:style>
+          </p:cxnSp>
+          <p:cxnSp>
+            <p:nvCxnSpPr>
+              <p:cNvPr id="15" name="直線矢印コネクタ 14"/>
+              <p:cNvCxnSpPr/>
+              <p:nvPr/>
+            </p:nvCxnSpPr>
+            <p:spPr>
+              <a:xfrm>
+                <a:off x="1536396" y="2966805"/>
+                <a:ext cx="1020081" cy="0"/>
+              </a:xfrm>
+              <a:prstGeom prst="straightConnector1">
+                <a:avLst/>
+              </a:prstGeom>
+              <a:ln>
+                <a:tailEnd type="arrow"/>
+              </a:ln>
+            </p:spPr>
+            <p:style>
+              <a:lnRef idx="1">
+                <a:schemeClr val="dk1"/>
+              </a:lnRef>
+              <a:fillRef idx="0">
+                <a:schemeClr val="dk1"/>
+              </a:fillRef>
+              <a:effectRef idx="0">
+                <a:schemeClr val="dk1"/>
+              </a:effectRef>
+              <a:fontRef idx="minor">
+                <a:schemeClr val="tx1"/>
+              </a:fontRef>
+            </p:style>
+          </p:cxnSp>
+          <p:cxnSp>
+            <p:nvCxnSpPr>
+              <p:cNvPr id="17" name="直線矢印コネクタ 16"/>
+              <p:cNvCxnSpPr/>
+              <p:nvPr/>
+            </p:nvCxnSpPr>
+            <p:spPr>
+              <a:xfrm>
+                <a:off x="1536396" y="3180102"/>
+                <a:ext cx="1020081" cy="780534"/>
+              </a:xfrm>
+              <a:prstGeom prst="straightConnector1">
+                <a:avLst/>
+              </a:prstGeom>
+              <a:ln>
+                <a:tailEnd type="arrow"/>
+              </a:ln>
+            </p:spPr>
+            <p:style>
+              <a:lnRef idx="1">
+                <a:schemeClr val="dk1"/>
+              </a:lnRef>
+              <a:fillRef idx="0">
+                <a:schemeClr val="dk1"/>
+              </a:fillRef>
+              <a:effectRef idx="0">
+                <a:schemeClr val="dk1"/>
+              </a:effectRef>
+              <a:fontRef idx="minor">
+                <a:schemeClr val="tx1"/>
+              </a:fontRef>
+            </p:style>
+          </p:cxnSp>
+          <p:sp>
+            <p:nvSpPr>
+              <p:cNvPr id="22" name="テキスト ボックス 21"/>
+              <p:cNvSpPr txBox="1"/>
+              <p:nvPr/>
+            </p:nvSpPr>
+            <p:spPr>
+              <a:xfrm>
+                <a:off x="96619" y="1064858"/>
+                <a:ext cx="2680316" cy="923330"/>
+              </a:xfrm>
+              <a:prstGeom prst="rect">
+                <a:avLst/>
+              </a:prstGeom>
+              <a:noFill/>
+            </p:spPr>
+            <p:txBody>
+              <a:bodyPr wrap="none" rtlCol="0">
+                <a:spAutoFit/>
+              </a:bodyPr>
+              <a:lstStyle/>
+              <a:p>
+                <a:pPr algn="ctr"/>
+                <a:r>
+                  <a:rPr lang="ja-JP" altLang="en-US" dirty="0" smtClean="0">
+                    <a:latin typeface="メイリオ"/>
+                    <a:ea typeface="メイリオ"/>
+                    <a:cs typeface="メイリオ"/>
+                  </a:rPr>
+                  <a:t>重複ありの</a:t>
+                </a:r>
+                <a:endParaRPr lang="en-US" altLang="ja-JP" dirty="0" smtClean="0">
+                  <a:latin typeface="メイリオ"/>
+                  <a:ea typeface="メイリオ"/>
+                  <a:cs typeface="メイリオ"/>
+                </a:endParaRPr>
+              </a:p>
+              <a:p>
+                <a:pPr algn="ctr"/>
+                <a:r>
+                  <a:rPr lang="ja-JP" altLang="en-US" dirty="0" smtClean="0">
+                    <a:latin typeface="メイリオ"/>
+                    <a:ea typeface="メイリオ"/>
+                    <a:cs typeface="メイリオ"/>
+                  </a:rPr>
+                  <a:t>ランダムサンプリング</a:t>
+                </a:r>
+                <a:endParaRPr lang="en-US" altLang="ja-JP" dirty="0" smtClean="0">
+                  <a:latin typeface="メイリオ"/>
+                  <a:ea typeface="メイリオ"/>
+                  <a:cs typeface="メイリオ"/>
+                </a:endParaRPr>
+              </a:p>
+              <a:p>
+                <a:pPr algn="ctr"/>
+                <a:r>
+                  <a:rPr lang="ja-JP" altLang="en-US" dirty="0" smtClean="0">
+                    <a:latin typeface="メイリオ"/>
+                    <a:ea typeface="メイリオ"/>
+                    <a:cs typeface="メイリオ"/>
+                  </a:rPr>
+                  <a:t>（</a:t>
+                </a:r>
+                <a:r>
+                  <a:rPr lang="en-US" altLang="ja-JP" dirty="0" err="1" smtClean="0">
+                    <a:latin typeface="メイリオ"/>
+                    <a:ea typeface="メイリオ"/>
+                    <a:cs typeface="メイリオ"/>
+                  </a:rPr>
+                  <a:t>b</a:t>
+                </a:r>
+                <a:r>
+                  <a:rPr kumimoji="1" lang="en-US" altLang="ja-JP" dirty="0" err="1" smtClean="0">
+                    <a:latin typeface="メイリオ"/>
+                    <a:ea typeface="メイリオ"/>
+                    <a:cs typeface="メイリオ"/>
+                  </a:rPr>
+                  <a:t>ootstarp</a:t>
+                </a:r>
+                <a:r>
+                  <a:rPr kumimoji="1" lang="en-US" altLang="ja-JP" dirty="0" smtClean="0">
+                    <a:latin typeface="メイリオ"/>
+                    <a:ea typeface="メイリオ"/>
+                    <a:cs typeface="メイリオ"/>
+                  </a:rPr>
+                  <a:t> sampling)</a:t>
+                </a:r>
+              </a:p>
+            </p:txBody>
+          </p:sp>
+          <p:sp>
+            <p:nvSpPr>
+              <p:cNvPr id="23" name="円/楕円 22"/>
+              <p:cNvSpPr/>
+              <p:nvPr/>
+            </p:nvSpPr>
+            <p:spPr>
+              <a:xfrm>
+                <a:off x="892347" y="2937705"/>
+                <a:ext cx="87859" cy="87859"/>
+              </a:xfrm>
+              <a:prstGeom prst="ellipse">
+                <a:avLst/>
+              </a:prstGeom>
+              <a:solidFill>
+                <a:srgbClr val="FF0000"/>
+              </a:solidFill>
+              <a:ln>
+                <a:noFill/>
+              </a:ln>
+            </p:spPr>
+            <p:style>
+              <a:lnRef idx="2">
+                <a:schemeClr val="dk1"/>
+              </a:lnRef>
+              <a:fillRef idx="1">
+                <a:schemeClr val="lt1"/>
+              </a:fillRef>
+              <a:effectRef idx="0">
+                <a:schemeClr val="dk1"/>
+              </a:effectRef>
+              <a:fontRef idx="minor">
+                <a:schemeClr val="dk1"/>
+              </a:fontRef>
+            </p:style>
+            <p:txBody>
+              <a:bodyPr rtlCol="0" anchor="ctr"/>
+              <a:lstStyle/>
+              <a:p>
+                <a:pPr algn="ctr"/>
+                <a:endParaRPr kumimoji="1" lang="ja-JP" altLang="en-US"/>
+              </a:p>
+            </p:txBody>
+          </p:sp>
+          <p:sp>
+            <p:nvSpPr>
+              <p:cNvPr id="30" name="円/楕円 29"/>
+              <p:cNvSpPr/>
+              <p:nvPr/>
+            </p:nvSpPr>
+            <p:spPr>
+              <a:xfrm>
+                <a:off x="980206" y="3075275"/>
+                <a:ext cx="87859" cy="87859"/>
+              </a:xfrm>
+              <a:prstGeom prst="ellipse">
+                <a:avLst/>
+              </a:prstGeom>
+              <a:solidFill>
+                <a:srgbClr val="008000"/>
+              </a:solidFill>
+              <a:ln>
+                <a:noFill/>
+              </a:ln>
+            </p:spPr>
+            <p:style>
+              <a:lnRef idx="2">
+                <a:schemeClr val="dk1"/>
+              </a:lnRef>
+              <a:fillRef idx="1">
+                <a:schemeClr val="lt1"/>
+              </a:fillRef>
+              <a:effectRef idx="0">
+                <a:schemeClr val="dk1"/>
+              </a:effectRef>
+              <a:fontRef idx="minor">
+                <a:schemeClr val="dk1"/>
+              </a:fontRef>
+            </p:style>
+            <p:txBody>
+              <a:bodyPr rtlCol="0" anchor="ctr"/>
+              <a:lstStyle/>
+              <a:p>
+                <a:pPr algn="ctr"/>
+                <a:endParaRPr kumimoji="1" lang="ja-JP" altLang="en-US"/>
+              </a:p>
+            </p:txBody>
+          </p:sp>
+          <p:sp>
+            <p:nvSpPr>
+              <p:cNvPr id="31" name="円/楕円 30"/>
+              <p:cNvSpPr/>
+              <p:nvPr/>
+            </p:nvSpPr>
+            <p:spPr>
+              <a:xfrm>
+                <a:off x="1068915" y="2981635"/>
+                <a:ext cx="87859" cy="87859"/>
+              </a:xfrm>
+              <a:prstGeom prst="ellipse">
+                <a:avLst/>
+              </a:prstGeom>
+              <a:solidFill>
+                <a:schemeClr val="accent6"/>
+              </a:solidFill>
+              <a:ln>
+                <a:noFill/>
+              </a:ln>
+            </p:spPr>
+            <p:style>
+              <a:lnRef idx="2">
+                <a:schemeClr val="dk1"/>
+              </a:lnRef>
+              <a:fillRef idx="1">
+                <a:schemeClr val="lt1"/>
+              </a:fillRef>
+              <a:effectRef idx="0">
+                <a:schemeClr val="dk1"/>
+              </a:effectRef>
+              <a:fontRef idx="minor">
+                <a:schemeClr val="dk1"/>
+              </a:fontRef>
+            </p:style>
+            <p:txBody>
+              <a:bodyPr rtlCol="0" anchor="ctr"/>
+              <a:lstStyle/>
+              <a:p>
+                <a:pPr algn="ctr"/>
+                <a:endParaRPr kumimoji="1" lang="ja-JP" altLang="en-US"/>
+              </a:p>
+            </p:txBody>
+          </p:sp>
+          <p:sp>
+            <p:nvSpPr>
+              <p:cNvPr id="32" name="円/楕円 31"/>
+              <p:cNvSpPr/>
+              <p:nvPr/>
+            </p:nvSpPr>
+            <p:spPr>
+              <a:xfrm>
+                <a:off x="1220465" y="2963646"/>
+                <a:ext cx="87859" cy="87859"/>
+              </a:xfrm>
+              <a:prstGeom prst="ellipse">
+                <a:avLst/>
+              </a:prstGeom>
+              <a:solidFill>
+                <a:srgbClr val="0000FF"/>
+              </a:solidFill>
+              <a:ln>
+                <a:noFill/>
+              </a:ln>
+            </p:spPr>
+            <p:style>
+              <a:lnRef idx="2">
+                <a:schemeClr val="dk1"/>
+              </a:lnRef>
+              <a:fillRef idx="1">
+                <a:schemeClr val="lt1"/>
+              </a:fillRef>
+              <a:effectRef idx="0">
+                <a:schemeClr val="dk1"/>
+              </a:effectRef>
+              <a:fontRef idx="minor">
+                <a:schemeClr val="dk1"/>
+              </a:fontRef>
+            </p:style>
+            <p:txBody>
+              <a:bodyPr rtlCol="0" anchor="ctr"/>
+              <a:lstStyle/>
+              <a:p>
+                <a:pPr algn="ctr"/>
+                <a:endParaRPr kumimoji="1" lang="ja-JP" altLang="en-US"/>
+              </a:p>
+            </p:txBody>
+          </p:sp>
+          <p:sp>
+            <p:nvSpPr>
+              <p:cNvPr id="33" name="円/楕円 32"/>
+              <p:cNvSpPr/>
+              <p:nvPr/>
+            </p:nvSpPr>
+            <p:spPr>
+              <a:xfrm>
+                <a:off x="1156774" y="3081762"/>
+                <a:ext cx="87859" cy="87859"/>
+              </a:xfrm>
+              <a:prstGeom prst="ellipse">
+                <a:avLst/>
+              </a:prstGeom>
+              <a:solidFill>
+                <a:srgbClr val="660066"/>
+              </a:solidFill>
+              <a:ln>
+                <a:noFill/>
+              </a:ln>
+            </p:spPr>
+            <p:style>
+              <a:lnRef idx="2">
+                <a:schemeClr val="dk1"/>
+              </a:lnRef>
+              <a:fillRef idx="1">
+                <a:schemeClr val="lt1"/>
+              </a:fillRef>
+              <a:effectRef idx="0">
+                <a:schemeClr val="dk1"/>
+              </a:effectRef>
+              <a:fontRef idx="minor">
+                <a:schemeClr val="dk1"/>
+              </a:fontRef>
+            </p:style>
+            <p:txBody>
+              <a:bodyPr rtlCol="0" anchor="ctr"/>
+              <a:lstStyle/>
+              <a:p>
+                <a:pPr algn="ctr"/>
+                <a:endParaRPr kumimoji="1" lang="ja-JP" altLang="en-US"/>
+              </a:p>
+            </p:txBody>
+          </p:sp>
+          <p:grpSp>
+            <p:nvGrpSpPr>
+              <p:cNvPr id="41" name="図形グループ 40"/>
+              <p:cNvGrpSpPr/>
+              <p:nvPr/>
+            </p:nvGrpSpPr>
+            <p:grpSpPr>
+              <a:xfrm>
+                <a:off x="2863040" y="2909606"/>
+                <a:ext cx="415977" cy="231916"/>
+                <a:chOff x="1044747" y="3090105"/>
+                <a:chExt cx="415977" cy="231916"/>
+              </a:xfrm>
+            </p:grpSpPr>
+            <p:sp>
+              <p:nvSpPr>
+                <p:cNvPr id="36" name="円/楕円 35"/>
+                <p:cNvSpPr/>
+                <p:nvPr/>
+              </p:nvSpPr>
+              <p:spPr>
+                <a:xfrm>
+                  <a:off x="1044747" y="3090105"/>
+                  <a:ext cx="87859" cy="87859"/>
+                </a:xfrm>
+                <a:prstGeom prst="ellipse">
+                  <a:avLst/>
+                </a:prstGeom>
+                <a:solidFill>
+                  <a:srgbClr val="FF0000"/>
+                </a:solidFill>
+                <a:ln>
+                  <a:noFill/>
+                </a:ln>
+              </p:spPr>
+              <p:style>
+                <a:lnRef idx="2">
+                  <a:schemeClr val="dk1"/>
+                </a:lnRef>
+                <a:fillRef idx="1">
+                  <a:schemeClr val="lt1"/>
+                </a:fillRef>
+                <a:effectRef idx="0">
+                  <a:schemeClr val="dk1"/>
+                </a:effectRef>
+                <a:fontRef idx="minor">
+                  <a:schemeClr val="dk1"/>
+                </a:fontRef>
+              </p:style>
+              <p:txBody>
+                <a:bodyPr rtlCol="0" anchor="ctr"/>
+                <a:lstStyle/>
+                <a:p>
+                  <a:pPr algn="ctr"/>
+                  <a:endParaRPr kumimoji="1" lang="ja-JP" altLang="en-US"/>
+                </a:p>
+              </p:txBody>
+            </p:sp>
+            <p:sp>
+              <p:nvSpPr>
+                <p:cNvPr id="37" name="円/楕円 36"/>
+                <p:cNvSpPr/>
+                <p:nvPr/>
+              </p:nvSpPr>
+              <p:spPr>
+                <a:xfrm>
+                  <a:off x="1132606" y="3227675"/>
+                  <a:ext cx="87859" cy="87859"/>
+                </a:xfrm>
+                <a:prstGeom prst="ellipse">
+                  <a:avLst/>
+                </a:prstGeom>
+                <a:solidFill>
+                  <a:srgbClr val="0000FF"/>
+                </a:solidFill>
+                <a:ln>
+                  <a:noFill/>
+                </a:ln>
+              </p:spPr>
+              <p:style>
+                <a:lnRef idx="2">
+                  <a:schemeClr val="dk1"/>
+                </a:lnRef>
+                <a:fillRef idx="1">
+                  <a:schemeClr val="lt1"/>
+                </a:fillRef>
+                <a:effectRef idx="0">
+                  <a:schemeClr val="dk1"/>
+                </a:effectRef>
+                <a:fontRef idx="minor">
+                  <a:schemeClr val="dk1"/>
+                </a:fontRef>
+              </p:style>
+              <p:txBody>
+                <a:bodyPr rtlCol="0" anchor="ctr"/>
+                <a:lstStyle/>
+                <a:p>
+                  <a:pPr algn="ctr"/>
+                  <a:endParaRPr kumimoji="1" lang="ja-JP" altLang="en-US"/>
+                </a:p>
+              </p:txBody>
+            </p:sp>
+            <p:sp>
+              <p:nvSpPr>
+                <p:cNvPr id="38" name="円/楕円 37"/>
+                <p:cNvSpPr/>
+                <p:nvPr/>
+              </p:nvSpPr>
+              <p:spPr>
+                <a:xfrm>
+                  <a:off x="1221315" y="3134035"/>
+                  <a:ext cx="87859" cy="87859"/>
+                </a:xfrm>
+                <a:prstGeom prst="ellipse">
+                  <a:avLst/>
+                </a:prstGeom>
+                <a:solidFill>
+                  <a:schemeClr val="accent6"/>
+                </a:solidFill>
+                <a:ln>
+                  <a:noFill/>
+                </a:ln>
+              </p:spPr>
+              <p:style>
+                <a:lnRef idx="2">
+                  <a:schemeClr val="dk1"/>
+                </a:lnRef>
+                <a:fillRef idx="1">
+                  <a:schemeClr val="lt1"/>
+                </a:fillRef>
+                <a:effectRef idx="0">
+                  <a:schemeClr val="dk1"/>
+                </a:effectRef>
+                <a:fontRef idx="minor">
+                  <a:schemeClr val="dk1"/>
+                </a:fontRef>
+              </p:style>
+              <p:txBody>
+                <a:bodyPr rtlCol="0" anchor="ctr"/>
+                <a:lstStyle/>
+                <a:p>
+                  <a:pPr algn="ctr"/>
+                  <a:endParaRPr kumimoji="1" lang="ja-JP" altLang="en-US"/>
+                </a:p>
+              </p:txBody>
+            </p:sp>
+            <p:sp>
+              <p:nvSpPr>
+                <p:cNvPr id="39" name="円/楕円 38"/>
+                <p:cNvSpPr/>
+                <p:nvPr/>
+              </p:nvSpPr>
+              <p:spPr>
+                <a:xfrm>
+                  <a:off x="1372865" y="3116046"/>
+                  <a:ext cx="87859" cy="87859"/>
+                </a:xfrm>
+                <a:prstGeom prst="ellipse">
+                  <a:avLst/>
+                </a:prstGeom>
+                <a:solidFill>
+                  <a:srgbClr val="0000FF"/>
+                </a:solidFill>
+                <a:ln>
+                  <a:noFill/>
+                </a:ln>
+              </p:spPr>
+              <p:style>
+                <a:lnRef idx="2">
+                  <a:schemeClr val="dk1"/>
+                </a:lnRef>
+                <a:fillRef idx="1">
+                  <a:schemeClr val="lt1"/>
+                </a:fillRef>
+                <a:effectRef idx="0">
+                  <a:schemeClr val="dk1"/>
+                </a:effectRef>
+                <a:fontRef idx="minor">
+                  <a:schemeClr val="dk1"/>
+                </a:fontRef>
+              </p:style>
+              <p:txBody>
+                <a:bodyPr rtlCol="0" anchor="ctr"/>
+                <a:lstStyle/>
+                <a:p>
+                  <a:pPr algn="ctr"/>
+                  <a:endParaRPr kumimoji="1" lang="ja-JP" altLang="en-US"/>
+                </a:p>
+              </p:txBody>
+            </p:sp>
+            <p:sp>
+              <p:nvSpPr>
+                <p:cNvPr id="40" name="円/楕円 39"/>
+                <p:cNvSpPr/>
+                <p:nvPr/>
+              </p:nvSpPr>
+              <p:spPr>
+                <a:xfrm>
+                  <a:off x="1309174" y="3234162"/>
+                  <a:ext cx="87859" cy="87859"/>
+                </a:xfrm>
+                <a:prstGeom prst="ellipse">
+                  <a:avLst/>
+                </a:prstGeom>
+                <a:solidFill>
+                  <a:srgbClr val="660066"/>
+                </a:solidFill>
+                <a:ln>
+                  <a:noFill/>
+                </a:ln>
+              </p:spPr>
+              <p:style>
+                <a:lnRef idx="2">
+                  <a:schemeClr val="dk1"/>
+                </a:lnRef>
+                <a:fillRef idx="1">
+                  <a:schemeClr val="lt1"/>
+                </a:fillRef>
+                <a:effectRef idx="0">
+                  <a:schemeClr val="dk1"/>
+                </a:effectRef>
+                <a:fontRef idx="minor">
+                  <a:schemeClr val="dk1"/>
+                </a:fontRef>
+              </p:style>
+              <p:txBody>
+                <a:bodyPr rtlCol="0" anchor="ctr"/>
+                <a:lstStyle/>
+                <a:p>
+                  <a:pPr algn="ctr"/>
+                  <a:endParaRPr kumimoji="1" lang="ja-JP" altLang="en-US"/>
+                </a:p>
+              </p:txBody>
+            </p:sp>
+          </p:grpSp>
+          <p:grpSp>
+            <p:nvGrpSpPr>
+              <p:cNvPr id="42" name="図形グループ 41"/>
+              <p:cNvGrpSpPr/>
+              <p:nvPr/>
+            </p:nvGrpSpPr>
+            <p:grpSpPr>
+              <a:xfrm>
+                <a:off x="2863040" y="4048735"/>
+                <a:ext cx="415977" cy="231916"/>
+                <a:chOff x="1044747" y="3090105"/>
+                <a:chExt cx="415977" cy="231916"/>
+              </a:xfrm>
+            </p:grpSpPr>
+            <p:sp>
+              <p:nvSpPr>
+                <p:cNvPr id="43" name="円/楕円 42"/>
+                <p:cNvSpPr/>
+                <p:nvPr/>
+              </p:nvSpPr>
+              <p:spPr>
+                <a:xfrm>
+                  <a:off x="1044747" y="3090105"/>
+                  <a:ext cx="87859" cy="87859"/>
+                </a:xfrm>
+                <a:prstGeom prst="ellipse">
+                  <a:avLst/>
+                </a:prstGeom>
+                <a:solidFill>
+                  <a:srgbClr val="008000"/>
+                </a:solidFill>
+                <a:ln>
+                  <a:noFill/>
+                </a:ln>
+              </p:spPr>
+              <p:style>
+                <a:lnRef idx="2">
+                  <a:schemeClr val="dk1"/>
+                </a:lnRef>
+                <a:fillRef idx="1">
+                  <a:schemeClr val="lt1"/>
+                </a:fillRef>
+                <a:effectRef idx="0">
+                  <a:schemeClr val="dk1"/>
+                </a:effectRef>
+                <a:fontRef idx="minor">
+                  <a:schemeClr val="dk1"/>
+                </a:fontRef>
+              </p:style>
+              <p:txBody>
+                <a:bodyPr rtlCol="0" anchor="ctr"/>
+                <a:lstStyle/>
+                <a:p>
+                  <a:pPr algn="ctr"/>
+                  <a:endParaRPr kumimoji="1" lang="ja-JP" altLang="en-US"/>
+                </a:p>
+              </p:txBody>
+            </p:sp>
+            <p:sp>
+              <p:nvSpPr>
+                <p:cNvPr id="44" name="円/楕円 43"/>
+                <p:cNvSpPr/>
+                <p:nvPr/>
+              </p:nvSpPr>
+              <p:spPr>
+                <a:xfrm>
+                  <a:off x="1132606" y="3227675"/>
+                  <a:ext cx="87859" cy="87859"/>
+                </a:xfrm>
+                <a:prstGeom prst="ellipse">
+                  <a:avLst/>
+                </a:prstGeom>
+                <a:solidFill>
+                  <a:srgbClr val="008000"/>
+                </a:solidFill>
+                <a:ln>
+                  <a:noFill/>
+                </a:ln>
+              </p:spPr>
+              <p:style>
+                <a:lnRef idx="2">
+                  <a:schemeClr val="dk1"/>
+                </a:lnRef>
+                <a:fillRef idx="1">
+                  <a:schemeClr val="lt1"/>
+                </a:fillRef>
+                <a:effectRef idx="0">
+                  <a:schemeClr val="dk1"/>
+                </a:effectRef>
+                <a:fontRef idx="minor">
+                  <a:schemeClr val="dk1"/>
+                </a:fontRef>
+              </p:style>
+              <p:txBody>
+                <a:bodyPr rtlCol="0" anchor="ctr"/>
+                <a:lstStyle/>
+                <a:p>
+                  <a:pPr algn="ctr"/>
+                  <a:endParaRPr kumimoji="1" lang="ja-JP" altLang="en-US"/>
+                </a:p>
+              </p:txBody>
+            </p:sp>
+            <p:sp>
+              <p:nvSpPr>
+                <p:cNvPr id="45" name="円/楕円 44"/>
+                <p:cNvSpPr/>
+                <p:nvPr/>
+              </p:nvSpPr>
+              <p:spPr>
+                <a:xfrm>
+                  <a:off x="1221315" y="3134035"/>
+                  <a:ext cx="87859" cy="87859"/>
+                </a:xfrm>
+                <a:prstGeom prst="ellipse">
+                  <a:avLst/>
+                </a:prstGeom>
+                <a:solidFill>
+                  <a:srgbClr val="008000"/>
+                </a:solidFill>
+                <a:ln>
+                  <a:noFill/>
+                </a:ln>
+              </p:spPr>
+              <p:style>
+                <a:lnRef idx="2">
+                  <a:schemeClr val="dk1"/>
+                </a:lnRef>
+                <a:fillRef idx="1">
+                  <a:schemeClr val="lt1"/>
+                </a:fillRef>
+                <a:effectRef idx="0">
+                  <a:schemeClr val="dk1"/>
+                </a:effectRef>
+                <a:fontRef idx="minor">
+                  <a:schemeClr val="dk1"/>
+                </a:fontRef>
+              </p:style>
+              <p:txBody>
+                <a:bodyPr rtlCol="0" anchor="ctr"/>
+                <a:lstStyle/>
+                <a:p>
+                  <a:pPr algn="ctr"/>
+                  <a:endParaRPr kumimoji="1" lang="ja-JP" altLang="en-US"/>
+                </a:p>
+              </p:txBody>
+            </p:sp>
+            <p:sp>
+              <p:nvSpPr>
+                <p:cNvPr id="46" name="円/楕円 45"/>
+                <p:cNvSpPr/>
+                <p:nvPr/>
+              </p:nvSpPr>
+              <p:spPr>
+                <a:xfrm>
+                  <a:off x="1372865" y="3116046"/>
+                  <a:ext cx="87859" cy="87859"/>
+                </a:xfrm>
+                <a:prstGeom prst="ellipse">
+                  <a:avLst/>
+                </a:prstGeom>
+                <a:solidFill>
+                  <a:srgbClr val="0000FF"/>
+                </a:solidFill>
+                <a:ln>
+                  <a:noFill/>
+                </a:ln>
+              </p:spPr>
+              <p:style>
+                <a:lnRef idx="2">
+                  <a:schemeClr val="dk1"/>
+                </a:lnRef>
+                <a:fillRef idx="1">
+                  <a:schemeClr val="lt1"/>
+                </a:fillRef>
+                <a:effectRef idx="0">
+                  <a:schemeClr val="dk1"/>
+                </a:effectRef>
+                <a:fontRef idx="minor">
+                  <a:schemeClr val="dk1"/>
+                </a:fontRef>
+              </p:style>
+              <p:txBody>
+                <a:bodyPr rtlCol="0" anchor="ctr"/>
+                <a:lstStyle/>
+                <a:p>
+                  <a:pPr algn="ctr"/>
+                  <a:endParaRPr kumimoji="1" lang="ja-JP" altLang="en-US"/>
+                </a:p>
+              </p:txBody>
+            </p:sp>
+            <p:sp>
+              <p:nvSpPr>
+                <p:cNvPr id="47" name="円/楕円 46"/>
+                <p:cNvSpPr/>
+                <p:nvPr/>
+              </p:nvSpPr>
+              <p:spPr>
+                <a:xfrm>
+                  <a:off x="1309174" y="3234162"/>
+                  <a:ext cx="87859" cy="87859"/>
+                </a:xfrm>
+                <a:prstGeom prst="ellipse">
+                  <a:avLst/>
+                </a:prstGeom>
+                <a:solidFill>
+                  <a:srgbClr val="660066"/>
+                </a:solidFill>
+                <a:ln>
+                  <a:noFill/>
+                </a:ln>
+              </p:spPr>
+              <p:style>
+                <a:lnRef idx="2">
+                  <a:schemeClr val="dk1"/>
+                </a:lnRef>
+                <a:fillRef idx="1">
+                  <a:schemeClr val="lt1"/>
+                </a:fillRef>
+                <a:effectRef idx="0">
+                  <a:schemeClr val="dk1"/>
+                </a:effectRef>
+                <a:fontRef idx="minor">
+                  <a:schemeClr val="dk1"/>
+                </a:fontRef>
+              </p:style>
+              <p:txBody>
+                <a:bodyPr rtlCol="0" anchor="ctr"/>
+                <a:lstStyle/>
+                <a:p>
+                  <a:pPr algn="ctr"/>
+                  <a:endParaRPr kumimoji="1" lang="ja-JP" altLang="en-US"/>
+                </a:p>
+              </p:txBody>
+            </p:sp>
+          </p:grpSp>
+          <p:grpSp>
+            <p:nvGrpSpPr>
+              <p:cNvPr id="48" name="図形グループ 47"/>
+              <p:cNvGrpSpPr/>
+              <p:nvPr/>
+            </p:nvGrpSpPr>
+            <p:grpSpPr>
+              <a:xfrm>
+                <a:off x="2863040" y="1856399"/>
+                <a:ext cx="415977" cy="231916"/>
+                <a:chOff x="1044747" y="3090105"/>
+                <a:chExt cx="415977" cy="231916"/>
+              </a:xfrm>
+            </p:grpSpPr>
+            <p:sp>
+              <p:nvSpPr>
+                <p:cNvPr id="49" name="円/楕円 48"/>
+                <p:cNvSpPr/>
+                <p:nvPr/>
+              </p:nvSpPr>
+              <p:spPr>
+                <a:xfrm>
+                  <a:off x="1044747" y="3090105"/>
+                  <a:ext cx="87859" cy="87859"/>
+                </a:xfrm>
+                <a:prstGeom prst="ellipse">
+                  <a:avLst/>
+                </a:prstGeom>
+                <a:solidFill>
+                  <a:srgbClr val="FF0000"/>
+                </a:solidFill>
+                <a:ln>
+                  <a:noFill/>
+                </a:ln>
+              </p:spPr>
+              <p:style>
+                <a:lnRef idx="2">
+                  <a:schemeClr val="dk1"/>
+                </a:lnRef>
+                <a:fillRef idx="1">
+                  <a:schemeClr val="lt1"/>
+                </a:fillRef>
+                <a:effectRef idx="0">
+                  <a:schemeClr val="dk1"/>
+                </a:effectRef>
+                <a:fontRef idx="minor">
+                  <a:schemeClr val="dk1"/>
+                </a:fontRef>
+              </p:style>
+              <p:txBody>
+                <a:bodyPr rtlCol="0" anchor="ctr"/>
+                <a:lstStyle/>
+                <a:p>
+                  <a:pPr algn="ctr"/>
+                  <a:endParaRPr kumimoji="1" lang="ja-JP" altLang="en-US"/>
+                </a:p>
+              </p:txBody>
+            </p:sp>
+            <p:sp>
+              <p:nvSpPr>
+                <p:cNvPr id="50" name="円/楕円 49"/>
+                <p:cNvSpPr/>
+                <p:nvPr/>
+              </p:nvSpPr>
+              <p:spPr>
+                <a:xfrm>
+                  <a:off x="1132606" y="3227675"/>
+                  <a:ext cx="87859" cy="87859"/>
+                </a:xfrm>
+                <a:prstGeom prst="ellipse">
+                  <a:avLst/>
+                </a:prstGeom>
+                <a:solidFill>
+                  <a:srgbClr val="008000"/>
+                </a:solidFill>
+                <a:ln>
+                  <a:noFill/>
+                </a:ln>
+              </p:spPr>
+              <p:style>
+                <a:lnRef idx="2">
+                  <a:schemeClr val="dk1"/>
+                </a:lnRef>
+                <a:fillRef idx="1">
+                  <a:schemeClr val="lt1"/>
+                </a:fillRef>
+                <a:effectRef idx="0">
+                  <a:schemeClr val="dk1"/>
+                </a:effectRef>
+                <a:fontRef idx="minor">
+                  <a:schemeClr val="dk1"/>
+                </a:fontRef>
+              </p:style>
+              <p:txBody>
+                <a:bodyPr rtlCol="0" anchor="ctr"/>
+                <a:lstStyle/>
+                <a:p>
+                  <a:pPr algn="ctr"/>
+                  <a:endParaRPr kumimoji="1" lang="ja-JP" altLang="en-US"/>
+                </a:p>
+              </p:txBody>
+            </p:sp>
+            <p:sp>
+              <p:nvSpPr>
+                <p:cNvPr id="51" name="円/楕円 50"/>
+                <p:cNvSpPr/>
+                <p:nvPr/>
+              </p:nvSpPr>
+              <p:spPr>
+                <a:xfrm>
+                  <a:off x="1221315" y="3134035"/>
+                  <a:ext cx="87859" cy="87859"/>
+                </a:xfrm>
+                <a:prstGeom prst="ellipse">
+                  <a:avLst/>
+                </a:prstGeom>
+                <a:solidFill>
+                  <a:srgbClr val="FF0000"/>
+                </a:solidFill>
+                <a:ln>
+                  <a:noFill/>
+                </a:ln>
+              </p:spPr>
+              <p:style>
+                <a:lnRef idx="2">
+                  <a:schemeClr val="dk1"/>
+                </a:lnRef>
+                <a:fillRef idx="1">
+                  <a:schemeClr val="lt1"/>
+                </a:fillRef>
+                <a:effectRef idx="0">
+                  <a:schemeClr val="dk1"/>
+                </a:effectRef>
+                <a:fontRef idx="minor">
+                  <a:schemeClr val="dk1"/>
+                </a:fontRef>
+              </p:style>
+              <p:txBody>
+                <a:bodyPr rtlCol="0" anchor="ctr"/>
+                <a:lstStyle/>
+                <a:p>
+                  <a:pPr algn="ctr"/>
+                  <a:endParaRPr kumimoji="1" lang="ja-JP" altLang="en-US"/>
+                </a:p>
+              </p:txBody>
+            </p:sp>
+            <p:sp>
+              <p:nvSpPr>
+                <p:cNvPr id="52" name="円/楕円 51"/>
+                <p:cNvSpPr/>
+                <p:nvPr/>
+              </p:nvSpPr>
+              <p:spPr>
+                <a:xfrm>
+                  <a:off x="1372865" y="3116046"/>
+                  <a:ext cx="87859" cy="87859"/>
+                </a:xfrm>
+                <a:prstGeom prst="ellipse">
+                  <a:avLst/>
+                </a:prstGeom>
+                <a:solidFill>
+                  <a:srgbClr val="FF0000"/>
+                </a:solidFill>
+                <a:ln>
+                  <a:noFill/>
+                </a:ln>
+              </p:spPr>
+              <p:style>
+                <a:lnRef idx="2">
+                  <a:schemeClr val="dk1"/>
+                </a:lnRef>
+                <a:fillRef idx="1">
+                  <a:schemeClr val="lt1"/>
+                </a:fillRef>
+                <a:effectRef idx="0">
+                  <a:schemeClr val="dk1"/>
+                </a:effectRef>
+                <a:fontRef idx="minor">
+                  <a:schemeClr val="dk1"/>
+                </a:fontRef>
+              </p:style>
+              <p:txBody>
+                <a:bodyPr rtlCol="0" anchor="ctr"/>
+                <a:lstStyle/>
+                <a:p>
+                  <a:pPr algn="ctr"/>
+                  <a:endParaRPr kumimoji="1" lang="ja-JP" altLang="en-US"/>
+                </a:p>
+              </p:txBody>
+            </p:sp>
+            <p:sp>
+              <p:nvSpPr>
+                <p:cNvPr id="53" name="円/楕円 52"/>
+                <p:cNvSpPr/>
+                <p:nvPr/>
+              </p:nvSpPr>
+              <p:spPr>
+                <a:xfrm>
+                  <a:off x="1309174" y="3234162"/>
+                  <a:ext cx="87859" cy="87859"/>
+                </a:xfrm>
+                <a:prstGeom prst="ellipse">
+                  <a:avLst/>
+                </a:prstGeom>
+                <a:solidFill>
+                  <a:srgbClr val="660066"/>
+                </a:solidFill>
+                <a:ln>
+                  <a:noFill/>
+                </a:ln>
+              </p:spPr>
+              <p:style>
+                <a:lnRef idx="2">
+                  <a:schemeClr val="dk1"/>
+                </a:lnRef>
+                <a:fillRef idx="1">
+                  <a:schemeClr val="lt1"/>
+                </a:fillRef>
+                <a:effectRef idx="0">
+                  <a:schemeClr val="dk1"/>
+                </a:effectRef>
+                <a:fontRef idx="minor">
+                  <a:schemeClr val="dk1"/>
+                </a:fontRef>
+              </p:style>
+              <p:txBody>
+                <a:bodyPr rtlCol="0" anchor="ctr"/>
+                <a:lstStyle/>
+                <a:p>
+                  <a:pPr algn="ctr"/>
+                  <a:endParaRPr kumimoji="1" lang="ja-JP" altLang="en-US"/>
+                </a:p>
+              </p:txBody>
+            </p:sp>
+          </p:grpSp>
+          <p:cxnSp>
+            <p:nvCxnSpPr>
+              <p:cNvPr id="54" name="直線矢印コネクタ 53"/>
+              <p:cNvCxnSpPr/>
+              <p:nvPr/>
+            </p:nvCxnSpPr>
+            <p:spPr>
+              <a:xfrm>
+                <a:off x="3516838" y="2937705"/>
+                <a:ext cx="1026254" cy="3697"/>
+              </a:xfrm>
+              <a:prstGeom prst="straightConnector1">
+                <a:avLst/>
+              </a:prstGeom>
+              <a:ln>
+                <a:tailEnd type="arrow"/>
+              </a:ln>
+            </p:spPr>
+            <p:style>
+              <a:lnRef idx="1">
+                <a:schemeClr val="dk1"/>
+              </a:lnRef>
+              <a:fillRef idx="0">
+                <a:schemeClr val="dk1"/>
+              </a:fillRef>
+              <a:effectRef idx="0">
+                <a:schemeClr val="dk1"/>
+              </a:effectRef>
+              <a:fontRef idx="minor">
+                <a:schemeClr val="tx1"/>
+              </a:fontRef>
+            </p:style>
+          </p:cxnSp>
+          <p:cxnSp>
+            <p:nvCxnSpPr>
+              <p:cNvPr id="55" name="直線矢印コネクタ 54"/>
+              <p:cNvCxnSpPr/>
+              <p:nvPr/>
+            </p:nvCxnSpPr>
+            <p:spPr>
+              <a:xfrm>
+                <a:off x="3516838" y="4105752"/>
+                <a:ext cx="1026254" cy="0"/>
+              </a:xfrm>
+              <a:prstGeom prst="straightConnector1">
+                <a:avLst/>
+              </a:prstGeom>
+              <a:ln>
+                <a:tailEnd type="arrow"/>
+              </a:ln>
+            </p:spPr>
+            <p:style>
+              <a:lnRef idx="1">
+                <a:schemeClr val="dk1"/>
+              </a:lnRef>
+              <a:fillRef idx="0">
+                <a:schemeClr val="dk1"/>
+              </a:fillRef>
+              <a:effectRef idx="0">
+                <a:schemeClr val="dk1"/>
+              </a:effectRef>
+              <a:fontRef idx="minor">
+                <a:schemeClr val="tx1"/>
+              </a:fontRef>
+            </p:style>
+          </p:cxnSp>
+          <p:pic>
+            <p:nvPicPr>
+              <p:cNvPr id="56" name="図 55" descr="961660-200.png"/>
+              <p:cNvPicPr>
+                <a:picLocks noChangeAspect="1"/>
+              </p:cNvPicPr>
+              <p:nvPr/>
+            </p:nvPicPr>
+            <p:blipFill>
+              <a:blip r:embed="rId2">
+                <a:extLst>
+                  <a:ext uri="{28A0092B-C50C-407E-A947-70E740481C1C}">
+                    <a14:useLocalDpi xmlns:a14="http://schemas.microsoft.com/office/drawing/2010/main" val="0"/>
+                  </a:ext>
+                </a:extLst>
+              </a:blip>
+              <a:stretch>
+                <a:fillRect/>
+              </a:stretch>
+            </p:blipFill>
+            <p:spPr>
+              <a:xfrm>
+                <a:off x="4543092" y="2553084"/>
+                <a:ext cx="769242" cy="769242"/>
+              </a:xfrm>
+              <a:prstGeom prst="rect">
+                <a:avLst/>
+              </a:prstGeom>
+            </p:spPr>
+          </p:pic>
+          <p:pic>
+            <p:nvPicPr>
+              <p:cNvPr id="57" name="図 56" descr="961660-200.png"/>
+              <p:cNvPicPr>
+                <a:picLocks noChangeAspect="1"/>
+              </p:cNvPicPr>
+              <p:nvPr/>
+            </p:nvPicPr>
+            <p:blipFill>
+              <a:blip r:embed="rId2">
+                <a:extLst>
+                  <a:ext uri="{28A0092B-C50C-407E-A947-70E740481C1C}">
+                    <a14:useLocalDpi xmlns:a14="http://schemas.microsoft.com/office/drawing/2010/main" val="0"/>
+                  </a:ext>
+                </a:extLst>
+              </a:blip>
+              <a:stretch>
+                <a:fillRect/>
+              </a:stretch>
+            </p:blipFill>
+            <p:spPr>
+              <a:xfrm>
+                <a:off x="4543092" y="3678963"/>
+                <a:ext cx="769242" cy="769242"/>
+              </a:xfrm>
+              <a:prstGeom prst="rect">
+                <a:avLst/>
+              </a:prstGeom>
+            </p:spPr>
+          </p:pic>
+          <p:cxnSp>
+            <p:nvCxnSpPr>
+              <p:cNvPr id="58" name="直線矢印コネクタ 57"/>
+              <p:cNvCxnSpPr/>
+              <p:nvPr/>
+            </p:nvCxnSpPr>
+            <p:spPr>
+              <a:xfrm>
+                <a:off x="3516838" y="1904026"/>
+                <a:ext cx="1026254" cy="0"/>
+              </a:xfrm>
+              <a:prstGeom prst="straightConnector1">
+                <a:avLst/>
+              </a:prstGeom>
+              <a:ln>
+                <a:tailEnd type="arrow"/>
+              </a:ln>
+            </p:spPr>
+            <p:style>
+              <a:lnRef idx="1">
+                <a:schemeClr val="dk1"/>
+              </a:lnRef>
+              <a:fillRef idx="0">
+                <a:schemeClr val="dk1"/>
+              </a:fillRef>
+              <a:effectRef idx="0">
+                <a:schemeClr val="dk1"/>
+              </a:effectRef>
+              <a:fontRef idx="minor">
+                <a:schemeClr val="tx1"/>
+              </a:fontRef>
+            </p:style>
+          </p:cxnSp>
+          <p:pic>
+            <p:nvPicPr>
+              <p:cNvPr id="59" name="図 58" descr="961660-200.png"/>
+              <p:cNvPicPr>
+                <a:picLocks noChangeAspect="1"/>
+              </p:cNvPicPr>
+              <p:nvPr/>
+            </p:nvPicPr>
+            <p:blipFill>
+              <a:blip r:embed="rId2">
+                <a:extLst>
+                  <a:ext uri="{28A0092B-C50C-407E-A947-70E740481C1C}">
+                    <a14:useLocalDpi xmlns:a14="http://schemas.microsoft.com/office/drawing/2010/main" val="0"/>
+                  </a:ext>
+                </a:extLst>
+              </a:blip>
+              <a:stretch>
+                <a:fillRect/>
+              </a:stretch>
+            </p:blipFill>
+            <p:spPr>
+              <a:xfrm>
+                <a:off x="4543092" y="1515708"/>
+                <a:ext cx="769242" cy="769242"/>
+              </a:xfrm>
+              <a:prstGeom prst="rect">
+                <a:avLst/>
+              </a:prstGeom>
+            </p:spPr>
+          </p:pic>
+          <p:cxnSp>
+            <p:nvCxnSpPr>
+              <p:cNvPr id="60" name="直線矢印コネクタ 59"/>
+              <p:cNvCxnSpPr/>
+              <p:nvPr/>
+            </p:nvCxnSpPr>
+            <p:spPr>
+              <a:xfrm>
+                <a:off x="5312334" y="1904026"/>
+                <a:ext cx="823071" cy="756455"/>
+              </a:xfrm>
+              <a:prstGeom prst="straightConnector1">
+                <a:avLst/>
+              </a:prstGeom>
+              <a:ln>
+                <a:tailEnd type="arrow"/>
+              </a:ln>
+            </p:spPr>
+            <p:style>
+              <a:lnRef idx="1">
+                <a:schemeClr val="dk1"/>
+              </a:lnRef>
+              <a:fillRef idx="0">
+                <a:schemeClr val="dk1"/>
+              </a:fillRef>
+              <a:effectRef idx="0">
+                <a:schemeClr val="dk1"/>
+              </a:effectRef>
+              <a:fontRef idx="minor">
+                <a:schemeClr val="tx1"/>
+              </a:fontRef>
+            </p:style>
+          </p:cxnSp>
+          <p:cxnSp>
+            <p:nvCxnSpPr>
+              <p:cNvPr id="61" name="直線矢印コネクタ 60"/>
+              <p:cNvCxnSpPr/>
+              <p:nvPr/>
+            </p:nvCxnSpPr>
+            <p:spPr>
+              <a:xfrm flipV="1">
+                <a:off x="5312334" y="3348267"/>
+                <a:ext cx="823071" cy="726409"/>
+              </a:xfrm>
+              <a:prstGeom prst="straightConnector1">
+                <a:avLst/>
+              </a:prstGeom>
+              <a:ln>
+                <a:tailEnd type="arrow"/>
+              </a:ln>
+            </p:spPr>
+            <p:style>
+              <a:lnRef idx="1">
+                <a:schemeClr val="dk1"/>
+              </a:lnRef>
+              <a:fillRef idx="0">
+                <a:schemeClr val="dk1"/>
+              </a:fillRef>
+              <a:effectRef idx="0">
+                <a:schemeClr val="dk1"/>
+              </a:effectRef>
+              <a:fontRef idx="minor">
+                <a:schemeClr val="tx1"/>
+              </a:fontRef>
+            </p:style>
+          </p:cxnSp>
+          <p:cxnSp>
+            <p:nvCxnSpPr>
+              <p:cNvPr id="62" name="直線矢印コネクタ 61"/>
+              <p:cNvCxnSpPr/>
+              <p:nvPr/>
+            </p:nvCxnSpPr>
+            <p:spPr>
+              <a:xfrm>
+                <a:off x="5312334" y="2960059"/>
+                <a:ext cx="823071" cy="3587"/>
+              </a:xfrm>
+              <a:prstGeom prst="straightConnector1">
+                <a:avLst/>
+              </a:prstGeom>
+              <a:ln>
+                <a:tailEnd type="arrow"/>
+              </a:ln>
+            </p:spPr>
+            <p:style>
+              <a:lnRef idx="1">
+                <a:schemeClr val="dk1"/>
+              </a:lnRef>
+              <a:fillRef idx="0">
+                <a:schemeClr val="dk1"/>
+              </a:fillRef>
+              <a:effectRef idx="0">
+                <a:schemeClr val="dk1"/>
+              </a:effectRef>
+              <a:fontRef idx="minor">
+                <a:schemeClr val="tx1"/>
+              </a:fontRef>
+            </p:style>
+          </p:cxnSp>
+          <p:sp>
+            <p:nvSpPr>
+              <p:cNvPr id="69" name="テキスト ボックス 68"/>
+              <p:cNvSpPr txBox="1"/>
+              <p:nvPr/>
+            </p:nvSpPr>
+            <p:spPr>
+              <a:xfrm>
+                <a:off x="3705056" y="1268908"/>
+                <a:ext cx="646331" cy="369332"/>
+              </a:xfrm>
+              <a:prstGeom prst="rect">
+                <a:avLst/>
+              </a:prstGeom>
+              <a:noFill/>
+            </p:spPr>
+            <p:txBody>
+              <a:bodyPr wrap="none" rtlCol="0">
+                <a:spAutoFit/>
+              </a:bodyPr>
+              <a:lstStyle/>
+              <a:p>
+                <a:r>
+                  <a:rPr kumimoji="1" lang="ja-JP" altLang="en-US" dirty="0" smtClean="0">
+                    <a:latin typeface="メイリオ"/>
+                    <a:ea typeface="メイリオ"/>
+                    <a:cs typeface="メイリオ"/>
+                  </a:rPr>
+                  <a:t>学習</a:t>
+                </a:r>
+                <a:endParaRPr kumimoji="1" lang="ja-JP" altLang="en-US" dirty="0">
+                  <a:latin typeface="メイリオ"/>
+                  <a:ea typeface="メイリオ"/>
+                  <a:cs typeface="メイリオ"/>
+                </a:endParaRPr>
+              </a:p>
+            </p:txBody>
+          </p:sp>
+          <p:sp>
+            <p:nvSpPr>
+              <p:cNvPr id="78" name="テキスト ボックス 77"/>
+              <p:cNvSpPr txBox="1"/>
+              <p:nvPr/>
+            </p:nvSpPr>
+            <p:spPr>
+              <a:xfrm>
+                <a:off x="4543092" y="4429242"/>
+                <a:ext cx="877163" cy="369332"/>
+              </a:xfrm>
+              <a:prstGeom prst="rect">
+                <a:avLst/>
+              </a:prstGeom>
+              <a:noFill/>
+            </p:spPr>
+            <p:txBody>
+              <a:bodyPr wrap="none" rtlCol="0">
+                <a:spAutoFit/>
+              </a:bodyPr>
+              <a:lstStyle/>
+              <a:p>
+                <a:pPr algn="ctr"/>
+                <a:r>
+                  <a:rPr kumimoji="1" lang="ja-JP" altLang="en-US" dirty="0" smtClean="0">
+                    <a:latin typeface="メイリオ"/>
+                    <a:ea typeface="メイリオ"/>
+                    <a:cs typeface="メイリオ"/>
+                  </a:rPr>
+                  <a:t>モデル</a:t>
+                </a:r>
+                <a:endParaRPr kumimoji="1" lang="ja-JP" altLang="en-US" dirty="0">
+                  <a:latin typeface="メイリオ"/>
+                  <a:ea typeface="メイリオ"/>
+                  <a:cs typeface="メイリオ"/>
+                </a:endParaRPr>
+              </a:p>
+            </p:txBody>
+          </p:sp>
+          <p:sp>
+            <p:nvSpPr>
+              <p:cNvPr id="83" name="テキスト ボックス 82"/>
+              <p:cNvSpPr txBox="1"/>
+              <p:nvPr/>
+            </p:nvSpPr>
+            <p:spPr>
+              <a:xfrm>
+                <a:off x="5972807" y="1268908"/>
+                <a:ext cx="877163" cy="369332"/>
+              </a:xfrm>
+              <a:prstGeom prst="rect">
+                <a:avLst/>
+              </a:prstGeom>
+              <a:noFill/>
+            </p:spPr>
+            <p:txBody>
+              <a:bodyPr wrap="none" rtlCol="0">
+                <a:spAutoFit/>
+              </a:bodyPr>
+              <a:lstStyle/>
+              <a:p>
+                <a:pPr algn="ctr"/>
+                <a:r>
+                  <a:rPr kumimoji="1" lang="ja-JP" altLang="en-US" dirty="0" smtClean="0">
+                    <a:latin typeface="メイリオ"/>
+                    <a:ea typeface="メイリオ"/>
+                    <a:cs typeface="メイリオ"/>
+                  </a:rPr>
+                  <a:t>多数決</a:t>
+                </a:r>
+                <a:endParaRPr kumimoji="1" lang="ja-JP" altLang="en-US" dirty="0">
+                  <a:latin typeface="メイリオ"/>
+                  <a:ea typeface="メイリオ"/>
+                  <a:cs typeface="メイリオ"/>
+                </a:endParaRPr>
+              </a:p>
+            </p:txBody>
+          </p:sp>
+        </p:grpSp>
+        <p:sp>
+          <p:nvSpPr>
+            <p:cNvPr id="86" name="円/楕円 85"/>
+            <p:cNvSpPr/>
+            <p:nvPr/>
+          </p:nvSpPr>
+          <p:spPr>
+            <a:xfrm>
+              <a:off x="5332396" y="3791157"/>
+              <a:ext cx="87859" cy="87859"/>
+            </a:xfrm>
+            <a:prstGeom prst="ellipse">
+              <a:avLst/>
+            </a:prstGeom>
+            <a:solidFill>
+              <a:srgbClr val="FF0000"/>
+            </a:solidFill>
+            <a:ln>
+              <a:noFill/>
+            </a:ln>
+          </p:spPr>
+          <p:style>
+            <a:lnRef idx="2">
+              <a:schemeClr val="dk1"/>
+            </a:lnRef>
+            <a:fillRef idx="1">
+              <a:schemeClr val="lt1"/>
+            </a:fillRef>
+            <a:effectRef idx="0">
+              <a:schemeClr val="dk1"/>
+            </a:effectRef>
+            <a:fontRef idx="minor">
+              <a:schemeClr val="dk1"/>
+            </a:fontRef>
+          </p:style>
+          <p:txBody>
+            <a:bodyPr rtlCol="0" anchor="ctr"/>
+            <a:lstStyle/>
+            <a:p>
+              <a:pPr algn="ctr"/>
+              <a:endParaRPr kumimoji="1" lang="ja-JP" altLang="en-US"/>
+            </a:p>
+          </p:txBody>
+        </p:sp>
+        <p:sp>
+          <p:nvSpPr>
+            <p:cNvPr id="87" name="円/楕円 86"/>
+            <p:cNvSpPr/>
+            <p:nvPr/>
+          </p:nvSpPr>
+          <p:spPr>
+            <a:xfrm>
+              <a:off x="5396937" y="1794481"/>
+              <a:ext cx="87859" cy="87859"/>
+            </a:xfrm>
+            <a:prstGeom prst="ellipse">
+              <a:avLst/>
+            </a:prstGeom>
+            <a:solidFill>
+              <a:srgbClr val="FF0000"/>
+            </a:solidFill>
+            <a:ln>
+              <a:noFill/>
+            </a:ln>
+          </p:spPr>
+          <p:style>
+            <a:lnRef idx="2">
+              <a:schemeClr val="dk1"/>
+            </a:lnRef>
+            <a:fillRef idx="1">
+              <a:schemeClr val="lt1"/>
+            </a:fillRef>
+            <a:effectRef idx="0">
+              <a:schemeClr val="dk1"/>
+            </a:effectRef>
+            <a:fontRef idx="minor">
+              <a:schemeClr val="dk1"/>
+            </a:fontRef>
+          </p:style>
+          <p:txBody>
+            <a:bodyPr rtlCol="0" anchor="ctr"/>
+            <a:lstStyle/>
+            <a:p>
+              <a:pPr algn="ctr"/>
+              <a:endParaRPr kumimoji="1" lang="ja-JP" altLang="en-US"/>
+            </a:p>
+          </p:txBody>
+        </p:sp>
+        <p:sp>
+          <p:nvSpPr>
+            <p:cNvPr id="88" name="円/楕円 87"/>
+            <p:cNvSpPr/>
+            <p:nvPr/>
+          </p:nvSpPr>
+          <p:spPr>
+            <a:xfrm>
+              <a:off x="5396937" y="2772190"/>
+              <a:ext cx="87859" cy="87859"/>
+            </a:xfrm>
+            <a:prstGeom prst="ellipse">
+              <a:avLst/>
+            </a:prstGeom>
+            <a:solidFill>
+              <a:srgbClr val="0000FF"/>
+            </a:solidFill>
+            <a:ln>
+              <a:noFill/>
+            </a:ln>
+          </p:spPr>
+          <p:style>
+            <a:lnRef idx="2">
+              <a:schemeClr val="dk1"/>
+            </a:lnRef>
+            <a:fillRef idx="1">
+              <a:schemeClr val="lt1"/>
+            </a:fillRef>
+            <a:effectRef idx="0">
+              <a:schemeClr val="dk1"/>
+            </a:effectRef>
+            <a:fontRef idx="minor">
+              <a:schemeClr val="dk1"/>
+            </a:fontRef>
+          </p:style>
+          <p:txBody>
+            <a:bodyPr rtlCol="0" anchor="ctr"/>
+            <a:lstStyle/>
+            <a:p>
+              <a:pPr algn="ctr"/>
+              <a:endParaRPr kumimoji="1" lang="ja-JP" altLang="en-US"/>
+            </a:p>
+          </p:txBody>
+        </p:sp>
+        <p:sp>
+          <p:nvSpPr>
+            <p:cNvPr id="89" name="円/楕円 88"/>
+            <p:cNvSpPr/>
+            <p:nvPr/>
+          </p:nvSpPr>
+          <p:spPr>
+            <a:xfrm>
+              <a:off x="6281088" y="2922875"/>
+              <a:ext cx="87859" cy="87859"/>
+            </a:xfrm>
+            <a:prstGeom prst="ellipse">
+              <a:avLst/>
+            </a:prstGeom>
+            <a:solidFill>
+              <a:srgbClr val="FF0000"/>
+            </a:solidFill>
+            <a:ln>
+              <a:noFill/>
+            </a:ln>
+          </p:spPr>
+          <p:style>
+            <a:lnRef idx="2">
+              <a:schemeClr val="dk1"/>
+            </a:lnRef>
+            <a:fillRef idx="1">
+              <a:schemeClr val="lt1"/>
+            </a:fillRef>
+            <a:effectRef idx="0">
+              <a:schemeClr val="dk1"/>
+            </a:effectRef>
+            <a:fontRef idx="minor">
+              <a:schemeClr val="dk1"/>
+            </a:fontRef>
+          </p:style>
+          <p:txBody>
+            <a:bodyPr rtlCol="0" anchor="ctr"/>
+            <a:lstStyle/>
+            <a:p>
+              <a:pPr algn="ctr"/>
+              <a:endParaRPr kumimoji="1" lang="ja-JP" altLang="en-US"/>
+            </a:p>
+          </p:txBody>
+        </p:sp>
+      </p:grpSp>
+    </p:spTree>
+    <p:extLst>
+      <p:ext uri="{BB962C8B-B14F-4D97-AF65-F5344CB8AC3E}">
+        <p14:creationId xmlns:p14="http://schemas.microsoft.com/office/powerpoint/2010/main" val="3709795965"/>
+      </p:ext>
+    </p:extLst>
+  </p:cSld>
+  <p:clrMapOvr>
+    <a:masterClrMapping/>
+  </p:clrMapOvr>
+</p:sld>
+</file>
+
+<file path=ppt/slides/slide9.xml><?xml version="1.0" encoding="utf-8"?>
+<p:sld xmlns:a="http://schemas.openxmlformats.org/drawingml/2006/main" xmlns:r="http://schemas.openxmlformats.org/officeDocument/2006/relationships" xmlns:p="http://schemas.openxmlformats.org/presentationml/2006/main">
+  <p:cSld>
+    <p:spTree>
+      <p:nvGrpSpPr>
+        <p:cNvPr id="1" name=""/>
+        <p:cNvGrpSpPr/>
+        <p:nvPr/>
+      </p:nvGrpSpPr>
+      <p:grpSpPr>
+        <a:xfrm>
+          <a:off x="0" y="0"/>
+          <a:ext cx="0" cy="0"/>
+          <a:chOff x="0" y="0"/>
+          <a:chExt cx="0" cy="0"/>
+        </a:xfrm>
+      </p:grpSpPr>
+      <p:grpSp>
+        <p:nvGrpSpPr>
+          <p:cNvPr id="73" name="図形グループ 72"/>
+          <p:cNvGrpSpPr/>
+          <p:nvPr/>
+        </p:nvGrpSpPr>
+        <p:grpSpPr>
+          <a:xfrm>
+            <a:off x="525152" y="1421555"/>
+            <a:ext cx="7379990" cy="3377019"/>
+            <a:chOff x="525152" y="1421555"/>
+            <a:chExt cx="7379990" cy="3377019"/>
+          </a:xfrm>
+        </p:grpSpPr>
+        <p:grpSp>
+          <p:nvGrpSpPr>
+            <p:cNvPr id="71" name="図形グループ 70"/>
+            <p:cNvGrpSpPr/>
+            <p:nvPr/>
+          </p:nvGrpSpPr>
+          <p:grpSpPr>
+            <a:xfrm>
+              <a:off x="525152" y="1421555"/>
+              <a:ext cx="7175514" cy="3377019"/>
+              <a:chOff x="525152" y="1421555"/>
+              <a:chExt cx="7175514" cy="3377019"/>
+            </a:xfrm>
+          </p:grpSpPr>
+          <p:grpSp>
+            <p:nvGrpSpPr>
+              <p:cNvPr id="67" name="図形グループ 66"/>
+              <p:cNvGrpSpPr/>
+              <p:nvPr/>
+            </p:nvGrpSpPr>
+            <p:grpSpPr>
+              <a:xfrm>
+                <a:off x="525152" y="1421555"/>
+                <a:ext cx="6818359" cy="3377019"/>
+                <a:chOff x="525152" y="1421555"/>
+                <a:chExt cx="6818359" cy="3377019"/>
+              </a:xfrm>
+            </p:grpSpPr>
+            <p:sp>
+              <p:nvSpPr>
+                <p:cNvPr id="9" name="フローチャート: 磁気ディスク 8"/>
+                <p:cNvSpPr/>
+                <p:nvPr/>
+              </p:nvSpPr>
+              <p:spPr>
+                <a:xfrm>
+                  <a:off x="2704282" y="2619380"/>
+                  <a:ext cx="719110" cy="612648"/>
+                </a:xfrm>
+                <a:prstGeom prst="flowChartMagneticDisk">
+                  <a:avLst/>
+                </a:prstGeom>
+              </p:spPr>
+              <p:style>
+                <a:lnRef idx="2">
+                  <a:schemeClr val="dk1"/>
+                </a:lnRef>
+                <a:fillRef idx="1">
+                  <a:schemeClr val="lt1"/>
+                </a:fillRef>
+                <a:effectRef idx="0">
+                  <a:schemeClr val="dk1"/>
+                </a:effectRef>
+                <a:fontRef idx="minor">
+                  <a:schemeClr val="dk1"/>
+                </a:fontRef>
+              </p:style>
+              <p:txBody>
+                <a:bodyPr rtlCol="0" anchor="ctr"/>
+                <a:lstStyle/>
+                <a:p>
+                  <a:pPr algn="ctr"/>
+                  <a:endParaRPr kumimoji="1" lang="ja-JP" altLang="en-US"/>
+                </a:p>
+              </p:txBody>
+            </p:sp>
+            <p:sp>
+              <p:nvSpPr>
+                <p:cNvPr id="11" name="フローチャート: 磁気ディスク 10"/>
+                <p:cNvSpPr/>
+                <p:nvPr/>
+              </p:nvSpPr>
+              <p:spPr>
+                <a:xfrm>
+                  <a:off x="2704282" y="3774473"/>
+                  <a:ext cx="719110" cy="612648"/>
+                </a:xfrm>
+                <a:prstGeom prst="flowChartMagneticDisk">
+                  <a:avLst/>
+                </a:prstGeom>
+              </p:spPr>
+              <p:style>
+                <a:lnRef idx="2">
+                  <a:schemeClr val="dk1"/>
+                </a:lnRef>
+                <a:fillRef idx="1">
+                  <a:schemeClr val="lt1"/>
+                </a:fillRef>
+                <a:effectRef idx="0">
+                  <a:schemeClr val="dk1"/>
+                </a:effectRef>
+                <a:fontRef idx="minor">
+                  <a:schemeClr val="dk1"/>
+                </a:fontRef>
+              </p:style>
+              <p:txBody>
+                <a:bodyPr rtlCol="0" anchor="ctr"/>
+                <a:lstStyle/>
+                <a:p>
+                  <a:pPr algn="ctr"/>
+                  <a:endParaRPr kumimoji="1" lang="ja-JP" altLang="en-US"/>
+                </a:p>
+              </p:txBody>
+            </p:sp>
+            <p:grpSp>
+              <p:nvGrpSpPr>
+                <p:cNvPr id="5" name="図形グループ 4"/>
+                <p:cNvGrpSpPr/>
+                <p:nvPr/>
+              </p:nvGrpSpPr>
+              <p:grpSpPr>
+                <a:xfrm>
+                  <a:off x="2556477" y="1513663"/>
+                  <a:ext cx="1107996" cy="1009398"/>
+                  <a:chOff x="578808" y="2660481"/>
+                  <a:chExt cx="1107996" cy="1009398"/>
+                </a:xfrm>
+              </p:grpSpPr>
+              <p:grpSp>
+                <p:nvGrpSpPr>
+                  <p:cNvPr id="4" name="図形グループ 3"/>
+                  <p:cNvGrpSpPr/>
+                  <p:nvPr/>
+                </p:nvGrpSpPr>
+                <p:grpSpPr>
+                  <a:xfrm>
+                    <a:off x="578808" y="2660481"/>
+                    <a:ext cx="1107996" cy="1009398"/>
+                    <a:chOff x="970831" y="2356003"/>
+                    <a:chExt cx="1107996" cy="1009398"/>
+                  </a:xfrm>
+                </p:grpSpPr>
+                <p:sp>
+                  <p:nvSpPr>
+                    <p:cNvPr id="2" name="フローチャート: 磁気ディスク 1"/>
+                    <p:cNvSpPr/>
+                    <p:nvPr/>
+                  </p:nvSpPr>
+                  <p:spPr>
+                    <a:xfrm>
+                      <a:off x="1146642" y="2356003"/>
+                      <a:ext cx="682158" cy="612648"/>
+                    </a:xfrm>
+                    <a:prstGeom prst="flowChartMagneticDisk">
+                      <a:avLst/>
+                    </a:prstGeom>
+                  </p:spPr>
+                  <p:style>
+                    <a:lnRef idx="2">
+                      <a:schemeClr val="dk1"/>
+                    </a:lnRef>
+                    <a:fillRef idx="1">
+                      <a:schemeClr val="lt1"/>
+                    </a:fillRef>
+                    <a:effectRef idx="0">
+                      <a:schemeClr val="dk1"/>
+                    </a:effectRef>
+                    <a:fontRef idx="minor">
+                      <a:schemeClr val="dk1"/>
+                    </a:fontRef>
+                  </p:style>
+                  <p:txBody>
+                    <a:bodyPr rtlCol="0" anchor="ctr"/>
+                    <a:lstStyle/>
+                    <a:p>
+                      <a:pPr algn="ctr"/>
+                      <a:endParaRPr kumimoji="1" lang="ja-JP" altLang="en-US"/>
+                    </a:p>
+                  </p:txBody>
+                </p:sp>
+                <p:sp>
+                  <p:nvSpPr>
+                    <p:cNvPr id="3" name="テキスト ボックス 2"/>
+                    <p:cNvSpPr txBox="1"/>
+                    <p:nvPr/>
+                  </p:nvSpPr>
+                  <p:spPr>
+                    <a:xfrm>
+                      <a:off x="970831" y="2996069"/>
+                      <a:ext cx="1107996" cy="369332"/>
+                    </a:xfrm>
+                    <a:prstGeom prst="rect">
+                      <a:avLst/>
+                    </a:prstGeom>
+                    <a:noFill/>
+                  </p:spPr>
+                  <p:txBody>
+                    <a:bodyPr wrap="none" rtlCol="0">
+                      <a:spAutoFit/>
+                    </a:bodyPr>
+                    <a:lstStyle/>
+                    <a:p>
+                      <a:r>
+                        <a:rPr kumimoji="1" lang="ja-JP" altLang="en-US" dirty="0" smtClean="0">
+                          <a:latin typeface="メイリオ"/>
+                          <a:ea typeface="メイリオ"/>
+                          <a:cs typeface="メイリオ"/>
+                        </a:rPr>
+                        <a:t>元データ</a:t>
+                      </a:r>
+                      <a:endParaRPr kumimoji="1" lang="ja-JP" altLang="en-US" dirty="0">
+                        <a:latin typeface="メイリオ"/>
+                        <a:ea typeface="メイリオ"/>
+                        <a:cs typeface="メイリオ"/>
+                      </a:endParaRPr>
+                    </a:p>
+                  </p:txBody>
+                </p:sp>
+              </p:grpSp>
+              <p:sp>
+                <p:nvSpPr>
+                  <p:cNvPr id="23" name="円/楕円 22"/>
+                  <p:cNvSpPr/>
+                  <p:nvPr/>
+                </p:nvSpPr>
+                <p:spPr>
+                  <a:xfrm>
+                    <a:off x="892347" y="2937705"/>
+                    <a:ext cx="87859" cy="87859"/>
+                  </a:xfrm>
+                  <a:prstGeom prst="ellipse">
+                    <a:avLst/>
+                  </a:prstGeom>
+                  <a:solidFill>
+                    <a:srgbClr val="FF0000"/>
+                  </a:solidFill>
+                  <a:ln>
+                    <a:noFill/>
+                  </a:ln>
+                </p:spPr>
+                <p:style>
+                  <a:lnRef idx="2">
+                    <a:schemeClr val="dk1"/>
+                  </a:lnRef>
+                  <a:fillRef idx="1">
+                    <a:schemeClr val="lt1"/>
+                  </a:fillRef>
+                  <a:effectRef idx="0">
+                    <a:schemeClr val="dk1"/>
+                  </a:effectRef>
+                  <a:fontRef idx="minor">
+                    <a:schemeClr val="dk1"/>
+                  </a:fontRef>
+                </p:style>
+                <p:txBody>
+                  <a:bodyPr rtlCol="0" anchor="ctr"/>
+                  <a:lstStyle/>
+                  <a:p>
+                    <a:pPr algn="ctr"/>
+                    <a:endParaRPr kumimoji="1" lang="ja-JP" altLang="en-US"/>
+                  </a:p>
+                </p:txBody>
+              </p:sp>
+              <p:sp>
+                <p:nvSpPr>
+                  <p:cNvPr id="30" name="円/楕円 29"/>
+                  <p:cNvSpPr/>
+                  <p:nvPr/>
+                </p:nvSpPr>
+                <p:spPr>
+                  <a:xfrm>
+                    <a:off x="980206" y="3075275"/>
+                    <a:ext cx="87859" cy="87859"/>
+                  </a:xfrm>
+                  <a:prstGeom prst="ellipse">
+                    <a:avLst/>
+                  </a:prstGeom>
+                  <a:solidFill>
+                    <a:srgbClr val="008000"/>
+                  </a:solidFill>
+                  <a:ln>
+                    <a:noFill/>
+                  </a:ln>
+                </p:spPr>
+                <p:style>
+                  <a:lnRef idx="2">
+                    <a:schemeClr val="dk1"/>
+                  </a:lnRef>
+                  <a:fillRef idx="1">
+                    <a:schemeClr val="lt1"/>
+                  </a:fillRef>
+                  <a:effectRef idx="0">
+                    <a:schemeClr val="dk1"/>
+                  </a:effectRef>
+                  <a:fontRef idx="minor">
+                    <a:schemeClr val="dk1"/>
+                  </a:fontRef>
+                </p:style>
+                <p:txBody>
+                  <a:bodyPr rtlCol="0" anchor="ctr"/>
+                  <a:lstStyle/>
+                  <a:p>
+                    <a:pPr algn="ctr"/>
+                    <a:endParaRPr kumimoji="1" lang="ja-JP" altLang="en-US"/>
+                  </a:p>
+                </p:txBody>
+              </p:sp>
+              <p:sp>
+                <p:nvSpPr>
+                  <p:cNvPr id="31" name="円/楕円 30"/>
+                  <p:cNvSpPr/>
+                  <p:nvPr/>
+                </p:nvSpPr>
+                <p:spPr>
+                  <a:xfrm>
+                    <a:off x="1068915" y="2981635"/>
+                    <a:ext cx="87859" cy="87859"/>
+                  </a:xfrm>
+                  <a:prstGeom prst="ellipse">
+                    <a:avLst/>
+                  </a:prstGeom>
+                  <a:solidFill>
+                    <a:schemeClr val="accent6"/>
+                  </a:solidFill>
+                  <a:ln>
+                    <a:noFill/>
+                  </a:ln>
+                </p:spPr>
+                <p:style>
+                  <a:lnRef idx="2">
+                    <a:schemeClr val="dk1"/>
+                  </a:lnRef>
+                  <a:fillRef idx="1">
+                    <a:schemeClr val="lt1"/>
+                  </a:fillRef>
+                  <a:effectRef idx="0">
+                    <a:schemeClr val="dk1"/>
+                  </a:effectRef>
+                  <a:fontRef idx="minor">
+                    <a:schemeClr val="dk1"/>
+                  </a:fontRef>
+                </p:style>
+                <p:txBody>
+                  <a:bodyPr rtlCol="0" anchor="ctr"/>
+                  <a:lstStyle/>
+                  <a:p>
+                    <a:pPr algn="ctr"/>
+                    <a:endParaRPr kumimoji="1" lang="ja-JP" altLang="en-US"/>
+                  </a:p>
+                </p:txBody>
+              </p:sp>
+              <p:sp>
+                <p:nvSpPr>
+                  <p:cNvPr id="32" name="円/楕円 31"/>
+                  <p:cNvSpPr/>
+                  <p:nvPr/>
+                </p:nvSpPr>
+                <p:spPr>
+                  <a:xfrm>
+                    <a:off x="1220465" y="2963646"/>
+                    <a:ext cx="87859" cy="87859"/>
+                  </a:xfrm>
+                  <a:prstGeom prst="ellipse">
+                    <a:avLst/>
+                  </a:prstGeom>
+                  <a:solidFill>
+                    <a:srgbClr val="0000FF"/>
+                  </a:solidFill>
+                  <a:ln>
+                    <a:noFill/>
+                  </a:ln>
+                </p:spPr>
+                <p:style>
+                  <a:lnRef idx="2">
+                    <a:schemeClr val="dk1"/>
+                  </a:lnRef>
+                  <a:fillRef idx="1">
+                    <a:schemeClr val="lt1"/>
+                  </a:fillRef>
+                  <a:effectRef idx="0">
+                    <a:schemeClr val="dk1"/>
+                  </a:effectRef>
+                  <a:fontRef idx="minor">
+                    <a:schemeClr val="dk1"/>
+                  </a:fontRef>
+                </p:style>
+                <p:txBody>
+                  <a:bodyPr rtlCol="0" anchor="ctr"/>
+                  <a:lstStyle/>
+                  <a:p>
+                    <a:pPr algn="ctr"/>
+                    <a:endParaRPr kumimoji="1" lang="ja-JP" altLang="en-US"/>
+                  </a:p>
+                </p:txBody>
+              </p:sp>
+              <p:sp>
+                <p:nvSpPr>
+                  <p:cNvPr id="33" name="円/楕円 32"/>
+                  <p:cNvSpPr/>
+                  <p:nvPr/>
+                </p:nvSpPr>
+                <p:spPr>
+                  <a:xfrm>
+                    <a:off x="1156774" y="3081762"/>
+                    <a:ext cx="87859" cy="87859"/>
+                  </a:xfrm>
+                  <a:prstGeom prst="ellipse">
+                    <a:avLst/>
+                  </a:prstGeom>
+                  <a:solidFill>
+                    <a:srgbClr val="660066"/>
+                  </a:solidFill>
+                  <a:ln>
+                    <a:noFill/>
+                  </a:ln>
+                </p:spPr>
+                <p:style>
+                  <a:lnRef idx="2">
+                    <a:schemeClr val="dk1"/>
+                  </a:lnRef>
+                  <a:fillRef idx="1">
+                    <a:schemeClr val="lt1"/>
+                  </a:fillRef>
+                  <a:effectRef idx="0">
+                    <a:schemeClr val="dk1"/>
+                  </a:effectRef>
+                  <a:fontRef idx="minor">
+                    <a:schemeClr val="dk1"/>
+                  </a:fontRef>
+                </p:style>
+                <p:txBody>
+                  <a:bodyPr rtlCol="0" anchor="ctr"/>
+                  <a:lstStyle/>
+                  <a:p>
+                    <a:pPr algn="ctr"/>
+                    <a:endParaRPr kumimoji="1" lang="ja-JP" altLang="en-US"/>
+                  </a:p>
+                </p:txBody>
+              </p:sp>
+            </p:grpSp>
+            <p:grpSp>
+              <p:nvGrpSpPr>
+                <p:cNvPr id="41" name="図形グループ 40"/>
+                <p:cNvGrpSpPr/>
+                <p:nvPr/>
+              </p:nvGrpSpPr>
+              <p:grpSpPr>
+                <a:xfrm>
+                  <a:off x="2786378" y="2832944"/>
+                  <a:ext cx="492639" cy="347158"/>
+                  <a:chOff x="968085" y="3013443"/>
+                  <a:chExt cx="492639" cy="347158"/>
+                </a:xfrm>
+              </p:grpSpPr>
+              <p:sp>
+                <p:nvSpPr>
+                  <p:cNvPr id="36" name="円/楕円 35"/>
+                  <p:cNvSpPr/>
+                  <p:nvPr/>
+                </p:nvSpPr>
+                <p:spPr>
+                  <a:xfrm>
+                    <a:off x="968085" y="3013443"/>
+                    <a:ext cx="164521" cy="164521"/>
+                  </a:xfrm>
+                  <a:prstGeom prst="ellipse">
+                    <a:avLst/>
+                  </a:prstGeom>
+                  <a:solidFill>
+                    <a:srgbClr val="FF0000"/>
+                  </a:solidFill>
+                  <a:ln>
+                    <a:noFill/>
+                  </a:ln>
+                </p:spPr>
+                <p:style>
+                  <a:lnRef idx="2">
+                    <a:schemeClr val="dk1"/>
+                  </a:lnRef>
+                  <a:fillRef idx="1">
+                    <a:schemeClr val="lt1"/>
+                  </a:fillRef>
+                  <a:effectRef idx="0">
+                    <a:schemeClr val="dk1"/>
+                  </a:effectRef>
+                  <a:fontRef idx="minor">
+                    <a:schemeClr val="dk1"/>
+                  </a:fontRef>
+                </p:style>
+                <p:txBody>
+                  <a:bodyPr rtlCol="0" anchor="ctr"/>
+                  <a:lstStyle/>
+                  <a:p>
+                    <a:pPr algn="ctr"/>
+                    <a:endParaRPr kumimoji="1" lang="ja-JP" altLang="en-US"/>
+                  </a:p>
+                </p:txBody>
+              </p:sp>
+              <p:sp>
+                <p:nvSpPr>
+                  <p:cNvPr id="37" name="円/楕円 36"/>
+                  <p:cNvSpPr/>
+                  <p:nvPr/>
+                </p:nvSpPr>
+                <p:spPr>
+                  <a:xfrm>
+                    <a:off x="1087540" y="3227675"/>
+                    <a:ext cx="132926" cy="132926"/>
+                  </a:xfrm>
+                  <a:prstGeom prst="ellipse">
+                    <a:avLst/>
+                  </a:prstGeom>
+                  <a:solidFill>
+                    <a:srgbClr val="008000"/>
+                  </a:solidFill>
+                  <a:ln>
+                    <a:noFill/>
+                  </a:ln>
+                </p:spPr>
+                <p:style>
+                  <a:lnRef idx="2">
+                    <a:schemeClr val="dk1"/>
+                  </a:lnRef>
+                  <a:fillRef idx="1">
+                    <a:schemeClr val="lt1"/>
+                  </a:fillRef>
+                  <a:effectRef idx="0">
+                    <a:schemeClr val="dk1"/>
+                  </a:effectRef>
+                  <a:fontRef idx="minor">
+                    <a:schemeClr val="dk1"/>
+                  </a:fontRef>
+                </p:style>
+                <p:txBody>
+                  <a:bodyPr rtlCol="0" anchor="ctr"/>
+                  <a:lstStyle/>
+                  <a:p>
+                    <a:pPr algn="ctr"/>
+                    <a:endParaRPr kumimoji="1" lang="ja-JP" altLang="en-US"/>
+                  </a:p>
+                </p:txBody>
+              </p:sp>
+              <p:sp>
+                <p:nvSpPr>
+                  <p:cNvPr id="38" name="円/楕円 37"/>
+                  <p:cNvSpPr/>
+                  <p:nvPr/>
+                </p:nvSpPr>
+                <p:spPr>
+                  <a:xfrm>
+                    <a:off x="1221315" y="3134035"/>
+                    <a:ext cx="87859" cy="87859"/>
+                  </a:xfrm>
+                  <a:prstGeom prst="ellipse">
+                    <a:avLst/>
+                  </a:prstGeom>
+                  <a:solidFill>
+                    <a:schemeClr val="accent6"/>
+                  </a:solidFill>
+                  <a:ln>
+                    <a:noFill/>
+                  </a:ln>
+                </p:spPr>
+                <p:style>
+                  <a:lnRef idx="2">
+                    <a:schemeClr val="dk1"/>
+                  </a:lnRef>
+                  <a:fillRef idx="1">
+                    <a:schemeClr val="lt1"/>
+                  </a:fillRef>
+                  <a:effectRef idx="0">
+                    <a:schemeClr val="dk1"/>
+                  </a:effectRef>
+                  <a:fontRef idx="minor">
+                    <a:schemeClr val="dk1"/>
+                  </a:fontRef>
+                </p:style>
+                <p:txBody>
+                  <a:bodyPr rtlCol="0" anchor="ctr"/>
+                  <a:lstStyle/>
+                  <a:p>
+                    <a:pPr algn="ctr"/>
+                    <a:endParaRPr kumimoji="1" lang="ja-JP" altLang="en-US"/>
+                  </a:p>
+                </p:txBody>
+              </p:sp>
+              <p:sp>
+                <p:nvSpPr>
+                  <p:cNvPr id="39" name="円/楕円 38"/>
+                  <p:cNvSpPr/>
+                  <p:nvPr/>
+                </p:nvSpPr>
+                <p:spPr>
+                  <a:xfrm>
+                    <a:off x="1372865" y="3116046"/>
+                    <a:ext cx="87859" cy="87859"/>
+                  </a:xfrm>
+                  <a:prstGeom prst="ellipse">
+                    <a:avLst/>
+                  </a:prstGeom>
+                  <a:solidFill>
+                    <a:srgbClr val="0000FF"/>
+                  </a:solidFill>
+                  <a:ln>
+                    <a:noFill/>
+                  </a:ln>
+                </p:spPr>
+                <p:style>
+                  <a:lnRef idx="2">
+                    <a:schemeClr val="dk1"/>
+                  </a:lnRef>
+                  <a:fillRef idx="1">
+                    <a:schemeClr val="lt1"/>
+                  </a:fillRef>
+                  <a:effectRef idx="0">
+                    <a:schemeClr val="dk1"/>
+                  </a:effectRef>
+                  <a:fontRef idx="minor">
+                    <a:schemeClr val="dk1"/>
+                  </a:fontRef>
+                </p:style>
+                <p:txBody>
+                  <a:bodyPr rtlCol="0" anchor="ctr"/>
+                  <a:lstStyle/>
+                  <a:p>
+                    <a:pPr algn="ctr"/>
+                    <a:endParaRPr kumimoji="1" lang="ja-JP" altLang="en-US"/>
+                  </a:p>
+                </p:txBody>
+              </p:sp>
+              <p:sp>
+                <p:nvSpPr>
+                  <p:cNvPr id="40" name="円/楕円 39"/>
+                  <p:cNvSpPr/>
+                  <p:nvPr/>
+                </p:nvSpPr>
+                <p:spPr>
+                  <a:xfrm>
+                    <a:off x="1309174" y="3234162"/>
+                    <a:ext cx="87859" cy="87859"/>
+                  </a:xfrm>
+                  <a:prstGeom prst="ellipse">
+                    <a:avLst/>
+                  </a:prstGeom>
+                  <a:solidFill>
+                    <a:srgbClr val="660066"/>
+                  </a:solidFill>
+                  <a:ln>
+                    <a:noFill/>
+                  </a:ln>
+                </p:spPr>
+                <p:style>
+                  <a:lnRef idx="2">
+                    <a:schemeClr val="dk1"/>
+                  </a:lnRef>
+                  <a:fillRef idx="1">
+                    <a:schemeClr val="lt1"/>
+                  </a:fillRef>
+                  <a:effectRef idx="0">
+                    <a:schemeClr val="dk1"/>
+                  </a:effectRef>
+                  <a:fontRef idx="minor">
+                    <a:schemeClr val="dk1"/>
+                  </a:fontRef>
+                </p:style>
+                <p:txBody>
+                  <a:bodyPr rtlCol="0" anchor="ctr"/>
+                  <a:lstStyle/>
+                  <a:p>
+                    <a:pPr algn="ctr"/>
+                    <a:endParaRPr kumimoji="1" lang="ja-JP" altLang="en-US"/>
+                  </a:p>
+                </p:txBody>
+              </p:sp>
+            </p:grpSp>
+            <p:grpSp>
+              <p:nvGrpSpPr>
+                <p:cNvPr id="42" name="図形グループ 41"/>
+                <p:cNvGrpSpPr/>
+                <p:nvPr/>
+              </p:nvGrpSpPr>
+              <p:grpSpPr>
+                <a:xfrm>
+                  <a:off x="2785241" y="4018424"/>
+                  <a:ext cx="579022" cy="286165"/>
+                  <a:chOff x="953912" y="3035856"/>
+                  <a:chExt cx="579022" cy="286165"/>
+                </a:xfrm>
+              </p:grpSpPr>
+              <p:sp>
+                <p:nvSpPr>
+                  <p:cNvPr id="43" name="円/楕円 42"/>
+                  <p:cNvSpPr/>
+                  <p:nvPr/>
+                </p:nvSpPr>
+                <p:spPr>
+                  <a:xfrm>
+                    <a:off x="953912" y="3048981"/>
+                    <a:ext cx="120592" cy="120592"/>
+                  </a:xfrm>
+                  <a:prstGeom prst="ellipse">
+                    <a:avLst/>
+                  </a:prstGeom>
+                  <a:solidFill>
+                    <a:srgbClr val="FF0000"/>
+                  </a:solidFill>
+                  <a:ln>
+                    <a:noFill/>
+                  </a:ln>
+                </p:spPr>
+                <p:style>
+                  <a:lnRef idx="2">
+                    <a:schemeClr val="dk1"/>
+                  </a:lnRef>
+                  <a:fillRef idx="1">
+                    <a:schemeClr val="lt1"/>
+                  </a:fillRef>
+                  <a:effectRef idx="0">
+                    <a:schemeClr val="dk1"/>
+                  </a:effectRef>
+                  <a:fontRef idx="minor">
+                    <a:schemeClr val="dk1"/>
+                  </a:fontRef>
+                </p:style>
+                <p:txBody>
+                  <a:bodyPr rtlCol="0" anchor="ctr"/>
+                  <a:lstStyle/>
+                  <a:p>
+                    <a:pPr algn="ctr"/>
+                    <a:endParaRPr kumimoji="1" lang="ja-JP" altLang="en-US"/>
+                  </a:p>
+                </p:txBody>
+              </p:sp>
+              <p:sp>
+                <p:nvSpPr>
+                  <p:cNvPr id="44" name="円/楕円 43"/>
+                  <p:cNvSpPr/>
+                  <p:nvPr/>
+                </p:nvSpPr>
+                <p:spPr>
+                  <a:xfrm>
+                    <a:off x="1038687" y="3133756"/>
+                    <a:ext cx="181779" cy="181779"/>
+                  </a:xfrm>
+                  <a:prstGeom prst="ellipse">
+                    <a:avLst/>
+                  </a:prstGeom>
+                  <a:solidFill>
+                    <a:srgbClr val="008000"/>
+                  </a:solidFill>
+                  <a:ln>
+                    <a:noFill/>
+                  </a:ln>
+                </p:spPr>
+                <p:style>
+                  <a:lnRef idx="2">
+                    <a:schemeClr val="dk1"/>
+                  </a:lnRef>
+                  <a:fillRef idx="1">
+                    <a:schemeClr val="lt1"/>
+                  </a:fillRef>
+                  <a:effectRef idx="0">
+                    <a:schemeClr val="dk1"/>
+                  </a:effectRef>
+                  <a:fontRef idx="minor">
+                    <a:schemeClr val="dk1"/>
+                  </a:fontRef>
+                </p:style>
+                <p:txBody>
+                  <a:bodyPr rtlCol="0" anchor="ctr"/>
+                  <a:lstStyle/>
+                  <a:p>
+                    <a:pPr algn="ctr"/>
+                    <a:endParaRPr kumimoji="1" lang="ja-JP" altLang="en-US"/>
+                  </a:p>
+                </p:txBody>
+              </p:sp>
+              <p:sp>
+                <p:nvSpPr>
+                  <p:cNvPr id="45" name="円/楕円 44"/>
+                  <p:cNvSpPr/>
+                  <p:nvPr/>
+                </p:nvSpPr>
+                <p:spPr>
+                  <a:xfrm>
+                    <a:off x="1221315" y="3134035"/>
+                    <a:ext cx="87859" cy="87859"/>
+                  </a:xfrm>
+                  <a:prstGeom prst="ellipse">
+                    <a:avLst/>
+                  </a:prstGeom>
+                  <a:solidFill>
+                    <a:schemeClr val="accent6"/>
+                  </a:solidFill>
+                  <a:ln>
+                    <a:noFill/>
+                  </a:ln>
+                </p:spPr>
+                <p:style>
+                  <a:lnRef idx="2">
+                    <a:schemeClr val="dk1"/>
+                  </a:lnRef>
+                  <a:fillRef idx="1">
+                    <a:schemeClr val="lt1"/>
+                  </a:fillRef>
+                  <a:effectRef idx="0">
+                    <a:schemeClr val="dk1"/>
+                  </a:effectRef>
+                  <a:fontRef idx="minor">
+                    <a:schemeClr val="dk1"/>
+                  </a:fontRef>
+                </p:style>
+                <p:txBody>
+                  <a:bodyPr rtlCol="0" anchor="ctr"/>
+                  <a:lstStyle/>
+                  <a:p>
+                    <a:pPr algn="ctr"/>
+                    <a:endParaRPr kumimoji="1" lang="ja-JP" altLang="en-US"/>
+                  </a:p>
+                </p:txBody>
+              </p:sp>
+              <p:sp>
+                <p:nvSpPr>
+                  <p:cNvPr id="46" name="円/楕円 45"/>
+                  <p:cNvSpPr/>
+                  <p:nvPr/>
+                </p:nvSpPr>
+                <p:spPr>
+                  <a:xfrm>
+                    <a:off x="1366805" y="3035856"/>
+                    <a:ext cx="166129" cy="166129"/>
+                  </a:xfrm>
+                  <a:prstGeom prst="ellipse">
+                    <a:avLst/>
+                  </a:prstGeom>
+                  <a:solidFill>
+                    <a:srgbClr val="0000FF"/>
+                  </a:solidFill>
+                  <a:ln>
+                    <a:noFill/>
+                  </a:ln>
+                </p:spPr>
+                <p:style>
+                  <a:lnRef idx="2">
+                    <a:schemeClr val="dk1"/>
+                  </a:lnRef>
+                  <a:fillRef idx="1">
+                    <a:schemeClr val="lt1"/>
+                  </a:fillRef>
+                  <a:effectRef idx="0">
+                    <a:schemeClr val="dk1"/>
+                  </a:effectRef>
+                  <a:fontRef idx="minor">
+                    <a:schemeClr val="dk1"/>
+                  </a:fontRef>
+                </p:style>
+                <p:txBody>
+                  <a:bodyPr rtlCol="0" anchor="ctr"/>
+                  <a:lstStyle/>
+                  <a:p>
+                    <a:pPr algn="ctr"/>
+                    <a:endParaRPr kumimoji="1" lang="ja-JP" altLang="en-US"/>
+                  </a:p>
+                </p:txBody>
+              </p:sp>
+              <p:sp>
+                <p:nvSpPr>
+                  <p:cNvPr id="47" name="円/楕円 46"/>
+                  <p:cNvSpPr/>
+                  <p:nvPr/>
+                </p:nvSpPr>
+                <p:spPr>
+                  <a:xfrm>
+                    <a:off x="1309174" y="3234162"/>
+                    <a:ext cx="87859" cy="87859"/>
+                  </a:xfrm>
+                  <a:prstGeom prst="ellipse">
+                    <a:avLst/>
+                  </a:prstGeom>
+                  <a:solidFill>
+                    <a:srgbClr val="660066"/>
+                  </a:solidFill>
+                  <a:ln>
+                    <a:noFill/>
+                  </a:ln>
+                </p:spPr>
+                <p:style>
+                  <a:lnRef idx="2">
+                    <a:schemeClr val="dk1"/>
+                  </a:lnRef>
+                  <a:fillRef idx="1">
+                    <a:schemeClr val="lt1"/>
+                  </a:fillRef>
+                  <a:effectRef idx="0">
+                    <a:schemeClr val="dk1"/>
+                  </a:effectRef>
+                  <a:fontRef idx="minor">
+                    <a:schemeClr val="dk1"/>
+                  </a:fontRef>
+                </p:style>
+                <p:txBody>
+                  <a:bodyPr rtlCol="0" anchor="ctr"/>
+                  <a:lstStyle/>
+                  <a:p>
+                    <a:pPr algn="ctr"/>
+                    <a:endParaRPr kumimoji="1" lang="ja-JP" altLang="en-US"/>
+                  </a:p>
+                </p:txBody>
+              </p:sp>
+            </p:grpSp>
+            <p:cxnSp>
+              <p:nvCxnSpPr>
+                <p:cNvPr id="54" name="直線矢印コネクタ 53"/>
+                <p:cNvCxnSpPr/>
+                <p:nvPr/>
+              </p:nvCxnSpPr>
+              <p:spPr>
+                <a:xfrm>
+                  <a:off x="3516838" y="2937705"/>
+                  <a:ext cx="1026254" cy="3697"/>
+                </a:xfrm>
+                <a:prstGeom prst="straightConnector1">
+                  <a:avLst/>
+                </a:prstGeom>
+                <a:ln>
+                  <a:tailEnd type="arrow"/>
+                </a:ln>
+              </p:spPr>
+              <p:style>
+                <a:lnRef idx="1">
+                  <a:schemeClr val="dk1"/>
+                </a:lnRef>
+                <a:fillRef idx="0">
+                  <a:schemeClr val="dk1"/>
+                </a:fillRef>
+                <a:effectRef idx="0">
+                  <a:schemeClr val="dk1"/>
+                </a:effectRef>
+                <a:fontRef idx="minor">
+                  <a:schemeClr val="tx1"/>
+                </a:fontRef>
+              </p:style>
+            </p:cxnSp>
+            <p:cxnSp>
+              <p:nvCxnSpPr>
+                <p:cNvPr id="55" name="直線矢印コネクタ 54"/>
+                <p:cNvCxnSpPr/>
+                <p:nvPr/>
+              </p:nvCxnSpPr>
+              <p:spPr>
+                <a:xfrm>
+                  <a:off x="3516838" y="4105752"/>
+                  <a:ext cx="1026254" cy="0"/>
+                </a:xfrm>
+                <a:prstGeom prst="straightConnector1">
+                  <a:avLst/>
+                </a:prstGeom>
+                <a:ln>
+                  <a:tailEnd type="arrow"/>
+                </a:ln>
+              </p:spPr>
+              <p:style>
+                <a:lnRef idx="1">
+                  <a:schemeClr val="dk1"/>
+                </a:lnRef>
+                <a:fillRef idx="0">
+                  <a:schemeClr val="dk1"/>
+                </a:fillRef>
+                <a:effectRef idx="0">
+                  <a:schemeClr val="dk1"/>
+                </a:effectRef>
+                <a:fontRef idx="minor">
+                  <a:schemeClr val="tx1"/>
+                </a:fontRef>
+              </p:style>
+            </p:cxnSp>
+            <p:pic>
+              <p:nvPicPr>
+                <p:cNvPr id="56" name="図 55" descr="961660-200.png"/>
+                <p:cNvPicPr>
+                  <a:picLocks noChangeAspect="1"/>
+                </p:cNvPicPr>
+                <p:nvPr/>
+              </p:nvPicPr>
+              <p:blipFill>
+                <a:blip r:embed="rId2">
+                  <a:extLst>
+                    <a:ext uri="{28A0092B-C50C-407E-A947-70E740481C1C}">
+                      <a14:useLocalDpi xmlns:a14="http://schemas.microsoft.com/office/drawing/2010/main" val="0"/>
+                    </a:ext>
+                  </a:extLst>
+                </a:blip>
+                <a:stretch>
+                  <a:fillRect/>
+                </a:stretch>
+              </p:blipFill>
+              <p:spPr>
+                <a:xfrm>
+                  <a:off x="4543092" y="2553084"/>
+                  <a:ext cx="769242" cy="769242"/>
+                </a:xfrm>
+                <a:prstGeom prst="rect">
+                  <a:avLst/>
+                </a:prstGeom>
+              </p:spPr>
+            </p:pic>
+            <p:pic>
+              <p:nvPicPr>
+                <p:cNvPr id="57" name="図 56" descr="961660-200.png"/>
+                <p:cNvPicPr>
+                  <a:picLocks noChangeAspect="1"/>
+                </p:cNvPicPr>
+                <p:nvPr/>
+              </p:nvPicPr>
+              <p:blipFill>
+                <a:blip r:embed="rId2">
+                  <a:extLst>
+                    <a:ext uri="{28A0092B-C50C-407E-A947-70E740481C1C}">
+                      <a14:useLocalDpi xmlns:a14="http://schemas.microsoft.com/office/drawing/2010/main" val="0"/>
+                    </a:ext>
+                  </a:extLst>
+                </a:blip>
+                <a:stretch>
+                  <a:fillRect/>
+                </a:stretch>
+              </p:blipFill>
+              <p:spPr>
+                <a:xfrm>
+                  <a:off x="4543092" y="3678963"/>
+                  <a:ext cx="769242" cy="769242"/>
+                </a:xfrm>
+                <a:prstGeom prst="rect">
+                  <a:avLst/>
+                </a:prstGeom>
+              </p:spPr>
+            </p:pic>
+            <p:cxnSp>
+              <p:nvCxnSpPr>
+                <p:cNvPr id="58" name="直線矢印コネクタ 57"/>
+                <p:cNvCxnSpPr/>
+                <p:nvPr/>
+              </p:nvCxnSpPr>
+              <p:spPr>
+                <a:xfrm>
+                  <a:off x="3516838" y="1904026"/>
+                  <a:ext cx="1026254" cy="0"/>
+                </a:xfrm>
+                <a:prstGeom prst="straightConnector1">
+                  <a:avLst/>
+                </a:prstGeom>
+                <a:ln>
+                  <a:tailEnd type="arrow"/>
+                </a:ln>
+              </p:spPr>
+              <p:style>
+                <a:lnRef idx="1">
+                  <a:schemeClr val="dk1"/>
+                </a:lnRef>
+                <a:fillRef idx="0">
+                  <a:schemeClr val="dk1"/>
+                </a:fillRef>
+                <a:effectRef idx="0">
+                  <a:schemeClr val="dk1"/>
+                </a:effectRef>
+                <a:fontRef idx="minor">
+                  <a:schemeClr val="tx1"/>
+                </a:fontRef>
+              </p:style>
+            </p:cxnSp>
+            <p:pic>
+              <p:nvPicPr>
+                <p:cNvPr id="59" name="図 58" descr="961660-200.png"/>
+                <p:cNvPicPr>
+                  <a:picLocks noChangeAspect="1"/>
+                </p:cNvPicPr>
+                <p:nvPr/>
+              </p:nvPicPr>
+              <p:blipFill>
+                <a:blip r:embed="rId2">
+                  <a:extLst>
+                    <a:ext uri="{28A0092B-C50C-407E-A947-70E740481C1C}">
+                      <a14:useLocalDpi xmlns:a14="http://schemas.microsoft.com/office/drawing/2010/main" val="0"/>
+                    </a:ext>
+                  </a:extLst>
+                </a:blip>
+                <a:stretch>
+                  <a:fillRect/>
+                </a:stretch>
+              </p:blipFill>
+              <p:spPr>
+                <a:xfrm>
+                  <a:off x="4543092" y="1515708"/>
+                  <a:ext cx="769242" cy="769242"/>
+                </a:xfrm>
+                <a:prstGeom prst="rect">
+                  <a:avLst/>
+                </a:prstGeom>
+              </p:spPr>
+            </p:pic>
+            <p:cxnSp>
+              <p:nvCxnSpPr>
+                <p:cNvPr id="60" name="直線矢印コネクタ 59"/>
+                <p:cNvCxnSpPr/>
+                <p:nvPr/>
+              </p:nvCxnSpPr>
+              <p:spPr>
+                <a:xfrm flipH="1">
+                  <a:off x="3516838" y="2144833"/>
+                  <a:ext cx="1080346" cy="474547"/>
+                </a:xfrm>
+                <a:prstGeom prst="straightConnector1">
+                  <a:avLst/>
+                </a:prstGeom>
+                <a:ln>
+                  <a:tailEnd type="arrow"/>
+                </a:ln>
+              </p:spPr>
+              <p:style>
+                <a:lnRef idx="1">
+                  <a:schemeClr val="dk1"/>
+                </a:lnRef>
+                <a:fillRef idx="0">
+                  <a:schemeClr val="dk1"/>
+                </a:fillRef>
+                <a:effectRef idx="0">
+                  <a:schemeClr val="dk1"/>
+                </a:effectRef>
+                <a:fontRef idx="minor">
+                  <a:schemeClr val="tx1"/>
+                </a:fontRef>
+              </p:style>
+            </p:cxnSp>
+            <p:cxnSp>
+              <p:nvCxnSpPr>
+                <p:cNvPr id="61" name="直線矢印コネクタ 60"/>
+                <p:cNvCxnSpPr/>
+                <p:nvPr/>
+              </p:nvCxnSpPr>
+              <p:spPr>
+                <a:xfrm flipV="1">
+                  <a:off x="5312334" y="3348267"/>
+                  <a:ext cx="823071" cy="726409"/>
+                </a:xfrm>
+                <a:prstGeom prst="straightConnector1">
+                  <a:avLst/>
+                </a:prstGeom>
+                <a:ln>
+                  <a:tailEnd type="arrow"/>
+                </a:ln>
+              </p:spPr>
+              <p:style>
+                <a:lnRef idx="1">
+                  <a:schemeClr val="dk1"/>
+                </a:lnRef>
+                <a:fillRef idx="0">
+                  <a:schemeClr val="dk1"/>
+                </a:fillRef>
+                <a:effectRef idx="0">
+                  <a:schemeClr val="dk1"/>
+                </a:effectRef>
+                <a:fontRef idx="minor">
+                  <a:schemeClr val="tx1"/>
+                </a:fontRef>
+              </p:style>
+            </p:cxnSp>
+            <p:sp>
+              <p:nvSpPr>
+                <p:cNvPr id="69" name="テキスト ボックス 68"/>
+                <p:cNvSpPr txBox="1"/>
+                <p:nvPr/>
+              </p:nvSpPr>
+              <p:spPr>
+                <a:xfrm>
+                  <a:off x="3664473" y="1421555"/>
+                  <a:ext cx="646331" cy="369332"/>
+                </a:xfrm>
+                <a:prstGeom prst="rect">
+                  <a:avLst/>
+                </a:prstGeom>
+                <a:noFill/>
+              </p:spPr>
+              <p:txBody>
+                <a:bodyPr wrap="none" rtlCol="0">
+                  <a:spAutoFit/>
+                </a:bodyPr>
+                <a:lstStyle/>
+                <a:p>
+                  <a:r>
+                    <a:rPr kumimoji="1" lang="ja-JP" altLang="en-US" dirty="0" smtClean="0">
+                      <a:latin typeface="メイリオ"/>
+                      <a:ea typeface="メイリオ"/>
+                      <a:cs typeface="メイリオ"/>
+                    </a:rPr>
+                    <a:t>学習</a:t>
+                  </a:r>
+                  <a:endParaRPr kumimoji="1" lang="ja-JP" altLang="en-US" dirty="0">
+                    <a:latin typeface="メイリオ"/>
+                    <a:ea typeface="メイリオ"/>
+                    <a:cs typeface="メイリオ"/>
+                  </a:endParaRPr>
+                </a:p>
+              </p:txBody>
+            </p:sp>
+            <p:sp>
+              <p:nvSpPr>
+                <p:cNvPr id="78" name="テキスト ボックス 77"/>
+                <p:cNvSpPr txBox="1"/>
+                <p:nvPr/>
+              </p:nvSpPr>
+              <p:spPr>
+                <a:xfrm>
+                  <a:off x="4543092" y="4429242"/>
+                  <a:ext cx="877163" cy="369332"/>
+                </a:xfrm>
+                <a:prstGeom prst="rect">
+                  <a:avLst/>
+                </a:prstGeom>
+                <a:noFill/>
+              </p:spPr>
+              <p:txBody>
+                <a:bodyPr wrap="none" rtlCol="0">
+                  <a:spAutoFit/>
+                </a:bodyPr>
+                <a:lstStyle/>
+                <a:p>
+                  <a:pPr algn="ctr"/>
+                  <a:r>
+                    <a:rPr kumimoji="1" lang="ja-JP" altLang="en-US" dirty="0" smtClean="0">
+                      <a:latin typeface="メイリオ"/>
+                      <a:ea typeface="メイリオ"/>
+                      <a:cs typeface="メイリオ"/>
+                    </a:rPr>
+                    <a:t>モデル</a:t>
+                  </a:r>
+                  <a:endParaRPr kumimoji="1" lang="ja-JP" altLang="en-US" dirty="0">
+                    <a:latin typeface="メイリオ"/>
+                    <a:ea typeface="メイリオ"/>
+                    <a:cs typeface="メイリオ"/>
+                  </a:endParaRPr>
+                </a:p>
+              </p:txBody>
+            </p:sp>
+            <p:sp>
+              <p:nvSpPr>
+                <p:cNvPr id="83" name="テキスト ボックス 82"/>
+                <p:cNvSpPr txBox="1"/>
+                <p:nvPr/>
+              </p:nvSpPr>
+              <p:spPr>
+                <a:xfrm>
+                  <a:off x="5543018" y="1468163"/>
+                  <a:ext cx="1800493" cy="369332"/>
+                </a:xfrm>
+                <a:prstGeom prst="rect">
+                  <a:avLst/>
+                </a:prstGeom>
+                <a:noFill/>
+              </p:spPr>
+              <p:txBody>
+                <a:bodyPr wrap="none" rtlCol="0">
+                  <a:spAutoFit/>
+                </a:bodyPr>
+                <a:lstStyle/>
+                <a:p>
+                  <a:pPr algn="ctr"/>
+                  <a:r>
+                    <a:rPr lang="ja-JP" altLang="en-US" dirty="0" smtClean="0">
+                      <a:latin typeface="メイリオ"/>
+                      <a:ea typeface="メイリオ"/>
+                      <a:cs typeface="メイリオ"/>
+                    </a:rPr>
+                    <a:t>重みをまとめる</a:t>
+                  </a:r>
+                  <a:endParaRPr lang="en-US" altLang="ja-JP" dirty="0" smtClean="0">
+                    <a:latin typeface="メイリオ"/>
+                    <a:ea typeface="メイリオ"/>
+                    <a:cs typeface="メイリオ"/>
+                  </a:endParaRPr>
+                </a:p>
+              </p:txBody>
+            </p:sp>
+            <p:cxnSp>
+              <p:nvCxnSpPr>
+                <p:cNvPr id="63" name="直線矢印コネクタ 62"/>
+                <p:cNvCxnSpPr/>
+                <p:nvPr/>
+              </p:nvCxnSpPr>
+              <p:spPr>
+                <a:xfrm flipH="1">
+                  <a:off x="3582472" y="3237151"/>
+                  <a:ext cx="1080346" cy="474547"/>
+                </a:xfrm>
+                <a:prstGeom prst="straightConnector1">
+                  <a:avLst/>
+                </a:prstGeom>
+                <a:ln>
+                  <a:tailEnd type="arrow"/>
+                </a:ln>
+              </p:spPr>
+              <p:style>
+                <a:lnRef idx="1">
+                  <a:schemeClr val="dk1"/>
+                </a:lnRef>
+                <a:fillRef idx="0">
+                  <a:schemeClr val="dk1"/>
+                </a:fillRef>
+                <a:effectRef idx="0">
+                  <a:schemeClr val="dk1"/>
+                </a:effectRef>
+                <a:fontRef idx="minor">
+                  <a:schemeClr val="tx1"/>
+                </a:fontRef>
+              </p:style>
+            </p:cxnSp>
+            <p:cxnSp>
+              <p:nvCxnSpPr>
+                <p:cNvPr id="64" name="直線矢印コネクタ 63"/>
+                <p:cNvCxnSpPr/>
+                <p:nvPr/>
+              </p:nvCxnSpPr>
+              <p:spPr>
+                <a:xfrm>
+                  <a:off x="5312334" y="1904026"/>
+                  <a:ext cx="823071" cy="756455"/>
+                </a:xfrm>
+                <a:prstGeom prst="straightConnector1">
+                  <a:avLst/>
+                </a:prstGeom>
+                <a:ln>
+                  <a:tailEnd type="arrow"/>
+                </a:ln>
+              </p:spPr>
+              <p:style>
+                <a:lnRef idx="1">
+                  <a:schemeClr val="dk1"/>
+                </a:lnRef>
+                <a:fillRef idx="0">
+                  <a:schemeClr val="dk1"/>
+                </a:fillRef>
+                <a:effectRef idx="0">
+                  <a:schemeClr val="dk1"/>
+                </a:effectRef>
+                <a:fontRef idx="minor">
+                  <a:schemeClr val="tx1"/>
+                </a:fontRef>
+              </p:style>
+            </p:cxnSp>
+            <p:cxnSp>
+              <p:nvCxnSpPr>
+                <p:cNvPr id="65" name="直線矢印コネクタ 64"/>
+                <p:cNvCxnSpPr/>
+                <p:nvPr/>
+              </p:nvCxnSpPr>
+              <p:spPr>
+                <a:xfrm>
+                  <a:off x="5312334" y="2960059"/>
+                  <a:ext cx="823071" cy="3587"/>
+                </a:xfrm>
+                <a:prstGeom prst="straightConnector1">
+                  <a:avLst/>
+                </a:prstGeom>
+                <a:ln>
+                  <a:tailEnd type="arrow"/>
+                </a:ln>
+              </p:spPr>
+              <p:style>
+                <a:lnRef idx="1">
+                  <a:schemeClr val="dk1"/>
+                </a:lnRef>
+                <a:fillRef idx="0">
+                  <a:schemeClr val="dk1"/>
+                </a:fillRef>
+                <a:effectRef idx="0">
+                  <a:schemeClr val="dk1"/>
+                </a:effectRef>
+                <a:fontRef idx="minor">
+                  <a:schemeClr val="tx1"/>
+                </a:fontRef>
+              </p:style>
+            </p:cxnSp>
+            <p:sp>
+              <p:nvSpPr>
+                <p:cNvPr id="66" name="テキスト ボックス 65"/>
+                <p:cNvSpPr txBox="1"/>
+                <p:nvPr/>
+              </p:nvSpPr>
+              <p:spPr>
+                <a:xfrm>
+                  <a:off x="525152" y="2730497"/>
+                  <a:ext cx="2031325" cy="646331"/>
+                </a:xfrm>
+                <a:prstGeom prst="rect">
+                  <a:avLst/>
+                </a:prstGeom>
+                <a:noFill/>
+              </p:spPr>
+              <p:txBody>
+                <a:bodyPr wrap="none" rtlCol="0">
+                  <a:spAutoFit/>
+                </a:bodyPr>
+                <a:lstStyle/>
+                <a:p>
+                  <a:r>
+                    <a:rPr kumimoji="1" lang="ja-JP" altLang="en-US" dirty="0" smtClean="0">
+                      <a:latin typeface="メイリオ"/>
+                      <a:ea typeface="メイリオ"/>
+                      <a:cs typeface="メイリオ"/>
+                    </a:rPr>
+                    <a:t>間違えたデータは</a:t>
+                  </a:r>
+                  <a:endParaRPr kumimoji="1" lang="en-US" altLang="ja-JP" dirty="0" smtClean="0">
+                    <a:latin typeface="メイリオ"/>
+                    <a:ea typeface="メイリオ"/>
+                    <a:cs typeface="メイリオ"/>
+                  </a:endParaRPr>
+                </a:p>
+                <a:p>
+                  <a:r>
+                    <a:rPr kumimoji="1" lang="ja-JP" altLang="en-US" dirty="0" smtClean="0">
+                      <a:latin typeface="メイリオ"/>
+                      <a:ea typeface="メイリオ"/>
+                      <a:cs typeface="メイリオ"/>
+                    </a:rPr>
+                    <a:t>重みを増やす</a:t>
+                  </a:r>
+                  <a:endParaRPr kumimoji="1" lang="en-US" altLang="ja-JP" dirty="0" smtClean="0">
+                    <a:latin typeface="メイリオ"/>
+                    <a:ea typeface="メイリオ"/>
+                    <a:cs typeface="メイリオ"/>
+                  </a:endParaRPr>
+                </a:p>
+              </p:txBody>
+            </p:sp>
+          </p:grpSp>
+          <p:pic>
+            <p:nvPicPr>
+              <p:cNvPr id="79" name="図 78" descr="961660-200.png"/>
+              <p:cNvPicPr>
+                <a:picLocks noChangeAspect="1"/>
+              </p:cNvPicPr>
+              <p:nvPr/>
+            </p:nvPicPr>
+            <p:blipFill>
+              <a:blip r:embed="rId2">
+                <a:extLst>
+                  <a:ext uri="{28A0092B-C50C-407E-A947-70E740481C1C}">
+                    <a14:useLocalDpi xmlns:a14="http://schemas.microsoft.com/office/drawing/2010/main" val="0"/>
+                  </a:ext>
+                </a:extLst>
+              </a:blip>
+              <a:stretch>
+                <a:fillRect/>
+              </a:stretch>
+            </p:blipFill>
+            <p:spPr>
+              <a:xfrm>
+                <a:off x="6158771" y="2503887"/>
+                <a:ext cx="769242" cy="769242"/>
+              </a:xfrm>
+              <a:prstGeom prst="rect">
+                <a:avLst/>
+              </a:prstGeom>
+            </p:spPr>
+          </p:pic>
+          <p:cxnSp>
+            <p:nvCxnSpPr>
+              <p:cNvPr id="81" name="直線矢印コネクタ 80"/>
+              <p:cNvCxnSpPr/>
+              <p:nvPr/>
+            </p:nvCxnSpPr>
+            <p:spPr>
+              <a:xfrm>
+                <a:off x="6877595" y="2958265"/>
+                <a:ext cx="823071" cy="3587"/>
+              </a:xfrm>
+              <a:prstGeom prst="straightConnector1">
+                <a:avLst/>
+              </a:prstGeom>
+              <a:ln>
+                <a:tailEnd type="arrow"/>
+              </a:ln>
+            </p:spPr>
+            <p:style>
+              <a:lnRef idx="1">
+                <a:schemeClr val="dk1"/>
+              </a:lnRef>
+              <a:fillRef idx="0">
+                <a:schemeClr val="dk1"/>
+              </a:fillRef>
+              <a:effectRef idx="0">
+                <a:schemeClr val="dk1"/>
+              </a:effectRef>
+              <a:fontRef idx="minor">
+                <a:schemeClr val="tx1"/>
+              </a:fontRef>
+            </p:style>
+          </p:cxnSp>
+          <p:sp>
+            <p:nvSpPr>
+              <p:cNvPr id="68" name="正方形/長方形 67"/>
+              <p:cNvSpPr/>
+              <p:nvPr/>
+            </p:nvSpPr>
+            <p:spPr>
+              <a:xfrm>
+                <a:off x="6075441" y="3321778"/>
+                <a:ext cx="1338828" cy="369332"/>
+              </a:xfrm>
+              <a:prstGeom prst="rect">
+                <a:avLst/>
+              </a:prstGeom>
+            </p:spPr>
+            <p:txBody>
+              <a:bodyPr wrap="none">
+                <a:spAutoFit/>
+              </a:bodyPr>
+              <a:lstStyle/>
+              <a:p>
+                <a:pPr algn="ctr"/>
+                <a:r>
+                  <a:rPr lang="ja-JP" altLang="en-US" dirty="0">
+                    <a:latin typeface="メイリオ"/>
+                    <a:ea typeface="メイリオ"/>
+                    <a:cs typeface="メイリオ"/>
+                  </a:rPr>
+                  <a:t>最終モデル</a:t>
+                </a:r>
+                <a:endParaRPr lang="en-US" altLang="ja-JP" dirty="0">
+                  <a:latin typeface="メイリオ"/>
+                  <a:ea typeface="メイリオ"/>
+                  <a:cs typeface="メイリオ"/>
+                </a:endParaRPr>
+              </a:p>
+            </p:txBody>
+          </p:sp>
+        </p:grpSp>
+        <p:sp>
+          <p:nvSpPr>
+            <p:cNvPr id="86" name="円/楕円 85"/>
+            <p:cNvSpPr/>
+            <p:nvPr/>
+          </p:nvSpPr>
+          <p:spPr>
+            <a:xfrm>
+              <a:off x="7817283" y="2897472"/>
+              <a:ext cx="87859" cy="87859"/>
+            </a:xfrm>
+            <a:prstGeom prst="ellipse">
+              <a:avLst/>
+            </a:prstGeom>
+            <a:solidFill>
+              <a:srgbClr val="FF0000"/>
+            </a:solidFill>
+            <a:ln>
+              <a:noFill/>
+            </a:ln>
+          </p:spPr>
+          <p:style>
+            <a:lnRef idx="2">
+              <a:schemeClr val="dk1"/>
+            </a:lnRef>
+            <a:fillRef idx="1">
+              <a:schemeClr val="lt1"/>
+            </a:fillRef>
+            <a:effectRef idx="0">
+              <a:schemeClr val="dk1"/>
+            </a:effectRef>
+            <a:fontRef idx="minor">
+              <a:schemeClr val="dk1"/>
+            </a:fontRef>
+          </p:style>
+          <p:txBody>
+            <a:bodyPr rtlCol="0" anchor="ctr"/>
+            <a:lstStyle/>
+            <a:p>
+              <a:pPr algn="ctr"/>
+              <a:endParaRPr kumimoji="1" lang="ja-JP" altLang="en-US"/>
+            </a:p>
+          </p:txBody>
+        </p:sp>
+      </p:grpSp>
+    </p:spTree>
+    <p:extLst>
+      <p:ext uri="{BB962C8B-B14F-4D97-AF65-F5344CB8AC3E}">
+        <p14:creationId xmlns:p14="http://schemas.microsoft.com/office/powerpoint/2010/main" val="3615005393"/>
       </p:ext>
     </p:extLst>
   </p:cSld>
